--- a/AulasAvancado/src/main/resources/br/com/3- CDI/CDI.pptx
+++ b/AulasAvancado/src/main/resources/br/com/3- CDI/CDI.pptx
@@ -1,14 +1,14 @@
 
 <file path=ppt/presentation.xml><?xml version="1.0" encoding="utf-8"?>
-<p:presentation xmlns:a="http://schemas.openxmlformats.org/drawingml/2006/main" xmlns:r="http://schemas.openxmlformats.org/officeDocument/2006/relationships" xmlns:p="http://schemas.openxmlformats.org/presentationml/2006/main" removePersonalInfoOnSave="1">
+<p:presentation xmlns:a="http://schemas.openxmlformats.org/drawingml/2006/main" xmlns:r="http://schemas.openxmlformats.org/officeDocument/2006/relationships" xmlns:p="http://schemas.openxmlformats.org/presentationml/2006/main" serverZoom="31639" removePersonalInfoOnSave="1">
   <p:sldMasterIdLst>
     <p:sldMasterId id="2147483648" r:id="rId1"/>
   </p:sldMasterIdLst>
   <p:notesMasterIdLst>
-    <p:notesMasterId r:id="rId12"/>
+    <p:notesMasterId r:id="rId15"/>
   </p:notesMasterIdLst>
   <p:handoutMasterIdLst>
-    <p:handoutMasterId r:id="rId13"/>
+    <p:handoutMasterId r:id="rId16"/>
   </p:handoutMasterIdLst>
   <p:sldIdLst>
     <p:sldId id="257" r:id="rId2"/>
@@ -19,8 +19,11 @@
     <p:sldId id="307" r:id="rId7"/>
     <p:sldId id="308" r:id="rId8"/>
     <p:sldId id="292" r:id="rId9"/>
-    <p:sldId id="293" r:id="rId10"/>
-    <p:sldId id="309" r:id="rId11"/>
+    <p:sldId id="309" r:id="rId10"/>
+    <p:sldId id="293" r:id="rId11"/>
+    <p:sldId id="310" r:id="rId12"/>
+    <p:sldId id="311" r:id="rId13"/>
+    <p:sldId id="313" r:id="rId14"/>
   </p:sldIdLst>
   <p:sldSz cx="9144000" cy="6858000" type="screen4x3"/>
   <p:notesSz cx="6858000" cy="9144000"/>
@@ -119,7 +122,7 @@
   </p:defaultTextStyle>
   <p:extLst>
     <p:ext uri="{EFAFB233-063F-42B5-8137-9DF3F51BA10A}">
-      <p15:sldGuideLst xmlns:p15="http://schemas.microsoft.com/office/powerpoint/2012/main" xmlns="">
+      <p15:sldGuideLst xmlns:p15="http://schemas.microsoft.com/office/powerpoint/2012/main">
         <p15:guide id="1" orient="horz" pos="2160">
           <p15:clr>
             <a:srgbClr val="A4A3A4"/>
@@ -221,7 +224,7 @@
             <a:fld id="{54D4857D-62A5-486B-9129-468003D7E020}" type="datetimeFigureOut">
               <a:rPr lang="pt-BR" smtClean="0"/>
               <a:pPr/>
-              <a:t>15/10/2018</a:t>
+              <a:t>17/10/2018</a:t>
             </a:fld>
             <a:endParaRPr lang="pt-BR"/>
           </a:p>
@@ -391,7 +394,7 @@
           <a:p>
             <a:fld id="{2D2EF2CE-B28C-4ED4-8FD0-48BB3F48846A}" type="datetimeFigureOut">
               <a:pPr/>
-              <a:t>15/10/2018</a:t>
+              <a:t>17/10/2018</a:t>
             </a:fld>
             <a:endParaRPr lang="pt-BR"/>
           </a:p>
@@ -784,24 +787,90 @@
         </p:nvSpPr>
         <p:spPr/>
         <p:txBody>
-          <a:bodyPr/>
+          <a:bodyPr>
+            <a:normAutofit fontScale="92500"/>
+          </a:bodyPr>
           <a:lstStyle/>
           <a:p>
             <a:r>
-              <a:rPr lang="pt-BR" sz="1200" b="0" i="0" kern="1200" dirty="0" smtClean="0">
-                <a:solidFill>
-                  <a:schemeClr val="tx1"/>
-                </a:solidFill>
-                <a:effectLst/>
-                <a:latin typeface="+mn-lt"/>
-                <a:ea typeface="+mn-ea"/>
-                <a:cs typeface="+mn-cs"/>
-              </a:rPr>
-              <a:t>A tendência é o CDI se tornar a principal tecnologia para gerenciar objetos na plataforma Java EE, onde praticamente TUDO será gerenciado por seu container e com o tempo substituirá outras especificações que também possuem um container, como EJB e JSF.</a:t>
-            </a:r>
-          </a:p>
-          <a:p>
-            <a:endParaRPr lang="pt-BR" sz="1200" b="0" i="0" kern="1200" dirty="0" smtClean="0">
+              <a:rPr lang="en-US" sz="1200" b="0" i="0" kern="1200" dirty="0">
+                <a:solidFill>
+                  <a:schemeClr val="tx1"/>
+                </a:solidFill>
+                <a:effectLst/>
+                <a:latin typeface="+mn-lt"/>
+                <a:ea typeface="+mn-ea"/>
+                <a:cs typeface="+mn-cs"/>
+              </a:rPr>
+              <a:t>@Any: Think of it as an omnipresent qualifier. It’s there even if its not.</a:t>
+            </a:r>
+          </a:p>
+          <a:p>
+            <a:r>
+              <a:rPr lang="en-US" sz="1200" b="0" i="0" kern="1200" dirty="0">
+                <a:solidFill>
+                  <a:schemeClr val="tx1"/>
+                </a:solidFill>
+                <a:effectLst/>
+                <a:latin typeface="+mn-lt"/>
+                <a:ea typeface="+mn-ea"/>
+                <a:cs typeface="+mn-cs"/>
+              </a:rPr>
+              <a:t>@Default: As the name suggests, this qualifier treated as a default when none other qualifiers have been specific. </a:t>
+            </a:r>
+          </a:p>
+          <a:p>
+            <a:r>
+              <a:rPr lang="en-US" sz="1200" b="0" i="0" kern="1200" dirty="0">
+                <a:solidFill>
+                  <a:schemeClr val="tx1"/>
+                </a:solidFill>
+                <a:effectLst/>
+                <a:latin typeface="+mn-lt"/>
+                <a:ea typeface="+mn-ea"/>
+                <a:cs typeface="+mn-cs"/>
+              </a:rPr>
+              <a:t>The only exception to this rule is when the @Named (</a:t>
+            </a:r>
+            <a:r>
+              <a:rPr lang="en-US" sz="1200" b="0" i="0" kern="1200" dirty="0" err="1">
+                <a:solidFill>
+                  <a:schemeClr val="tx1"/>
+                </a:solidFill>
+                <a:effectLst/>
+                <a:latin typeface="+mn-lt"/>
+                <a:ea typeface="+mn-ea"/>
+                <a:cs typeface="+mn-cs"/>
+              </a:rPr>
+              <a:t>javax.inject</a:t>
+            </a:r>
+            <a:r>
+              <a:rPr lang="en-US" sz="1200" b="0" i="0" kern="1200" dirty="0">
+                <a:solidFill>
+                  <a:schemeClr val="tx1"/>
+                </a:solidFill>
+                <a:effectLst/>
+                <a:latin typeface="+mn-lt"/>
+                <a:ea typeface="+mn-ea"/>
+                <a:cs typeface="+mn-cs"/>
+              </a:rPr>
+              <a:t>) qualifier is used as well</a:t>
+            </a:r>
+          </a:p>
+          <a:p>
+            <a:r>
+              <a:rPr lang="en-US" sz="1200" b="0" i="0" kern="1200" dirty="0">
+                <a:solidFill>
+                  <a:schemeClr val="tx1"/>
+                </a:solidFill>
+                <a:effectLst/>
+                <a:latin typeface="+mn-lt"/>
+                <a:ea typeface="+mn-ea"/>
+                <a:cs typeface="+mn-cs"/>
+              </a:rPr>
+              <a:t>@New: Used to obtain a new instance of a bean on-demand. The new instance is scope independent. This has been deprecated since CDI 1.1</a:t>
+            </a:r>
+            <a:endParaRPr lang="pt-BR" sz="1200" b="0" i="0" kern="1200" dirty="0">
               <a:solidFill>
                 <a:schemeClr val="tx1"/>
               </a:solidFill>
@@ -812,94 +881,7 @@
             </a:endParaRPr>
           </a:p>
           <a:p>
-            <a:r>
-              <a:rPr lang="pt-BR" sz="1200" b="0" i="0" u="none" strike="noStrike" kern="1200" baseline="0" dirty="0" smtClean="0">
-                <a:solidFill>
-                  <a:schemeClr val="tx1"/>
-                </a:solidFill>
-                <a:latin typeface="+mn-lt"/>
-                <a:ea typeface="+mn-ea"/>
-                <a:cs typeface="+mn-cs"/>
-              </a:rPr>
-              <a:t>Se um </a:t>
-            </a:r>
-            <a:r>
-              <a:rPr lang="pt-BR" sz="1200" b="0" i="0" u="none" strike="noStrike" kern="1200" baseline="0" dirty="0" err="1" smtClean="0">
-                <a:solidFill>
-                  <a:schemeClr val="tx1"/>
-                </a:solidFill>
-                <a:latin typeface="+mn-lt"/>
-                <a:ea typeface="+mn-ea"/>
-                <a:cs typeface="+mn-cs"/>
-              </a:rPr>
-              <a:t>bean</a:t>
-            </a:r>
-            <a:r>
-              <a:rPr lang="pt-BR" sz="1200" b="0" i="0" u="none" strike="noStrike" kern="1200" baseline="0" dirty="0" smtClean="0">
-                <a:solidFill>
-                  <a:schemeClr val="tx1"/>
-                </a:solidFill>
-                <a:latin typeface="+mn-lt"/>
-                <a:ea typeface="+mn-ea"/>
-                <a:cs typeface="+mn-cs"/>
-              </a:rPr>
-              <a:t> não declara nenhum escopo, ele pertence ao escopo do objeto onde foi injetado. Isto corresponde ao </a:t>
-            </a:r>
-            <a:r>
-              <a:rPr lang="pt-BR" sz="1200" b="0" i="0" u="none" strike="noStrike" kern="1200" baseline="0" dirty="0" err="1" smtClean="0">
-                <a:solidFill>
-                  <a:schemeClr val="tx1"/>
-                </a:solidFill>
-                <a:latin typeface="+mn-lt"/>
-                <a:ea typeface="+mn-ea"/>
-                <a:cs typeface="+mn-cs"/>
-              </a:rPr>
-              <a:t>pseudo-escopo</a:t>
-            </a:r>
-            <a:r>
-              <a:rPr lang="pt-BR" sz="1200" b="0" i="0" u="none" strike="noStrike" kern="1200" baseline="0" dirty="0" smtClean="0">
-                <a:solidFill>
-                  <a:schemeClr val="tx1"/>
-                </a:solidFill>
-                <a:latin typeface="+mn-lt"/>
-                <a:ea typeface="+mn-ea"/>
-                <a:cs typeface="+mn-cs"/>
-              </a:rPr>
-              <a:t> </a:t>
-            </a:r>
-            <a:r>
-              <a:rPr lang="pt-BR" sz="1200" b="1" i="0" u="none" strike="noStrike" kern="1200" baseline="0" dirty="0" smtClean="0">
-                <a:solidFill>
-                  <a:schemeClr val="tx1"/>
-                </a:solidFill>
-                <a:latin typeface="+mn-lt"/>
-                <a:ea typeface="+mn-ea"/>
-                <a:cs typeface="+mn-cs"/>
-              </a:rPr>
-              <a:t>@</a:t>
-            </a:r>
-            <a:r>
-              <a:rPr lang="pt-BR" sz="1200" b="1" i="0" u="none" strike="noStrike" kern="1200" baseline="0" dirty="0" err="1" smtClean="0">
-                <a:solidFill>
-                  <a:schemeClr val="tx1"/>
-                </a:solidFill>
-                <a:latin typeface="+mn-lt"/>
-                <a:ea typeface="+mn-ea"/>
-                <a:cs typeface="+mn-cs"/>
-              </a:rPr>
-              <a:t>Dependent</a:t>
-            </a:r>
-            <a:endParaRPr lang="pt-BR" sz="1200" b="1" i="0" u="none" strike="noStrike" kern="1200" baseline="0" dirty="0" smtClean="0">
-              <a:solidFill>
-                <a:schemeClr val="tx1"/>
-              </a:solidFill>
-              <a:latin typeface="+mn-lt"/>
-              <a:ea typeface="+mn-ea"/>
-              <a:cs typeface="+mn-cs"/>
-            </a:endParaRPr>
-          </a:p>
-          <a:p>
-            <a:endParaRPr lang="pt-BR" sz="1200" b="1" i="0" u="none" strike="noStrike" kern="1200" baseline="0" dirty="0" smtClean="0">
+            <a:endParaRPr lang="pt-BR" sz="1200" b="0" i="0" kern="1200" dirty="0">
               <a:solidFill>
                 <a:schemeClr val="tx1"/>
               </a:solidFill>
@@ -911,43 +893,55 @@
           </a:p>
           <a:p>
             <a:r>
-              <a:rPr lang="pt-BR" sz="1200" b="0" i="0" kern="1200" dirty="0" smtClean="0">
-                <a:solidFill>
-                  <a:schemeClr val="tx1"/>
-                </a:solidFill>
-                <a:effectLst/>
-                <a:latin typeface="+mn-lt"/>
-                <a:ea typeface="+mn-ea"/>
-                <a:cs typeface="+mn-cs"/>
-              </a:rPr>
-              <a:t>Percebemos aqui que temos um problema, pois o escopo de </a:t>
-            </a:r>
-            <a:r>
-              <a:rPr lang="pt-BR" sz="1200" b="0" i="0" kern="1200" dirty="0" err="1" smtClean="0">
-                <a:solidFill>
-                  <a:schemeClr val="tx1"/>
-                </a:solidFill>
-                <a:effectLst/>
-                <a:latin typeface="+mn-lt"/>
-                <a:ea typeface="+mn-ea"/>
-                <a:cs typeface="+mn-cs"/>
-              </a:rPr>
-              <a:t>Request</a:t>
-            </a:r>
-            <a:r>
-              <a:rPr lang="pt-BR" sz="1200" b="0" i="0" kern="1200" dirty="0" smtClean="0">
-                <a:solidFill>
-                  <a:schemeClr val="tx1"/>
-                </a:solidFill>
-                <a:effectLst/>
-                <a:latin typeface="+mn-lt"/>
-                <a:ea typeface="+mn-ea"/>
-                <a:cs typeface="+mn-cs"/>
-              </a:rPr>
-              <a:t> é curto demais para manter o </a:t>
-            </a:r>
-            <a:r>
-              <a:rPr lang="pt-BR" sz="1200" b="0" i="0" kern="1200" dirty="0" err="1" smtClean="0">
+              <a:rPr lang="pt-BR" sz="1200" b="0" i="0" kern="1200" dirty="0">
+                <a:solidFill>
+                  <a:schemeClr val="tx1"/>
+                </a:solidFill>
+                <a:effectLst/>
+                <a:latin typeface="+mn-lt"/>
+                <a:ea typeface="+mn-ea"/>
+                <a:cs typeface="+mn-cs"/>
+              </a:rPr>
+              <a:t>  Todos tem </a:t>
+            </a:r>
+            <a:r>
+              <a:rPr lang="pt-BR" sz="1200" b="0" i="0" kern="1200" dirty="0" err="1">
+                <a:solidFill>
+                  <a:schemeClr val="tx1"/>
+                </a:solidFill>
+                <a:effectLst/>
+                <a:latin typeface="+mn-lt"/>
+                <a:ea typeface="+mn-ea"/>
+                <a:cs typeface="+mn-cs"/>
+              </a:rPr>
+              <a:t>Any</a:t>
+            </a:r>
+            <a:r>
+              <a:rPr lang="pt-BR" sz="1200" b="0" i="0" kern="1200" dirty="0">
+                <a:solidFill>
+                  <a:schemeClr val="tx1"/>
+                </a:solidFill>
+                <a:effectLst/>
+                <a:latin typeface="+mn-lt"/>
+                <a:ea typeface="+mn-ea"/>
+                <a:cs typeface="+mn-cs"/>
+              </a:rPr>
+              <a:t> e Default de forma implícita, porém quando cria um Qualificador,</a:t>
+            </a:r>
+            <a:r>
+              <a:rPr lang="pt-BR" sz="1200" b="0" i="0" kern="1200" baseline="0" dirty="0">
+                <a:solidFill>
+                  <a:schemeClr val="tx1"/>
+                </a:solidFill>
+                <a:effectLst/>
+                <a:latin typeface="+mn-lt"/>
+                <a:ea typeface="+mn-ea"/>
+                <a:cs typeface="+mn-cs"/>
+              </a:rPr>
+              <a:t> ele substitui o default por esse motivo a exigência de inserir a anotação ao injetar o </a:t>
+            </a:r>
+            <a:r>
+              <a:rPr lang="pt-BR" sz="1200" b="0" i="0" kern="1200" baseline="0" dirty="0" err="1">
                 <a:solidFill>
                   <a:schemeClr val="tx1"/>
                 </a:solidFill>
@@ -959,151 +953,7 @@
               <a:t>bean</a:t>
             </a:r>
             <a:r>
-              <a:rPr lang="pt-BR" sz="1200" b="0" i="0" kern="1200" dirty="0" smtClean="0">
-                <a:solidFill>
-                  <a:schemeClr val="tx1"/>
-                </a:solidFill>
-                <a:effectLst/>
-                <a:latin typeface="+mn-lt"/>
-                <a:ea typeface="+mn-ea"/>
-                <a:cs typeface="+mn-cs"/>
-              </a:rPr>
-              <a:t> na quantidade de tempo que desejamos e o escopo </a:t>
-            </a:r>
-            <a:r>
-              <a:rPr lang="pt-BR" sz="1200" b="0" i="0" kern="1200" dirty="0" err="1" smtClean="0">
-                <a:solidFill>
-                  <a:schemeClr val="tx1"/>
-                </a:solidFill>
-                <a:effectLst/>
-                <a:latin typeface="+mn-lt"/>
-                <a:ea typeface="+mn-ea"/>
-                <a:cs typeface="+mn-cs"/>
-              </a:rPr>
-              <a:t>Session</a:t>
-            </a:r>
-            <a:r>
-              <a:rPr lang="pt-BR" sz="1200" b="0" i="0" kern="1200" dirty="0" smtClean="0">
-                <a:solidFill>
-                  <a:schemeClr val="tx1"/>
-                </a:solidFill>
-                <a:effectLst/>
-                <a:latin typeface="+mn-lt"/>
-                <a:ea typeface="+mn-ea"/>
-                <a:cs typeface="+mn-cs"/>
-              </a:rPr>
-              <a:t> é longo demais e acaba mantendo o </a:t>
-            </a:r>
-            <a:r>
-              <a:rPr lang="pt-BR" sz="1200" b="0" i="0" kern="1200" dirty="0" err="1" smtClean="0">
-                <a:solidFill>
-                  <a:schemeClr val="tx1"/>
-                </a:solidFill>
-                <a:effectLst/>
-                <a:latin typeface="+mn-lt"/>
-                <a:ea typeface="+mn-ea"/>
-                <a:cs typeface="+mn-cs"/>
-              </a:rPr>
-              <a:t>bean</a:t>
-            </a:r>
-            <a:r>
-              <a:rPr lang="pt-BR" sz="1200" b="0" i="0" kern="1200" dirty="0" smtClean="0">
-                <a:solidFill>
-                  <a:schemeClr val="tx1"/>
-                </a:solidFill>
-                <a:effectLst/>
-                <a:latin typeface="+mn-lt"/>
-                <a:ea typeface="+mn-ea"/>
-                <a:cs typeface="+mn-cs"/>
-              </a:rPr>
-              <a:t> além do que desejamos. O </a:t>
-            </a:r>
-            <a:r>
-              <a:rPr lang="pt-BR" sz="1200" b="0" i="0" kern="1200" dirty="0" err="1" smtClean="0">
-                <a:solidFill>
-                  <a:schemeClr val="tx1"/>
-                </a:solidFill>
-                <a:effectLst/>
-                <a:latin typeface="+mn-lt"/>
-                <a:ea typeface="+mn-ea"/>
-                <a:cs typeface="+mn-cs"/>
-              </a:rPr>
-              <a:t>ViewScoped</a:t>
-            </a:r>
-            <a:r>
-              <a:rPr lang="pt-BR" sz="1200" b="0" i="0" kern="1200" dirty="0" smtClean="0">
-                <a:solidFill>
-                  <a:schemeClr val="tx1"/>
-                </a:solidFill>
-                <a:effectLst/>
-                <a:latin typeface="+mn-lt"/>
-                <a:ea typeface="+mn-ea"/>
-                <a:cs typeface="+mn-cs"/>
-              </a:rPr>
-              <a:t> veio para tentar resolver esse problema, criando um </a:t>
-            </a:r>
-            <a:r>
-              <a:rPr lang="pt-BR" sz="1200" b="1" i="0" kern="1200" dirty="0" smtClean="0">
-                <a:solidFill>
-                  <a:schemeClr val="tx1"/>
-                </a:solidFill>
-                <a:effectLst/>
-                <a:latin typeface="+mn-lt"/>
-                <a:ea typeface="+mn-ea"/>
-                <a:cs typeface="+mn-cs"/>
-              </a:rPr>
-              <a:t>meio-termo</a:t>
-            </a:r>
-            <a:r>
-              <a:rPr lang="pt-BR" sz="1200" b="0" i="0" kern="1200" dirty="0" smtClean="0">
-                <a:solidFill>
-                  <a:schemeClr val="tx1"/>
-                </a:solidFill>
-                <a:effectLst/>
-                <a:latin typeface="+mn-lt"/>
-                <a:ea typeface="+mn-ea"/>
-                <a:cs typeface="+mn-cs"/>
-              </a:rPr>
-              <a:t> entre o </a:t>
-            </a:r>
-            <a:r>
-              <a:rPr lang="pt-BR" sz="1200" b="1" i="0" kern="1200" dirty="0" err="1" smtClean="0">
-                <a:solidFill>
-                  <a:schemeClr val="tx1"/>
-                </a:solidFill>
-                <a:effectLst/>
-                <a:latin typeface="+mn-lt"/>
-                <a:ea typeface="+mn-ea"/>
-                <a:cs typeface="+mn-cs"/>
-              </a:rPr>
-              <a:t>Request</a:t>
-            </a:r>
-            <a:r>
-              <a:rPr lang="pt-BR" sz="1200" b="0" i="0" kern="1200" dirty="0" smtClean="0">
-                <a:solidFill>
-                  <a:schemeClr val="tx1"/>
-                </a:solidFill>
-                <a:effectLst/>
-                <a:latin typeface="+mn-lt"/>
-                <a:ea typeface="+mn-ea"/>
-                <a:cs typeface="+mn-cs"/>
-              </a:rPr>
-              <a:t> e o </a:t>
-            </a:r>
-            <a:r>
-              <a:rPr lang="pt-BR" sz="1200" b="1" i="0" kern="1200" dirty="0" err="1" smtClean="0">
-                <a:solidFill>
-                  <a:schemeClr val="tx1"/>
-                </a:solidFill>
-                <a:effectLst/>
-                <a:latin typeface="+mn-lt"/>
-                <a:ea typeface="+mn-ea"/>
-                <a:cs typeface="+mn-cs"/>
-              </a:rPr>
-              <a:t>Session</a:t>
-            </a:r>
-            <a:r>
-              <a:rPr lang="pt-BR" sz="1200" b="0" i="0" kern="1200" dirty="0" smtClean="0">
+              <a:rPr lang="pt-BR" sz="1200" b="0" i="0" kern="1200" baseline="0" dirty="0">
                 <a:solidFill>
                   <a:schemeClr val="tx1"/>
                 </a:solidFill>
@@ -1114,7 +964,7 @@
               </a:rPr>
               <a:t>.</a:t>
             </a:r>
-            <a:endParaRPr lang="pt-BR" sz="1200" b="1" i="0" u="none" strike="noStrike" kern="1200" baseline="0" dirty="0" smtClean="0">
+            <a:endParaRPr lang="pt-BR" sz="1200" b="0" i="0" kern="1200" dirty="0">
               <a:solidFill>
                 <a:schemeClr val="tx1"/>
               </a:solidFill>
@@ -1126,116 +976,236 @@
           </a:p>
           <a:p>
             <a:r>
-              <a:rPr lang="pt-BR" sz="1200" b="0" i="0" kern="1200" dirty="0" smtClean="0">
-                <a:solidFill>
-                  <a:schemeClr val="tx1"/>
-                </a:solidFill>
-                <a:effectLst/>
-                <a:latin typeface="+mn-lt"/>
-                <a:ea typeface="+mn-ea"/>
-                <a:cs typeface="+mn-cs"/>
-              </a:rPr>
-              <a:t>O </a:t>
-            </a:r>
-            <a:r>
-              <a:rPr lang="pt-BR" sz="1200" b="0" i="0" kern="1200" dirty="0" err="1" smtClean="0">
-                <a:solidFill>
-                  <a:schemeClr val="tx1"/>
-                </a:solidFill>
-                <a:effectLst/>
-                <a:latin typeface="+mn-lt"/>
-                <a:ea typeface="+mn-ea"/>
-                <a:cs typeface="+mn-cs"/>
-              </a:rPr>
-              <a:t>ViewScoped</a:t>
-            </a:r>
-            <a:r>
-              <a:rPr lang="pt-BR" sz="1200" b="0" i="0" kern="1200" dirty="0" smtClean="0">
-                <a:solidFill>
-                  <a:schemeClr val="tx1"/>
-                </a:solidFill>
-                <a:effectLst/>
-                <a:latin typeface="+mn-lt"/>
-                <a:ea typeface="+mn-ea"/>
-                <a:cs typeface="+mn-cs"/>
-              </a:rPr>
-              <a:t> mantém o estado do </a:t>
-            </a:r>
-            <a:r>
-              <a:rPr lang="pt-BR" sz="1200" b="0" i="0" kern="1200" dirty="0" err="1" smtClean="0">
-                <a:solidFill>
-                  <a:schemeClr val="tx1"/>
-                </a:solidFill>
-                <a:effectLst/>
-                <a:latin typeface="+mn-lt"/>
-                <a:ea typeface="+mn-ea"/>
-                <a:cs typeface="+mn-cs"/>
-              </a:rPr>
-              <a:t>bean</a:t>
-            </a:r>
-            <a:r>
-              <a:rPr lang="pt-BR" sz="1200" b="0" i="0" kern="1200" dirty="0" smtClean="0">
-                <a:solidFill>
-                  <a:schemeClr val="tx1"/>
-                </a:solidFill>
-                <a:effectLst/>
-                <a:latin typeface="+mn-lt"/>
-                <a:ea typeface="+mn-ea"/>
-                <a:cs typeface="+mn-cs"/>
-              </a:rPr>
-              <a:t> enquanto houver requisições da mesma </a:t>
-            </a:r>
-            <a:r>
-              <a:rPr lang="pt-BR" sz="1200" b="0" i="0" kern="1200" dirty="0" err="1" smtClean="0">
-                <a:solidFill>
-                  <a:schemeClr val="tx1"/>
-                </a:solidFill>
-                <a:effectLst/>
-                <a:latin typeface="+mn-lt"/>
-                <a:ea typeface="+mn-ea"/>
-                <a:cs typeface="+mn-cs"/>
-              </a:rPr>
-              <a:t>view</a:t>
-            </a:r>
-            <a:r>
-              <a:rPr lang="pt-BR" sz="1200" b="0" i="0" kern="1200" dirty="0" smtClean="0">
-                <a:solidFill>
-                  <a:schemeClr val="tx1"/>
-                </a:solidFill>
-                <a:effectLst/>
-                <a:latin typeface="+mn-lt"/>
-                <a:ea typeface="+mn-ea"/>
-                <a:cs typeface="+mn-cs"/>
-              </a:rPr>
-              <a:t>/página, e quando ele muda de página o estado do </a:t>
-            </a:r>
-            <a:r>
-              <a:rPr lang="pt-BR" sz="1200" b="0" i="0" kern="1200" dirty="0" err="1" smtClean="0">
-                <a:solidFill>
-                  <a:schemeClr val="tx1"/>
-                </a:solidFill>
-                <a:effectLst/>
-                <a:latin typeface="+mn-lt"/>
-                <a:ea typeface="+mn-ea"/>
-                <a:cs typeface="+mn-cs"/>
-              </a:rPr>
-              <a:t>bean</a:t>
-            </a:r>
-            <a:r>
-              <a:rPr lang="pt-BR" sz="1200" b="0" i="0" kern="1200" dirty="0" smtClean="0">
-                <a:solidFill>
-                  <a:schemeClr val="tx1"/>
-                </a:solidFill>
-                <a:effectLst/>
-                <a:latin typeface="+mn-lt"/>
-                <a:ea typeface="+mn-ea"/>
-                <a:cs typeface="+mn-cs"/>
-              </a:rPr>
-              <a:t> é descartado.</a:t>
-            </a:r>
-          </a:p>
-          <a:p>
-            <a:endParaRPr lang="pt-BR" sz="1200" b="0" i="0" kern="1200" dirty="0" smtClean="0">
+              <a:rPr lang="en-US" sz="1200" kern="1200" dirty="0">
+                <a:solidFill>
+                  <a:schemeClr val="tx1"/>
+                </a:solidFill>
+                <a:latin typeface="+mn-lt"/>
+                <a:ea typeface="+mn-ea"/>
+                <a:cs typeface="+mn-cs"/>
+              </a:rPr>
+              <a:t>- Managed Bean [class </a:t>
+            </a:r>
+            <a:r>
+              <a:rPr lang="en-US" sz="1200" kern="1200" dirty="0" err="1">
+                <a:solidFill>
+                  <a:schemeClr val="tx1"/>
+                </a:solidFill>
+                <a:latin typeface="+mn-lt"/>
+                <a:ea typeface="+mn-ea"/>
+                <a:cs typeface="+mn-cs"/>
+              </a:rPr>
+              <a:t>br.com.java.advanced.qualifier.ServicoLoginWs</a:t>
+            </a:r>
+            <a:r>
+              <a:rPr lang="en-US" sz="1200" kern="1200" dirty="0">
+                <a:solidFill>
+                  <a:schemeClr val="tx1"/>
+                </a:solidFill>
+                <a:latin typeface="+mn-lt"/>
+                <a:ea typeface="+mn-ea"/>
+                <a:cs typeface="+mn-cs"/>
+              </a:rPr>
+              <a:t>] with qualifiers [@Any @Default]</a:t>
+            </a:r>
+            <a:endParaRPr lang="pt-BR" sz="1200" kern="1200" dirty="0">
+              <a:solidFill>
+                <a:schemeClr val="tx1"/>
+              </a:solidFill>
+              <a:latin typeface="+mn-lt"/>
+              <a:ea typeface="+mn-ea"/>
+              <a:cs typeface="+mn-cs"/>
+            </a:endParaRPr>
+          </a:p>
+          <a:p>
+            <a:r>
+              <a:rPr lang="pt-BR" sz="1200" kern="1200" dirty="0">
+                <a:solidFill>
+                  <a:schemeClr val="tx1"/>
+                </a:solidFill>
+                <a:latin typeface="+mn-lt"/>
+                <a:ea typeface="+mn-ea"/>
+                <a:cs typeface="+mn-cs"/>
+              </a:rPr>
+              <a:t>- </a:t>
+            </a:r>
+            <a:r>
+              <a:rPr lang="pt-BR" sz="1200" kern="1200" dirty="0" err="1">
+                <a:solidFill>
+                  <a:schemeClr val="tx1"/>
+                </a:solidFill>
+                <a:latin typeface="+mn-lt"/>
+                <a:ea typeface="+mn-ea"/>
+                <a:cs typeface="+mn-cs"/>
+              </a:rPr>
+              <a:t>Managed</a:t>
+            </a:r>
+            <a:r>
+              <a:rPr lang="pt-BR" sz="1200" kern="1200" dirty="0">
+                <a:solidFill>
+                  <a:schemeClr val="tx1"/>
+                </a:solidFill>
+                <a:latin typeface="+mn-lt"/>
+                <a:ea typeface="+mn-ea"/>
+                <a:cs typeface="+mn-cs"/>
+              </a:rPr>
+              <a:t> </a:t>
+            </a:r>
+            <a:r>
+              <a:rPr lang="pt-BR" sz="1200" kern="1200" dirty="0" err="1">
+                <a:solidFill>
+                  <a:schemeClr val="tx1"/>
+                </a:solidFill>
+                <a:latin typeface="+mn-lt"/>
+                <a:ea typeface="+mn-ea"/>
+                <a:cs typeface="+mn-cs"/>
+              </a:rPr>
+              <a:t>Bean</a:t>
+            </a:r>
+            <a:r>
+              <a:rPr lang="pt-BR" sz="1200" kern="1200" dirty="0">
+                <a:solidFill>
+                  <a:schemeClr val="tx1"/>
+                </a:solidFill>
+                <a:latin typeface="+mn-lt"/>
+                <a:ea typeface="+mn-ea"/>
+                <a:cs typeface="+mn-cs"/>
+              </a:rPr>
+              <a:t> [</a:t>
+            </a:r>
+            <a:r>
+              <a:rPr lang="pt-BR" sz="1200" kern="1200" dirty="0" err="1">
+                <a:solidFill>
+                  <a:schemeClr val="tx1"/>
+                </a:solidFill>
+                <a:latin typeface="+mn-lt"/>
+                <a:ea typeface="+mn-ea"/>
+                <a:cs typeface="+mn-cs"/>
+              </a:rPr>
+              <a:t>class</a:t>
+            </a:r>
+            <a:r>
+              <a:rPr lang="pt-BR" sz="1200" kern="1200" dirty="0">
+                <a:solidFill>
+                  <a:schemeClr val="tx1"/>
+                </a:solidFill>
+                <a:latin typeface="+mn-lt"/>
+                <a:ea typeface="+mn-ea"/>
+                <a:cs typeface="+mn-cs"/>
+              </a:rPr>
+              <a:t> </a:t>
+            </a:r>
+            <a:r>
+              <a:rPr lang="pt-BR" sz="1200" kern="1200" dirty="0" err="1">
+                <a:solidFill>
+                  <a:schemeClr val="tx1"/>
+                </a:solidFill>
+                <a:latin typeface="+mn-lt"/>
+                <a:ea typeface="+mn-ea"/>
+                <a:cs typeface="+mn-cs"/>
+              </a:rPr>
+              <a:t>br.com.java.advanced.qualifier.ServicoLoginDb</a:t>
+            </a:r>
+            <a:r>
+              <a:rPr lang="pt-BR" sz="1200" kern="1200" dirty="0">
+                <a:solidFill>
+                  <a:schemeClr val="tx1"/>
+                </a:solidFill>
+                <a:latin typeface="+mn-lt"/>
+                <a:ea typeface="+mn-ea"/>
+                <a:cs typeface="+mn-cs"/>
+              </a:rPr>
+              <a:t>] </a:t>
+            </a:r>
+            <a:r>
+              <a:rPr lang="pt-BR" sz="1200" kern="1200" dirty="0" err="1">
+                <a:solidFill>
+                  <a:schemeClr val="tx1"/>
+                </a:solidFill>
+                <a:latin typeface="+mn-lt"/>
+                <a:ea typeface="+mn-ea"/>
+                <a:cs typeface="+mn-cs"/>
+              </a:rPr>
+              <a:t>with</a:t>
+            </a:r>
+            <a:r>
+              <a:rPr lang="pt-BR" sz="1200" kern="1200" dirty="0">
+                <a:solidFill>
+                  <a:schemeClr val="tx1"/>
+                </a:solidFill>
+                <a:latin typeface="+mn-lt"/>
+                <a:ea typeface="+mn-ea"/>
+                <a:cs typeface="+mn-cs"/>
+              </a:rPr>
+              <a:t> </a:t>
+            </a:r>
+            <a:r>
+              <a:rPr lang="pt-BR" sz="1200" kern="1200" dirty="0" err="1">
+                <a:solidFill>
+                  <a:schemeClr val="tx1"/>
+                </a:solidFill>
+                <a:latin typeface="+mn-lt"/>
+                <a:ea typeface="+mn-ea"/>
+                <a:cs typeface="+mn-cs"/>
+              </a:rPr>
+              <a:t>qualifiers</a:t>
+            </a:r>
+            <a:r>
+              <a:rPr lang="pt-BR" sz="1200" kern="1200" dirty="0">
+                <a:solidFill>
+                  <a:schemeClr val="tx1"/>
+                </a:solidFill>
+                <a:latin typeface="+mn-lt"/>
+                <a:ea typeface="+mn-ea"/>
+                <a:cs typeface="+mn-cs"/>
+              </a:rPr>
+              <a:t> [@</a:t>
+            </a:r>
+            <a:r>
+              <a:rPr lang="pt-BR" sz="1200" kern="1200" dirty="0" err="1">
+                <a:solidFill>
+                  <a:schemeClr val="tx1"/>
+                </a:solidFill>
+                <a:latin typeface="+mn-lt"/>
+                <a:ea typeface="+mn-ea"/>
+                <a:cs typeface="+mn-cs"/>
+              </a:rPr>
+              <a:t>QualificadorLogin</a:t>
+            </a:r>
+            <a:r>
+              <a:rPr lang="pt-BR" sz="1200" kern="1200" dirty="0">
+                <a:solidFill>
+                  <a:schemeClr val="tx1"/>
+                </a:solidFill>
+                <a:latin typeface="+mn-lt"/>
+                <a:ea typeface="+mn-ea"/>
+                <a:cs typeface="+mn-cs"/>
+              </a:rPr>
+              <a:t> @</a:t>
+            </a:r>
+            <a:r>
+              <a:rPr lang="pt-BR" sz="1200" kern="1200" dirty="0" err="1">
+                <a:solidFill>
+                  <a:schemeClr val="tx1"/>
+                </a:solidFill>
+                <a:latin typeface="+mn-lt"/>
+                <a:ea typeface="+mn-ea"/>
+                <a:cs typeface="+mn-cs"/>
+              </a:rPr>
+              <a:t>Any</a:t>
+            </a:r>
+            <a:r>
+              <a:rPr lang="pt-BR" sz="1200" kern="1200" dirty="0">
+                <a:solidFill>
+                  <a:schemeClr val="tx1"/>
+                </a:solidFill>
+                <a:latin typeface="+mn-lt"/>
+                <a:ea typeface="+mn-ea"/>
+                <a:cs typeface="+mn-cs"/>
+              </a:rPr>
+              <a:t>]</a:t>
+            </a:r>
+            <a:endParaRPr lang="pt-BR" sz="1200" b="0" i="0" kern="1200" dirty="0">
               <a:solidFill>
                 <a:schemeClr val="tx1"/>
               </a:solidFill>
@@ -1246,46 +1216,7 @@
             </a:endParaRPr>
           </a:p>
           <a:p>
-            <a:pPr marL="0" marR="0" indent="0" algn="l" defTabSz="914400" rtl="0" eaLnBrk="1" fontAlgn="auto" latinLnBrk="0" hangingPunct="1">
-              <a:lnSpc>
-                <a:spcPct val="100000"/>
-              </a:lnSpc>
-              <a:spcBef>
-                <a:spcPts val="0"/>
-              </a:spcBef>
-              <a:spcAft>
-                <a:spcPts val="0"/>
-              </a:spcAft>
-              <a:buClrTx/>
-              <a:buSzTx/>
-              <a:buFontTx/>
-              <a:buNone/>
-              <a:tabLst/>
-              <a:defRPr/>
-            </a:pPr>
-            <a:r>
-              <a:rPr lang="pt-BR" sz="1200" dirty="0" smtClean="0"/>
-              <a:t>• @</a:t>
-            </a:r>
-            <a:r>
-              <a:rPr lang="pt-BR" sz="1200" dirty="0" err="1" smtClean="0"/>
-              <a:t>ConversationScoped</a:t>
-            </a:r>
-            <a:r>
-              <a:rPr lang="pt-BR" sz="1200" dirty="0" smtClean="0"/>
-              <a:t>	(</a:t>
-            </a:r>
-            <a:r>
-              <a:rPr lang="pt-BR" sz="1200" dirty="0" err="1" smtClean="0"/>
-              <a:t>Dev</a:t>
-            </a:r>
-            <a:r>
-              <a:rPr lang="pt-BR" sz="1200" dirty="0" smtClean="0"/>
-              <a:t> delimita fronteiras)</a:t>
-            </a:r>
-          </a:p>
-          <a:p>
-            <a:endParaRPr lang="pt-BR" sz="1200" b="0" i="0" kern="1200" dirty="0" smtClean="0">
+            <a:endParaRPr lang="pt-BR" sz="1200" b="0" i="0" kern="1200" dirty="0">
               <a:solidFill>
                 <a:schemeClr val="tx1"/>
               </a:solidFill>
@@ -1295,6 +1226,289 @@
               <a:cs typeface="+mn-cs"/>
             </a:endParaRPr>
           </a:p>
+          <a:p>
+            <a:r>
+              <a:rPr lang="pt-BR" sz="1200" b="0" i="0" kern="1200" dirty="0">
+                <a:solidFill>
+                  <a:schemeClr val="tx1"/>
+                </a:solidFill>
+                <a:effectLst/>
+                <a:latin typeface="+mn-lt"/>
+                <a:ea typeface="+mn-ea"/>
+                <a:cs typeface="+mn-cs"/>
+              </a:rPr>
+              <a:t>@</a:t>
+            </a:r>
+            <a:r>
+              <a:rPr lang="pt-BR" sz="1200" b="0" i="0" kern="1200" dirty="0" err="1">
+                <a:solidFill>
+                  <a:schemeClr val="tx1"/>
+                </a:solidFill>
+                <a:effectLst/>
+                <a:latin typeface="+mn-lt"/>
+                <a:ea typeface="+mn-ea"/>
+                <a:cs typeface="+mn-cs"/>
+              </a:rPr>
+              <a:t>Qualifier</a:t>
+            </a:r>
+            <a:endParaRPr lang="pt-BR" sz="1200" b="0" i="0" kern="1200" dirty="0">
+              <a:solidFill>
+                <a:schemeClr val="tx1"/>
+              </a:solidFill>
+              <a:effectLst/>
+              <a:latin typeface="+mn-lt"/>
+              <a:ea typeface="+mn-ea"/>
+              <a:cs typeface="+mn-cs"/>
+            </a:endParaRPr>
+          </a:p>
+          <a:p>
+            <a:r>
+              <a:rPr lang="pt-BR" sz="1200" b="0" i="0" kern="1200" dirty="0">
+                <a:solidFill>
+                  <a:schemeClr val="tx1"/>
+                </a:solidFill>
+                <a:effectLst/>
+                <a:latin typeface="+mn-lt"/>
+                <a:ea typeface="+mn-ea"/>
+                <a:cs typeface="+mn-cs"/>
+              </a:rPr>
+              <a:t>@</a:t>
+            </a:r>
+            <a:r>
+              <a:rPr lang="pt-BR" sz="1200" b="0" i="0" kern="1200" dirty="0" err="1">
+                <a:solidFill>
+                  <a:schemeClr val="tx1"/>
+                </a:solidFill>
+                <a:effectLst/>
+                <a:latin typeface="+mn-lt"/>
+                <a:ea typeface="+mn-ea"/>
+                <a:cs typeface="+mn-cs"/>
+              </a:rPr>
+              <a:t>Retention</a:t>
+            </a:r>
+            <a:r>
+              <a:rPr lang="pt-BR" sz="1200" b="0" i="0" kern="1200" dirty="0">
+                <a:solidFill>
+                  <a:schemeClr val="tx1"/>
+                </a:solidFill>
+                <a:effectLst/>
+                <a:latin typeface="+mn-lt"/>
+                <a:ea typeface="+mn-ea"/>
+                <a:cs typeface="+mn-cs"/>
+              </a:rPr>
+              <a:t>(RUNTIME)</a:t>
+            </a:r>
+          </a:p>
+          <a:p>
+            <a:r>
+              <a:rPr lang="pt-BR" sz="1200" b="0" i="0" kern="1200" dirty="0">
+                <a:solidFill>
+                  <a:schemeClr val="tx1"/>
+                </a:solidFill>
+                <a:effectLst/>
+                <a:latin typeface="+mn-lt"/>
+                <a:ea typeface="+mn-ea"/>
+                <a:cs typeface="+mn-cs"/>
+              </a:rPr>
+              <a:t>@Target({METHOD, FIELD, PARAMETER, TYPE})</a:t>
+            </a:r>
+          </a:p>
+          <a:p>
+            <a:r>
+              <a:rPr lang="pt-BR" sz="1200" b="0" i="0" kern="1200" dirty="0" err="1">
+                <a:solidFill>
+                  <a:schemeClr val="tx1"/>
+                </a:solidFill>
+                <a:effectLst/>
+                <a:latin typeface="+mn-lt"/>
+                <a:ea typeface="+mn-ea"/>
+                <a:cs typeface="+mn-cs"/>
+              </a:rPr>
+              <a:t>public</a:t>
+            </a:r>
+            <a:r>
+              <a:rPr lang="pt-BR" sz="1200" b="0" i="0" kern="1200" dirty="0">
+                <a:solidFill>
+                  <a:schemeClr val="tx1"/>
+                </a:solidFill>
+                <a:effectLst/>
+                <a:latin typeface="+mn-lt"/>
+                <a:ea typeface="+mn-ea"/>
+                <a:cs typeface="+mn-cs"/>
+              </a:rPr>
+              <a:t> @interface </a:t>
+            </a:r>
+            <a:r>
+              <a:rPr lang="pt-BR" sz="1200" b="0" i="0" kern="1200" dirty="0" err="1">
+                <a:solidFill>
+                  <a:schemeClr val="tx1"/>
+                </a:solidFill>
+                <a:effectLst/>
+                <a:latin typeface="+mn-lt"/>
+                <a:ea typeface="+mn-ea"/>
+                <a:cs typeface="+mn-cs"/>
+              </a:rPr>
+              <a:t>QualificadorLoginDb</a:t>
+            </a:r>
+            <a:r>
+              <a:rPr lang="pt-BR" sz="1200" b="0" i="0" kern="1200" dirty="0">
+                <a:solidFill>
+                  <a:schemeClr val="tx1"/>
+                </a:solidFill>
+                <a:effectLst/>
+                <a:latin typeface="+mn-lt"/>
+                <a:ea typeface="+mn-ea"/>
+                <a:cs typeface="+mn-cs"/>
+              </a:rPr>
+              <a:t> {</a:t>
+            </a:r>
+          </a:p>
+          <a:p>
+            <a:r>
+              <a:rPr lang="pt-BR" sz="1200" b="0" i="0" kern="1200" dirty="0">
+                <a:solidFill>
+                  <a:schemeClr val="tx1"/>
+                </a:solidFill>
+                <a:effectLst/>
+                <a:latin typeface="+mn-lt"/>
+                <a:ea typeface="+mn-ea"/>
+                <a:cs typeface="+mn-cs"/>
+              </a:rPr>
+              <a:t>}</a:t>
+            </a:r>
+            <a:endParaRPr kumimoji="0" lang="pt-BR" sz="1200" b="0" i="0" u="none" strike="noStrike" kern="0" cap="none" spc="0" normalizeH="0" baseline="0" dirty="0">
+              <a:ln>
+                <a:noFill/>
+              </a:ln>
+              <a:solidFill>
+                <a:schemeClr val="tx1"/>
+              </a:solidFill>
+              <a:effectLst/>
+              <a:uLnTx/>
+              <a:uFillTx/>
+              <a:latin typeface="+mn-lt"/>
+              <a:ea typeface="+mn-ea"/>
+              <a:cs typeface="+mn-cs"/>
+            </a:endParaRPr>
+          </a:p>
+          <a:p>
+            <a:endParaRPr kumimoji="0" lang="pt-BR" sz="1200" b="0" i="0" u="none" strike="noStrike" kern="0" cap="none" spc="0" normalizeH="0" baseline="0" dirty="0">
+              <a:ln>
+                <a:noFill/>
+              </a:ln>
+              <a:solidFill>
+                <a:schemeClr val="tx1"/>
+              </a:solidFill>
+              <a:effectLst/>
+              <a:uLnTx/>
+              <a:uFillTx/>
+              <a:latin typeface="+mn-lt"/>
+              <a:ea typeface="+mn-ea"/>
+              <a:cs typeface="+mn-cs"/>
+            </a:endParaRPr>
+          </a:p>
+          <a:p>
+            <a:r>
+              <a:rPr lang="pt-BR" sz="1200" b="1" i="0" kern="1200" dirty="0">
+                <a:solidFill>
+                  <a:schemeClr val="tx1"/>
+                </a:solidFill>
+                <a:effectLst/>
+                <a:latin typeface="+mn-lt"/>
+                <a:ea typeface="+mn-ea"/>
+                <a:cs typeface="+mn-cs"/>
+              </a:rPr>
+              <a:t>@</a:t>
+            </a:r>
+            <a:r>
+              <a:rPr lang="pt-BR" sz="1200" b="1" i="0" kern="1200" dirty="0" err="1">
+                <a:solidFill>
+                  <a:schemeClr val="tx1"/>
+                </a:solidFill>
+                <a:effectLst/>
+                <a:latin typeface="+mn-lt"/>
+                <a:ea typeface="+mn-ea"/>
+                <a:cs typeface="+mn-cs"/>
+              </a:rPr>
+              <a:t>Qualifier</a:t>
+            </a:r>
+            <a:r>
+              <a:rPr lang="pt-BR" sz="1200" b="0" i="0" kern="1200" dirty="0">
+                <a:solidFill>
+                  <a:schemeClr val="tx1"/>
+                </a:solidFill>
+                <a:effectLst/>
+                <a:latin typeface="+mn-lt"/>
+                <a:ea typeface="+mn-ea"/>
+                <a:cs typeface="+mn-cs"/>
+              </a:rPr>
+              <a:t>: quando aplicada, caracteriza a estrutura em questão como um qualificador.</a:t>
+            </a:r>
+          </a:p>
+          <a:p>
+            <a:r>
+              <a:rPr lang="pt-BR" sz="1200" b="1" i="0" kern="1200" dirty="0">
+                <a:solidFill>
+                  <a:schemeClr val="tx1"/>
+                </a:solidFill>
+                <a:effectLst/>
+                <a:latin typeface="+mn-lt"/>
+                <a:ea typeface="+mn-ea"/>
+                <a:cs typeface="+mn-cs"/>
+              </a:rPr>
+              <a:t>@</a:t>
+            </a:r>
+            <a:r>
+              <a:rPr lang="pt-BR" sz="1200" b="1" i="0" kern="1200" dirty="0" err="1">
+                <a:solidFill>
+                  <a:schemeClr val="tx1"/>
+                </a:solidFill>
+                <a:effectLst/>
+                <a:latin typeface="+mn-lt"/>
+                <a:ea typeface="+mn-ea"/>
+                <a:cs typeface="+mn-cs"/>
+              </a:rPr>
+              <a:t>Retention</a:t>
+            </a:r>
+            <a:r>
+              <a:rPr lang="pt-BR" sz="1200" b="0" i="0" kern="1200" dirty="0">
+                <a:solidFill>
+                  <a:schemeClr val="tx1"/>
+                </a:solidFill>
+                <a:effectLst/>
+                <a:latin typeface="+mn-lt"/>
+                <a:ea typeface="+mn-ea"/>
+                <a:cs typeface="+mn-cs"/>
+              </a:rPr>
+              <a:t>: indica em que fases do código a anotação deve ser mantida.</a:t>
+            </a:r>
+          </a:p>
+          <a:p>
+            <a:r>
+              <a:rPr lang="pt-BR" sz="1200" b="1" i="0" kern="1200" dirty="0">
+                <a:solidFill>
+                  <a:schemeClr val="tx1"/>
+                </a:solidFill>
+                <a:effectLst/>
+                <a:latin typeface="+mn-lt"/>
+                <a:ea typeface="+mn-ea"/>
+                <a:cs typeface="+mn-cs"/>
+              </a:rPr>
+              <a:t>@Target</a:t>
+            </a:r>
+            <a:r>
+              <a:rPr lang="pt-BR" sz="1200" b="0" i="0" kern="1200" dirty="0">
+                <a:solidFill>
+                  <a:schemeClr val="tx1"/>
+                </a:solidFill>
+                <a:effectLst/>
+                <a:latin typeface="+mn-lt"/>
+                <a:ea typeface="+mn-ea"/>
+                <a:cs typeface="+mn-cs"/>
+              </a:rPr>
+              <a:t>: indica a que tipo de recurso a anotação em questão (neste caso, novamente um qualificador) poderá se associar.</a:t>
+            </a:r>
+          </a:p>
         </p:txBody>
       </p:sp>
       <p:sp>
@@ -1322,6 +1536,885 @@
         </p:txBody>
       </p:sp>
     </p:spTree>
+  </p:cSld>
+  <p:clrMapOvr>
+    <a:masterClrMapping/>
+  </p:clrMapOvr>
+</p:notes>
+</file>
+
+<file path=ppt/notesSlides/notesSlide11.xml><?xml version="1.0" encoding="utf-8"?>
+<p:notes xmlns:a="http://schemas.openxmlformats.org/drawingml/2006/main" xmlns:r="http://schemas.openxmlformats.org/officeDocument/2006/relationships" xmlns:p="http://schemas.openxmlformats.org/presentationml/2006/main">
+  <p:cSld>
+    <p:spTree>
+      <p:nvGrpSpPr>
+        <p:cNvPr id="1" name=""/>
+        <p:cNvGrpSpPr/>
+        <p:nvPr/>
+      </p:nvGrpSpPr>
+      <p:grpSpPr>
+        <a:xfrm>
+          <a:off x="0" y="0"/>
+          <a:ext cx="0" cy="0"/>
+          <a:chOff x="0" y="0"/>
+          <a:chExt cx="0" cy="0"/>
+        </a:xfrm>
+      </p:grpSpPr>
+      <p:sp>
+        <p:nvSpPr>
+          <p:cNvPr id="2" name="Rectangle 2"/>
+          <p:cNvSpPr>
+            <a:spLocks noGrp="1" noRot="1" noChangeAspect="1"/>
+          </p:cNvSpPr>
+          <p:nvPr>
+            <p:ph type="sldImg"/>
+          </p:nvPr>
+        </p:nvSpPr>
+        <p:spPr/>
+      </p:sp>
+      <p:sp>
+        <p:nvSpPr>
+          <p:cNvPr id="3" name="Rectangle 3"/>
+          <p:cNvSpPr>
+            <a:spLocks noGrp="1"/>
+          </p:cNvSpPr>
+          <p:nvPr>
+            <p:ph type="body" idx="1"/>
+          </p:nvPr>
+        </p:nvSpPr>
+        <p:spPr/>
+        <p:txBody>
+          <a:bodyPr/>
+          <a:lstStyle/>
+          <a:p>
+            <a:r>
+              <a:rPr lang="pt-BR" sz="1200" b="0" i="0" kern="1200" dirty="0">
+                <a:solidFill>
+                  <a:schemeClr val="tx1"/>
+                </a:solidFill>
+                <a:effectLst/>
+                <a:latin typeface="+mn-lt"/>
+                <a:ea typeface="+mn-ea"/>
+                <a:cs typeface="+mn-cs"/>
+              </a:rPr>
+              <a:t>Como usar</a:t>
+            </a:r>
+          </a:p>
+          <a:p>
+            <a:r>
+              <a:rPr lang="pt-BR" sz="1200" b="0" i="0" kern="1200" dirty="0">
+                <a:solidFill>
+                  <a:schemeClr val="tx1"/>
+                </a:solidFill>
+                <a:effectLst/>
+                <a:latin typeface="+mn-lt"/>
+                <a:ea typeface="+mn-ea"/>
+                <a:cs typeface="+mn-cs"/>
+              </a:rPr>
+              <a:t>Para usar </a:t>
+            </a:r>
+            <a:r>
+              <a:rPr lang="pt-BR" sz="1200" b="0" i="0" kern="1200" dirty="0" err="1">
+                <a:solidFill>
+                  <a:schemeClr val="tx1"/>
+                </a:solidFill>
+                <a:effectLst/>
+                <a:latin typeface="+mn-lt"/>
+                <a:ea typeface="+mn-ea"/>
+                <a:cs typeface="+mn-cs"/>
+              </a:rPr>
+              <a:t>Bean</a:t>
+            </a:r>
+            <a:r>
+              <a:rPr lang="pt-BR" sz="1200" b="0" i="0" kern="1200" dirty="0">
+                <a:solidFill>
+                  <a:schemeClr val="tx1"/>
+                </a:solidFill>
+                <a:effectLst/>
+                <a:latin typeface="+mn-lt"/>
+                <a:ea typeface="+mn-ea"/>
+                <a:cs typeface="+mn-cs"/>
+              </a:rPr>
+              <a:t> </a:t>
+            </a:r>
+            <a:r>
+              <a:rPr lang="pt-BR" sz="1200" b="0" i="0" kern="1200" dirty="0" err="1">
+                <a:solidFill>
+                  <a:schemeClr val="tx1"/>
+                </a:solidFill>
+                <a:effectLst/>
+                <a:latin typeface="+mn-lt"/>
+                <a:ea typeface="+mn-ea"/>
+                <a:cs typeface="+mn-cs"/>
+              </a:rPr>
+              <a:t>Validation</a:t>
+            </a:r>
+            <a:r>
+              <a:rPr lang="pt-BR" sz="1200" b="0" i="0" kern="1200" dirty="0">
+                <a:solidFill>
+                  <a:schemeClr val="tx1"/>
+                </a:solidFill>
+                <a:effectLst/>
+                <a:latin typeface="+mn-lt"/>
+                <a:ea typeface="+mn-ea"/>
+                <a:cs typeface="+mn-cs"/>
+              </a:rPr>
+              <a:t> basta anotar uma propriedade, um método ou seus parâmetros</a:t>
+            </a:r>
+          </a:p>
+          <a:p>
+            <a:r>
+              <a:rPr lang="pt-BR" sz="1200" b="0" i="0" kern="1200" dirty="0">
+                <a:solidFill>
+                  <a:schemeClr val="tx1"/>
+                </a:solidFill>
+                <a:effectLst/>
+                <a:latin typeface="+mn-lt"/>
+                <a:ea typeface="+mn-ea"/>
+                <a:cs typeface="+mn-cs"/>
+              </a:rPr>
+              <a:t>com anotações. O sistema verificará se os valores são compatíveis com as restrições de</a:t>
+            </a:r>
+          </a:p>
+          <a:p>
+            <a:r>
+              <a:rPr lang="pt-BR" sz="1200" b="0" i="0" kern="1200" dirty="0">
+                <a:solidFill>
+                  <a:schemeClr val="tx1"/>
+                </a:solidFill>
+                <a:effectLst/>
+                <a:latin typeface="+mn-lt"/>
+                <a:ea typeface="+mn-ea"/>
+                <a:cs typeface="+mn-cs"/>
+              </a:rPr>
+              <a:t>validação e lançará uma exceção se não forem.</a:t>
+            </a:r>
+          </a:p>
+          <a:p>
+            <a:r>
+              <a:rPr lang="pt-BR" sz="1200" b="0" i="0" kern="1200" dirty="0">
+                <a:solidFill>
+                  <a:schemeClr val="tx1"/>
+                </a:solidFill>
+                <a:effectLst/>
+                <a:latin typeface="+mn-lt"/>
+                <a:ea typeface="+mn-ea"/>
+                <a:cs typeface="+mn-cs"/>
+              </a:rPr>
+              <a:t>Por exemplo:</a:t>
+            </a:r>
+          </a:p>
+          <a:p>
+            <a:r>
+              <a:rPr lang="pt-BR" sz="1200" b="0" i="0" kern="1200" dirty="0" err="1">
+                <a:solidFill>
+                  <a:schemeClr val="tx1"/>
+                </a:solidFill>
+                <a:effectLst/>
+                <a:latin typeface="+mn-lt"/>
+                <a:ea typeface="+mn-ea"/>
+                <a:cs typeface="+mn-cs"/>
+              </a:rPr>
+              <a:t>public</a:t>
+            </a:r>
+            <a:r>
+              <a:rPr lang="pt-BR" sz="1200" b="0" i="0" kern="1200" dirty="0">
+                <a:solidFill>
+                  <a:schemeClr val="tx1"/>
+                </a:solidFill>
+                <a:effectLst/>
+                <a:latin typeface="+mn-lt"/>
+                <a:ea typeface="+mn-ea"/>
+                <a:cs typeface="+mn-cs"/>
+              </a:rPr>
+              <a:t> </a:t>
+            </a:r>
+            <a:r>
+              <a:rPr lang="pt-BR" sz="1200" b="0" i="0" kern="1200" dirty="0" err="1">
+                <a:solidFill>
+                  <a:schemeClr val="tx1"/>
+                </a:solidFill>
+                <a:effectLst/>
+                <a:latin typeface="+mn-lt"/>
+                <a:ea typeface="+mn-ea"/>
+                <a:cs typeface="+mn-cs"/>
+              </a:rPr>
+              <a:t>class</a:t>
+            </a:r>
+            <a:r>
+              <a:rPr lang="pt-BR" sz="1200" b="0" i="0" kern="1200" dirty="0">
+                <a:solidFill>
+                  <a:schemeClr val="tx1"/>
+                </a:solidFill>
+                <a:effectLst/>
+                <a:latin typeface="+mn-lt"/>
+                <a:ea typeface="+mn-ea"/>
+                <a:cs typeface="+mn-cs"/>
+              </a:rPr>
+              <a:t> </a:t>
+            </a:r>
+            <a:r>
+              <a:rPr lang="pt-BR" sz="1200" b="0" i="0" kern="1200" dirty="0" err="1">
+                <a:solidFill>
+                  <a:schemeClr val="tx1"/>
+                </a:solidFill>
+                <a:effectLst/>
+                <a:latin typeface="+mn-lt"/>
+                <a:ea typeface="+mn-ea"/>
+                <a:cs typeface="+mn-cs"/>
+              </a:rPr>
+              <a:t>Name</a:t>
+            </a:r>
+            <a:r>
+              <a:rPr lang="pt-BR" sz="1200" b="0" i="0" kern="1200" dirty="0">
+                <a:solidFill>
+                  <a:schemeClr val="tx1"/>
+                </a:solidFill>
+                <a:effectLst/>
+                <a:latin typeface="+mn-lt"/>
+                <a:ea typeface="+mn-ea"/>
+                <a:cs typeface="+mn-cs"/>
+              </a:rPr>
+              <a:t> {</a:t>
+            </a:r>
+          </a:p>
+          <a:p>
+            <a:r>
+              <a:rPr lang="pt-BR" sz="1200" b="0" i="0" kern="1200" dirty="0">
+                <a:solidFill>
+                  <a:schemeClr val="tx1"/>
+                </a:solidFill>
+                <a:effectLst/>
+                <a:latin typeface="+mn-lt"/>
+                <a:ea typeface="+mn-ea"/>
+                <a:cs typeface="+mn-cs"/>
+              </a:rPr>
+              <a:t> @</a:t>
+            </a:r>
+            <a:r>
+              <a:rPr lang="pt-BR" sz="1200" b="0" i="0" kern="1200" dirty="0" err="1">
+                <a:solidFill>
+                  <a:schemeClr val="tx1"/>
+                </a:solidFill>
+                <a:effectLst/>
+                <a:latin typeface="+mn-lt"/>
+                <a:ea typeface="+mn-ea"/>
+                <a:cs typeface="+mn-cs"/>
+              </a:rPr>
+              <a:t>NotNull</a:t>
+            </a:r>
+            <a:endParaRPr lang="pt-BR" sz="1200" b="0" i="0" kern="1200" dirty="0">
+              <a:solidFill>
+                <a:schemeClr val="tx1"/>
+              </a:solidFill>
+              <a:effectLst/>
+              <a:latin typeface="+mn-lt"/>
+              <a:ea typeface="+mn-ea"/>
+              <a:cs typeface="+mn-cs"/>
+            </a:endParaRPr>
+          </a:p>
+          <a:p>
+            <a:r>
+              <a:rPr lang="pt-BR" sz="1200" b="0" i="0" kern="1200" dirty="0">
+                <a:solidFill>
+                  <a:schemeClr val="tx1"/>
+                </a:solidFill>
+                <a:effectLst/>
+                <a:latin typeface="+mn-lt"/>
+                <a:ea typeface="+mn-ea"/>
+                <a:cs typeface="+mn-cs"/>
+              </a:rPr>
+              <a:t> </a:t>
+            </a:r>
+            <a:r>
+              <a:rPr lang="pt-BR" sz="1200" b="0" i="0" kern="1200" dirty="0" err="1">
+                <a:solidFill>
+                  <a:schemeClr val="tx1"/>
+                </a:solidFill>
+                <a:effectLst/>
+                <a:latin typeface="+mn-lt"/>
+                <a:ea typeface="+mn-ea"/>
+                <a:cs typeface="+mn-cs"/>
+              </a:rPr>
+              <a:t>private</a:t>
+            </a:r>
+            <a:r>
+              <a:rPr lang="pt-BR" sz="1200" b="0" i="0" kern="1200" dirty="0">
+                <a:solidFill>
+                  <a:schemeClr val="tx1"/>
+                </a:solidFill>
+                <a:effectLst/>
+                <a:latin typeface="+mn-lt"/>
+                <a:ea typeface="+mn-ea"/>
+                <a:cs typeface="+mn-cs"/>
+              </a:rPr>
+              <a:t> </a:t>
+            </a:r>
+            <a:r>
+              <a:rPr lang="pt-BR" sz="1200" b="0" i="0" kern="1200" dirty="0" err="1">
+                <a:solidFill>
+                  <a:schemeClr val="tx1"/>
+                </a:solidFill>
+                <a:effectLst/>
+                <a:latin typeface="+mn-lt"/>
+                <a:ea typeface="+mn-ea"/>
+                <a:cs typeface="+mn-cs"/>
+              </a:rPr>
+              <a:t>String</a:t>
+            </a:r>
+            <a:r>
+              <a:rPr lang="pt-BR" sz="1200" b="0" i="0" kern="1200" dirty="0">
+                <a:solidFill>
+                  <a:schemeClr val="tx1"/>
+                </a:solidFill>
+                <a:effectLst/>
+                <a:latin typeface="+mn-lt"/>
+                <a:ea typeface="+mn-ea"/>
+                <a:cs typeface="+mn-cs"/>
+              </a:rPr>
+              <a:t> </a:t>
+            </a:r>
+            <a:r>
+              <a:rPr lang="pt-BR" sz="1200" b="0" i="0" kern="1200" dirty="0" err="1">
+                <a:solidFill>
+                  <a:schemeClr val="tx1"/>
+                </a:solidFill>
+                <a:effectLst/>
+                <a:latin typeface="+mn-lt"/>
+                <a:ea typeface="+mn-ea"/>
+                <a:cs typeface="+mn-cs"/>
+              </a:rPr>
+              <a:t>firstname</a:t>
+            </a:r>
+            <a:r>
+              <a:rPr lang="pt-BR" sz="1200" b="0" i="0" kern="1200" dirty="0">
+                <a:solidFill>
+                  <a:schemeClr val="tx1"/>
+                </a:solidFill>
+                <a:effectLst/>
+                <a:latin typeface="+mn-lt"/>
+                <a:ea typeface="+mn-ea"/>
+                <a:cs typeface="+mn-cs"/>
+              </a:rPr>
+              <a:t>;</a:t>
+            </a:r>
+          </a:p>
+          <a:p>
+            <a:r>
+              <a:rPr lang="pt-BR" sz="1200" b="0" i="0" kern="1200" dirty="0">
+                <a:solidFill>
+                  <a:schemeClr val="tx1"/>
+                </a:solidFill>
+                <a:effectLst/>
+                <a:latin typeface="+mn-lt"/>
+                <a:ea typeface="+mn-ea"/>
+                <a:cs typeface="+mn-cs"/>
+              </a:rPr>
+              <a:t> @</a:t>
+            </a:r>
+            <a:r>
+              <a:rPr lang="pt-BR" sz="1200" b="0" i="0" kern="1200" dirty="0" err="1">
+                <a:solidFill>
+                  <a:schemeClr val="tx1"/>
+                </a:solidFill>
+                <a:effectLst/>
+                <a:latin typeface="+mn-lt"/>
+                <a:ea typeface="+mn-ea"/>
+                <a:cs typeface="+mn-cs"/>
+              </a:rPr>
+              <a:t>NotNull</a:t>
+            </a:r>
+            <a:endParaRPr lang="pt-BR" sz="1200" b="0" i="0" kern="1200" dirty="0">
+              <a:solidFill>
+                <a:schemeClr val="tx1"/>
+              </a:solidFill>
+              <a:effectLst/>
+              <a:latin typeface="+mn-lt"/>
+              <a:ea typeface="+mn-ea"/>
+              <a:cs typeface="+mn-cs"/>
+            </a:endParaRPr>
+          </a:p>
+          <a:p>
+            <a:r>
+              <a:rPr lang="pt-BR" sz="1200" b="0" i="0" kern="1200" dirty="0">
+                <a:solidFill>
+                  <a:schemeClr val="tx1"/>
+                </a:solidFill>
+                <a:effectLst/>
+                <a:latin typeface="+mn-lt"/>
+                <a:ea typeface="+mn-ea"/>
+                <a:cs typeface="+mn-cs"/>
+              </a:rPr>
+              <a:t> </a:t>
+            </a:r>
+            <a:r>
+              <a:rPr lang="pt-BR" sz="1200" b="0" i="0" kern="1200" dirty="0" err="1">
+                <a:solidFill>
+                  <a:schemeClr val="tx1"/>
+                </a:solidFill>
+                <a:effectLst/>
+                <a:latin typeface="+mn-lt"/>
+                <a:ea typeface="+mn-ea"/>
+                <a:cs typeface="+mn-cs"/>
+              </a:rPr>
+              <a:t>private</a:t>
+            </a:r>
+            <a:r>
+              <a:rPr lang="pt-BR" sz="1200" b="0" i="0" kern="1200" dirty="0">
+                <a:solidFill>
+                  <a:schemeClr val="tx1"/>
+                </a:solidFill>
+                <a:effectLst/>
+                <a:latin typeface="+mn-lt"/>
+                <a:ea typeface="+mn-ea"/>
+                <a:cs typeface="+mn-cs"/>
+              </a:rPr>
+              <a:t> </a:t>
+            </a:r>
+            <a:r>
+              <a:rPr lang="pt-BR" sz="1200" b="0" i="0" kern="1200" dirty="0" err="1">
+                <a:solidFill>
+                  <a:schemeClr val="tx1"/>
+                </a:solidFill>
+                <a:effectLst/>
+                <a:latin typeface="+mn-lt"/>
+                <a:ea typeface="+mn-ea"/>
+                <a:cs typeface="+mn-cs"/>
+              </a:rPr>
+              <a:t>String</a:t>
+            </a:r>
+            <a:r>
+              <a:rPr lang="pt-BR" sz="1200" b="0" i="0" kern="1200" dirty="0">
+                <a:solidFill>
+                  <a:schemeClr val="tx1"/>
+                </a:solidFill>
+                <a:effectLst/>
+                <a:latin typeface="+mn-lt"/>
+                <a:ea typeface="+mn-ea"/>
+                <a:cs typeface="+mn-cs"/>
+              </a:rPr>
+              <a:t> </a:t>
+            </a:r>
+            <a:r>
+              <a:rPr lang="pt-BR" sz="1200" b="0" i="0" kern="1200" dirty="0" err="1">
+                <a:solidFill>
+                  <a:schemeClr val="tx1"/>
+                </a:solidFill>
+                <a:effectLst/>
+                <a:latin typeface="+mn-lt"/>
+                <a:ea typeface="+mn-ea"/>
+                <a:cs typeface="+mn-cs"/>
+              </a:rPr>
+              <a:t>lastname</a:t>
+            </a:r>
+            <a:r>
+              <a:rPr lang="pt-BR" sz="1200" b="0" i="0" kern="1200" dirty="0">
+                <a:solidFill>
+                  <a:schemeClr val="tx1"/>
+                </a:solidFill>
+                <a:effectLst/>
+                <a:latin typeface="+mn-lt"/>
+                <a:ea typeface="+mn-ea"/>
+                <a:cs typeface="+mn-cs"/>
+              </a:rPr>
+              <a:t>;</a:t>
+            </a:r>
+          </a:p>
+          <a:p>
+            <a:r>
+              <a:rPr lang="pt-BR" sz="1200" b="0" i="0" kern="1200" dirty="0">
+                <a:solidFill>
+                  <a:schemeClr val="tx1"/>
+                </a:solidFill>
+                <a:effectLst/>
+                <a:latin typeface="+mn-lt"/>
+                <a:ea typeface="+mn-ea"/>
+                <a:cs typeface="+mn-cs"/>
+              </a:rPr>
+              <a:t>}</a:t>
+            </a:r>
+          </a:p>
+        </p:txBody>
+      </p:sp>
+      <p:sp>
+        <p:nvSpPr>
+          <p:cNvPr id="4" name="Rectangle 4"/>
+          <p:cNvSpPr>
+            <a:spLocks noGrp="1"/>
+          </p:cNvSpPr>
+          <p:nvPr>
+            <p:ph type="sldNum" sz="quarter" idx="10"/>
+          </p:nvPr>
+        </p:nvSpPr>
+        <p:spPr/>
+        <p:txBody>
+          <a:bodyPr/>
+          <a:lstStyle/>
+          <a:p>
+            <a:fld id="{61807874-5299-41B2-A37A-6AA3547857F4}" type="slidenum">
+              <a:rPr lang="pt-BR" smtClean="0"/>
+              <a:pPr/>
+              <a:t>11</a:t>
+            </a:fld>
+            <a:endParaRPr lang="pt-BR"/>
+          </a:p>
+        </p:txBody>
+      </p:sp>
+    </p:spTree>
+    <p:extLst>
+      <p:ext uri="{BB962C8B-B14F-4D97-AF65-F5344CB8AC3E}">
+        <p14:creationId xmlns:p14="http://schemas.microsoft.com/office/powerpoint/2010/main" val="1890669971"/>
+      </p:ext>
+    </p:extLst>
+  </p:cSld>
+  <p:clrMapOvr>
+    <a:masterClrMapping/>
+  </p:clrMapOvr>
+</p:notes>
+</file>
+
+<file path=ppt/notesSlides/notesSlide12.xml><?xml version="1.0" encoding="utf-8"?>
+<p:notes xmlns:a="http://schemas.openxmlformats.org/drawingml/2006/main" xmlns:r="http://schemas.openxmlformats.org/officeDocument/2006/relationships" xmlns:p="http://schemas.openxmlformats.org/presentationml/2006/main">
+  <p:cSld>
+    <p:spTree>
+      <p:nvGrpSpPr>
+        <p:cNvPr id="1" name=""/>
+        <p:cNvGrpSpPr/>
+        <p:nvPr/>
+      </p:nvGrpSpPr>
+      <p:grpSpPr>
+        <a:xfrm>
+          <a:off x="0" y="0"/>
+          <a:ext cx="0" cy="0"/>
+          <a:chOff x="0" y="0"/>
+          <a:chExt cx="0" cy="0"/>
+        </a:xfrm>
+      </p:grpSpPr>
+      <p:sp>
+        <p:nvSpPr>
+          <p:cNvPr id="2" name="Rectangle 2"/>
+          <p:cNvSpPr>
+            <a:spLocks noGrp="1" noRot="1" noChangeAspect="1"/>
+          </p:cNvSpPr>
+          <p:nvPr>
+            <p:ph type="sldImg"/>
+          </p:nvPr>
+        </p:nvSpPr>
+        <p:spPr/>
+      </p:sp>
+      <p:sp>
+        <p:nvSpPr>
+          <p:cNvPr id="3" name="Rectangle 3"/>
+          <p:cNvSpPr>
+            <a:spLocks noGrp="1"/>
+          </p:cNvSpPr>
+          <p:nvPr>
+            <p:ph type="body" idx="1"/>
+          </p:nvPr>
+        </p:nvSpPr>
+        <p:spPr/>
+        <p:txBody>
+          <a:bodyPr/>
+          <a:lstStyle/>
+          <a:p>
+            <a:r>
+              <a:rPr lang="pt-BR" dirty="0"/>
+              <a:t>Anotações podem ser combinadas: </a:t>
+            </a:r>
+          </a:p>
+          <a:p>
+            <a:r>
+              <a:rPr lang="pt-BR" dirty="0" err="1"/>
+              <a:t>public</a:t>
+            </a:r>
+            <a:r>
+              <a:rPr lang="pt-BR" dirty="0"/>
+              <a:t> </a:t>
+            </a:r>
+            <a:r>
+              <a:rPr lang="pt-BR" dirty="0" err="1"/>
+              <a:t>class</a:t>
+            </a:r>
+            <a:r>
+              <a:rPr lang="pt-BR" dirty="0"/>
+              <a:t> </a:t>
+            </a:r>
+            <a:r>
+              <a:rPr lang="pt-BR" dirty="0" err="1"/>
+              <a:t>Name</a:t>
+            </a:r>
+            <a:r>
+              <a:rPr lang="pt-BR" dirty="0"/>
+              <a:t> {</a:t>
+            </a:r>
+          </a:p>
+          <a:p>
+            <a:r>
+              <a:rPr lang="pt-BR" dirty="0"/>
+              <a:t>@</a:t>
+            </a:r>
+            <a:r>
+              <a:rPr lang="pt-BR" dirty="0" err="1"/>
+              <a:t>NotNull</a:t>
+            </a:r>
+            <a:r>
+              <a:rPr lang="pt-BR" dirty="0"/>
+              <a:t> </a:t>
+            </a:r>
+          </a:p>
+          <a:p>
+            <a:r>
+              <a:rPr lang="pt-BR" dirty="0"/>
+              <a:t>@</a:t>
+            </a:r>
+            <a:r>
+              <a:rPr lang="pt-BR" dirty="0" err="1"/>
+              <a:t>Size</a:t>
+            </a:r>
+            <a:r>
+              <a:rPr lang="pt-BR" dirty="0"/>
+              <a:t>(min=1, </a:t>
+            </a:r>
+            <a:r>
+              <a:rPr lang="pt-BR" dirty="0" err="1"/>
+              <a:t>max</a:t>
+            </a:r>
+            <a:r>
+              <a:rPr lang="pt-BR" dirty="0"/>
+              <a:t>=16) </a:t>
+            </a:r>
+          </a:p>
+          <a:p>
+            <a:r>
+              <a:rPr lang="pt-BR" dirty="0" err="1"/>
+              <a:t>private</a:t>
+            </a:r>
+            <a:r>
+              <a:rPr lang="pt-BR" dirty="0"/>
+              <a:t> </a:t>
+            </a:r>
+            <a:r>
+              <a:rPr lang="pt-BR" dirty="0" err="1"/>
+              <a:t>String</a:t>
+            </a:r>
+            <a:r>
+              <a:rPr lang="pt-BR" dirty="0"/>
+              <a:t> </a:t>
+            </a:r>
+            <a:r>
+              <a:rPr lang="pt-BR" dirty="0" err="1"/>
+              <a:t>firstname</a:t>
+            </a:r>
+            <a:r>
+              <a:rPr lang="pt-BR" dirty="0"/>
+              <a:t>; </a:t>
+            </a:r>
+          </a:p>
+          <a:p>
+            <a:endParaRPr lang="pt-BR" dirty="0"/>
+          </a:p>
+          <a:p>
+            <a:r>
+              <a:rPr lang="pt-BR" dirty="0"/>
+              <a:t>@</a:t>
+            </a:r>
+            <a:r>
+              <a:rPr lang="pt-BR" dirty="0" err="1"/>
+              <a:t>NotNull</a:t>
+            </a:r>
+            <a:r>
+              <a:rPr lang="pt-BR" dirty="0"/>
+              <a:t> </a:t>
+            </a:r>
+          </a:p>
+          <a:p>
+            <a:r>
+              <a:rPr lang="pt-BR" dirty="0"/>
+              <a:t>@</a:t>
+            </a:r>
+            <a:r>
+              <a:rPr lang="pt-BR" dirty="0" err="1"/>
+              <a:t>Size</a:t>
+            </a:r>
+            <a:r>
+              <a:rPr lang="pt-BR" dirty="0"/>
+              <a:t>(min=1, </a:t>
+            </a:r>
+            <a:r>
+              <a:rPr lang="pt-BR" dirty="0" err="1"/>
+              <a:t>max</a:t>
+            </a:r>
+            <a:r>
+              <a:rPr lang="pt-BR" dirty="0"/>
+              <a:t>=16) </a:t>
+            </a:r>
+          </a:p>
+          <a:p>
+            <a:r>
+              <a:rPr lang="pt-BR" dirty="0" err="1"/>
+              <a:t>private</a:t>
+            </a:r>
+            <a:r>
+              <a:rPr lang="pt-BR" dirty="0"/>
+              <a:t> </a:t>
+            </a:r>
+            <a:r>
+              <a:rPr lang="pt-BR" dirty="0" err="1"/>
+              <a:t>String</a:t>
+            </a:r>
+            <a:r>
+              <a:rPr lang="pt-BR" dirty="0"/>
+              <a:t> </a:t>
+            </a:r>
+            <a:r>
+              <a:rPr lang="pt-BR" dirty="0" err="1"/>
+              <a:t>lastname</a:t>
+            </a:r>
+            <a:r>
+              <a:rPr lang="pt-BR" dirty="0"/>
+              <a:t>; </a:t>
+            </a:r>
+          </a:p>
+          <a:p>
+            <a:r>
+              <a:rPr lang="pt-BR" dirty="0"/>
+              <a:t>}</a:t>
+            </a:r>
+            <a:endParaRPr lang="pt-BR" sz="1200" b="0" i="0" kern="1200" dirty="0">
+              <a:solidFill>
+                <a:schemeClr val="tx1"/>
+              </a:solidFill>
+              <a:effectLst/>
+              <a:latin typeface="+mn-lt"/>
+              <a:ea typeface="+mn-ea"/>
+              <a:cs typeface="+mn-cs"/>
+            </a:endParaRPr>
+          </a:p>
+        </p:txBody>
+      </p:sp>
+      <p:sp>
+        <p:nvSpPr>
+          <p:cNvPr id="4" name="Rectangle 4"/>
+          <p:cNvSpPr>
+            <a:spLocks noGrp="1"/>
+          </p:cNvSpPr>
+          <p:nvPr>
+            <p:ph type="sldNum" sz="quarter" idx="10"/>
+          </p:nvPr>
+        </p:nvSpPr>
+        <p:spPr/>
+        <p:txBody>
+          <a:bodyPr/>
+          <a:lstStyle/>
+          <a:p>
+            <a:fld id="{61807874-5299-41B2-A37A-6AA3547857F4}" type="slidenum">
+              <a:rPr lang="pt-BR" smtClean="0"/>
+              <a:pPr/>
+              <a:t>12</a:t>
+            </a:fld>
+            <a:endParaRPr lang="pt-BR"/>
+          </a:p>
+        </p:txBody>
+      </p:sp>
+    </p:spTree>
+    <p:extLst>
+      <p:ext uri="{BB962C8B-B14F-4D97-AF65-F5344CB8AC3E}">
+        <p14:creationId xmlns:p14="http://schemas.microsoft.com/office/powerpoint/2010/main" val="2961102297"/>
+      </p:ext>
+    </p:extLst>
+  </p:cSld>
+  <p:clrMapOvr>
+    <a:masterClrMapping/>
+  </p:clrMapOvr>
+</p:notes>
+</file>
+
+<file path=ppt/notesSlides/notesSlide13.xml><?xml version="1.0" encoding="utf-8"?>
+<p:notes xmlns:a="http://schemas.openxmlformats.org/drawingml/2006/main" xmlns:r="http://schemas.openxmlformats.org/officeDocument/2006/relationships" xmlns:p="http://schemas.openxmlformats.org/presentationml/2006/main">
+  <p:cSld>
+    <p:spTree>
+      <p:nvGrpSpPr>
+        <p:cNvPr id="1" name=""/>
+        <p:cNvGrpSpPr/>
+        <p:nvPr/>
+      </p:nvGrpSpPr>
+      <p:grpSpPr>
+        <a:xfrm>
+          <a:off x="0" y="0"/>
+          <a:ext cx="0" cy="0"/>
+          <a:chOff x="0" y="0"/>
+          <a:chExt cx="0" cy="0"/>
+        </a:xfrm>
+      </p:grpSpPr>
+      <p:sp>
+        <p:nvSpPr>
+          <p:cNvPr id="2" name="Rectangle 2"/>
+          <p:cNvSpPr>
+            <a:spLocks noGrp="1" noRot="1" noChangeAspect="1"/>
+          </p:cNvSpPr>
+          <p:nvPr>
+            <p:ph type="sldImg"/>
+          </p:nvPr>
+        </p:nvSpPr>
+        <p:spPr/>
+      </p:sp>
+      <p:sp>
+        <p:nvSpPr>
+          <p:cNvPr id="3" name="Rectangle 3"/>
+          <p:cNvSpPr>
+            <a:spLocks noGrp="1"/>
+          </p:cNvSpPr>
+          <p:nvPr>
+            <p:ph type="body" idx="1"/>
+          </p:nvPr>
+        </p:nvSpPr>
+        <p:spPr/>
+        <p:txBody>
+          <a:bodyPr/>
+          <a:lstStyle/>
+          <a:p>
+            <a:endParaRPr lang="pt-BR" sz="1200" b="0" i="0" kern="1200" dirty="0">
+              <a:solidFill>
+                <a:schemeClr val="tx1"/>
+              </a:solidFill>
+              <a:effectLst/>
+              <a:latin typeface="+mn-lt"/>
+              <a:ea typeface="+mn-ea"/>
+              <a:cs typeface="+mn-cs"/>
+            </a:endParaRPr>
+          </a:p>
+        </p:txBody>
+      </p:sp>
+      <p:sp>
+        <p:nvSpPr>
+          <p:cNvPr id="4" name="Rectangle 4"/>
+          <p:cNvSpPr>
+            <a:spLocks noGrp="1"/>
+          </p:cNvSpPr>
+          <p:nvPr>
+            <p:ph type="sldNum" sz="quarter" idx="10"/>
+          </p:nvPr>
+        </p:nvSpPr>
+        <p:spPr/>
+        <p:txBody>
+          <a:bodyPr/>
+          <a:lstStyle/>
+          <a:p>
+            <a:fld id="{61807874-5299-41B2-A37A-6AA3547857F4}" type="slidenum">
+              <a:rPr lang="pt-BR" smtClean="0"/>
+              <a:pPr/>
+              <a:t>13</a:t>
+            </a:fld>
+            <a:endParaRPr lang="pt-BR"/>
+          </a:p>
+        </p:txBody>
+      </p:sp>
+    </p:spTree>
+    <p:extLst>
+      <p:ext uri="{BB962C8B-B14F-4D97-AF65-F5344CB8AC3E}">
+        <p14:creationId xmlns:p14="http://schemas.microsoft.com/office/powerpoint/2010/main" val="2632883606"/>
+      </p:ext>
+    </p:extLst>
   </p:cSld>
   <p:clrMapOvr>
     <a:masterClrMapping/>
@@ -1374,24 +2467,24 @@
           <a:lstStyle/>
           <a:p>
             <a:r>
-              <a:rPr lang="pt-BR" b="1" dirty="0" smtClean="0"/>
+              <a:rPr lang="pt-BR" b="1" dirty="0"/>
               <a:t>CDI </a:t>
             </a:r>
             <a:r>
-              <a:rPr lang="pt-BR" b="1" dirty="0" smtClean="0">
+              <a:rPr lang="pt-BR" b="1" dirty="0">
                 <a:sym typeface="Wingdings" panose="05000000000000000000" pitchFamily="2" charset="2"/>
               </a:rPr>
               <a:t> </a:t>
             </a:r>
             <a:r>
-              <a:rPr lang="pt-BR" b="0" dirty="0" smtClean="0">
+              <a:rPr lang="pt-BR" b="0" dirty="0">
                 <a:sym typeface="Wingdings" panose="05000000000000000000" pitchFamily="2" charset="2"/>
               </a:rPr>
               <a:t>CDI é a especificação do Java EE 6 que cuida da parte de injeção de dependências. E, além de ser oficial e estar incluída em todos os servidores de aplicação, é tão boa e produtiva que já tem gente questionando o papel do Spring nos dias de hoje</a:t>
             </a:r>
           </a:p>
           <a:p>
-            <a:endParaRPr lang="pt-BR" b="0" dirty="0" smtClean="0">
+            <a:endParaRPr lang="pt-BR" b="0" dirty="0">
               <a:sym typeface="Wingdings" panose="05000000000000000000" pitchFamily="2" charset="2"/>
             </a:endParaRPr>
           </a:p>
@@ -1589,17 +2682,17 @@
               <a:defRPr lang="pt-BR"/>
             </a:pPr>
             <a:r>
-              <a:rPr lang="pt-BR" b="1" dirty="0" smtClean="0"/>
+              <a:rPr lang="pt-BR" b="1" dirty="0"/>
               <a:t>CDI </a:t>
             </a:r>
             <a:r>
-              <a:rPr lang="pt-BR" b="1" dirty="0" smtClean="0">
+              <a:rPr lang="pt-BR" b="1" dirty="0">
                 <a:sym typeface="Wingdings" panose="05000000000000000000" pitchFamily="2" charset="2"/>
               </a:rPr>
               <a:t> </a:t>
             </a:r>
             <a:r>
-              <a:rPr lang="pt-BR" b="0" dirty="0" smtClean="0">
+              <a:rPr lang="pt-BR" b="0" dirty="0">
                 <a:sym typeface="Wingdings" panose="05000000000000000000" pitchFamily="2" charset="2"/>
               </a:rPr>
               <a:t>CDI é a especificação do Java EE 6 que cuida da parte de injeção de dependências. E, além de ser oficial e estar incluída em todos os servidores de aplicação, é tão boa e produtiva que já tem gente questionando o papel do Spring nos dias de hoje</a:t>
@@ -1615,7 +2708,7 @@
               <a:defRPr lang="pt-BR"/>
             </a:pPr>
             <a:r>
-              <a:rPr lang="pt-BR" sz="1200" b="0" i="0" kern="1200" dirty="0" smtClean="0">
+              <a:rPr lang="pt-BR" sz="1200" b="0" i="0" kern="1200" dirty="0">
                 <a:solidFill>
                   <a:schemeClr val="tx1"/>
                 </a:solidFill>
@@ -1627,7 +2720,7 @@
               <a:t>O CDI se encaixa muito bem em todo tipo de projeto Java. Se você usa JSF2, usar CDI é natural. Mas mesmo para aplicações Web simples, com apenas </a:t>
             </a:r>
             <a:r>
-              <a:rPr lang="pt-BR" sz="1200" b="0" i="0" kern="1200" dirty="0" err="1" smtClean="0">
+              <a:rPr lang="pt-BR" sz="1200" b="0" i="0" kern="1200" dirty="0" err="1">
                 <a:solidFill>
                   <a:schemeClr val="tx1"/>
                 </a:solidFill>
@@ -1639,7 +2732,7 @@
               <a:t>Servlets</a:t>
             </a:r>
             <a:r>
-              <a:rPr lang="pt-BR" sz="1200" b="0" i="0" kern="1200" dirty="0" smtClean="0">
+              <a:rPr lang="pt-BR" sz="1200" b="0" i="0" kern="1200" dirty="0">
                 <a:solidFill>
                   <a:schemeClr val="tx1"/>
                 </a:solidFill>
@@ -1661,7 +2754,7 @@
               <a:defRPr lang="pt-BR"/>
             </a:pPr>
             <a:r>
-              <a:rPr lang="pt-BR" sz="1200" b="0" i="0" kern="1200" dirty="0" smtClean="0">
+              <a:rPr lang="pt-BR" sz="1200" b="0" i="0" kern="1200" dirty="0">
                 <a:solidFill>
                   <a:schemeClr val="tx1"/>
                 </a:solidFill>
@@ -1672,7 +2765,7 @@
               </a:rPr>
               <a:t>Dependências são associadas a contextos e tem seu ciclo de vida gerenciado automaticamente pelo container. Ao redor deste mecanismo</a:t>
             </a:r>
-            <a:endParaRPr lang="pt-BR" sz="1200" kern="0" dirty="0" smtClean="0"/>
+            <a:endParaRPr lang="pt-BR" sz="1200" kern="0" dirty="0"/>
           </a:p>
         </p:txBody>
       </p:sp>
@@ -1761,7 +2854,7 @@
               <a:defRPr lang="pt-BR"/>
             </a:pPr>
             <a:r>
-              <a:rPr kumimoji="0" lang="pt-BR" sz="1200" b="0" i="0" u="none" strike="noStrike" kern="0" cap="none" spc="0" normalizeH="0" baseline="0" dirty="0" smtClean="0">
+              <a:rPr kumimoji="0" lang="pt-BR" sz="1200" b="0" i="0" u="none" strike="noStrike" kern="0" cap="none" spc="0" normalizeH="0" baseline="0" dirty="0">
                 <a:ln>
                   <a:noFill/>
                 </a:ln>
@@ -1775,7 +2868,7 @@
               <a:t>História do DI </a:t>
             </a:r>
             <a:r>
-              <a:rPr kumimoji="0" lang="pt-BR" sz="1200" b="0" i="0" u="none" strike="noStrike" kern="0" cap="none" spc="0" normalizeH="0" baseline="0" dirty="0" smtClean="0">
+              <a:rPr kumimoji="0" lang="pt-BR" sz="1200" b="0" i="0" u="none" strike="noStrike" kern="0" cap="none" spc="0" normalizeH="0" baseline="0" dirty="0">
                 <a:ln>
                   <a:noFill/>
                 </a:ln>
@@ -1790,7 +2883,7 @@
               <a:t> Lançado na especificação Java EE 6 vem sendo aperfeiçoada e hoje muitas pessoas já repensam a utilização de frameworks como </a:t>
             </a:r>
             <a:r>
-              <a:rPr kumimoji="0" lang="pt-BR" sz="1200" b="0" i="0" u="none" strike="noStrike" kern="0" cap="none" spc="0" normalizeH="0" baseline="0" dirty="0" err="1" smtClean="0">
+              <a:rPr kumimoji="0" lang="pt-BR" sz="1200" b="0" i="0" u="none" strike="noStrike" kern="0" cap="none" spc="0" normalizeH="0" baseline="0" dirty="0" err="1">
                 <a:ln>
                   <a:noFill/>
                 </a:ln>
@@ -1805,7 +2898,7 @@
               <a:t>spring</a:t>
             </a:r>
             <a:r>
-              <a:rPr kumimoji="0" lang="pt-BR" sz="1200" b="0" i="0" u="none" strike="noStrike" kern="0" cap="none" spc="0" normalizeH="0" baseline="0" dirty="0" smtClean="0">
+              <a:rPr kumimoji="0" lang="pt-BR" sz="1200" b="0" i="0" u="none" strike="noStrike" kern="0" cap="none" spc="0" normalizeH="0" baseline="0" dirty="0">
                 <a:ln>
                   <a:noFill/>
                 </a:ln>
@@ -1820,7 +2913,7 @@
               <a:t> </a:t>
             </a:r>
             <a:r>
-              <a:rPr kumimoji="0" lang="pt-BR" sz="1200" b="0" i="0" u="none" strike="noStrike" kern="0" cap="none" spc="0" normalizeH="0" baseline="0" dirty="0" err="1" smtClean="0">
+              <a:rPr kumimoji="0" lang="pt-BR" sz="1200" b="0" i="0" u="none" strike="noStrike" kern="0" cap="none" spc="0" normalizeH="0" baseline="0" dirty="0" err="1">
                 <a:ln>
                   <a:noFill/>
                 </a:ln>
@@ -1835,7 +2928,7 @@
               <a:t>mvc</a:t>
             </a:r>
             <a:r>
-              <a:rPr kumimoji="0" lang="pt-BR" sz="1200" b="0" i="0" u="none" strike="noStrike" kern="0" cap="none" spc="0" normalizeH="0" baseline="0" dirty="0" smtClean="0">
+              <a:rPr kumimoji="0" lang="pt-BR" sz="1200" b="0" i="0" u="none" strike="noStrike" kern="0" cap="none" spc="0" normalizeH="0" baseline="0" dirty="0">
                 <a:ln>
                   <a:noFill/>
                 </a:ln>
@@ -1860,15 +2953,15 @@
               <a:defRPr lang="pt-BR"/>
             </a:pPr>
             <a:r>
-              <a:rPr lang="pt-BR" sz="1200" kern="0" dirty="0" smtClean="0"/>
+              <a:rPr lang="pt-BR" sz="1200" kern="0" dirty="0"/>
               <a:t>DI tornou-se popular inicialmente através de um framework de Java Enterprise que hoje é</a:t>
             </a:r>
             <a:r>
-              <a:rPr lang="pt-BR" sz="1200" kern="0" baseline="0" dirty="0" smtClean="0"/>
+              <a:rPr lang="pt-BR" sz="1200" kern="0" baseline="0" dirty="0"/>
               <a:t> </a:t>
             </a:r>
             <a:r>
-              <a:rPr lang="pt-BR" sz="1200" kern="0" dirty="0" smtClean="0"/>
+              <a:rPr lang="pt-BR" sz="1200" kern="0" dirty="0"/>
               <a:t>uma alternativa concorrente ao Java EE: o Spring.</a:t>
             </a:r>
           </a:p>
@@ -1881,7 +2974,7 @@
               <a:buChar char="•"/>
               <a:defRPr lang="pt-BR"/>
             </a:pPr>
-            <a:endParaRPr lang="pt-BR" sz="1200" kern="0" dirty="0" smtClean="0"/>
+            <a:endParaRPr lang="pt-BR" sz="1200" kern="0" dirty="0"/>
           </a:p>
           <a:p>
             <a:pPr marL="342900" lvl="0" indent="-342900">
@@ -1892,7 +2985,7 @@
               <a:buChar char="•"/>
               <a:defRPr lang="pt-BR"/>
             </a:pPr>
-            <a:endParaRPr lang="pt-BR" sz="1200" kern="0" dirty="0" smtClean="0"/>
+            <a:endParaRPr lang="pt-BR" sz="1200" kern="0" dirty="0"/>
           </a:p>
           <a:p>
             <a:pPr marL="342900" lvl="0" indent="-342900">
@@ -1904,7 +2997,7 @@
               <a:defRPr lang="pt-BR"/>
             </a:pPr>
             <a:r>
-              <a:rPr lang="pt-BR" sz="1200" b="0" i="0" kern="1200" dirty="0" smtClean="0">
+              <a:rPr lang="pt-BR" sz="1200" b="0" i="0" kern="1200" dirty="0">
                 <a:solidFill>
                   <a:schemeClr val="tx1"/>
                 </a:solidFill>
@@ -1926,7 +3019,7 @@
               <a:defRPr lang="pt-BR"/>
             </a:pPr>
             <a:r>
-              <a:rPr lang="pt-BR" sz="1200" b="0" i="0" kern="1200" dirty="0" smtClean="0">
+              <a:rPr lang="pt-BR" sz="1200" b="0" i="0" kern="1200" dirty="0">
                 <a:solidFill>
                   <a:schemeClr val="tx1"/>
                 </a:solidFill>
@@ -1937,7 +3030,7 @@
               </a:rPr>
               <a:t>Devemos projetar componentes com alto grau de coesão e baixo acoplamento</a:t>
             </a:r>
-            <a:endParaRPr lang="pt-BR" sz="1200" kern="0" dirty="0" smtClean="0"/>
+            <a:endParaRPr lang="pt-BR" sz="1200" kern="0" dirty="0"/>
           </a:p>
         </p:txBody>
       </p:sp>
@@ -2026,31 +3119,31 @@
               <a:defRPr lang="pt-BR"/>
             </a:pPr>
             <a:r>
-              <a:rPr lang="pt-BR" sz="1200" dirty="0" smtClean="0"/>
+              <a:rPr lang="pt-BR" sz="1200" dirty="0"/>
               <a:t>A injeção de dependências (DI) é um padrão de design que contribui para diminuir o acoplamento entre um componente e suas dependências, já que transfere a responsabilidade por criar e instanciar a dependência para a camada que é responsável por criar o componente. Portanto, em vez de um DAO instanciar um </a:t>
             </a:r>
             <a:r>
-              <a:rPr lang="pt-BR" sz="1200" i="1" dirty="0" err="1" smtClean="0"/>
+              <a:rPr lang="pt-BR" sz="1200" i="1" dirty="0" err="1"/>
               <a:t>DataSource</a:t>
             </a:r>
             <a:r>
-              <a:rPr lang="pt-BR" sz="1200" dirty="0" smtClean="0"/>
+              <a:rPr lang="pt-BR" sz="1200" dirty="0"/>
               <a:t>, ele pode ser injetado automaticamente pela classe que o criou, ou pelo container. Em vez do componente persistente localizar um DAO via JNDI, ele disponibiliza uma referência ou método </a:t>
             </a:r>
             <a:r>
-              <a:rPr lang="pt-BR" sz="1200" i="1" dirty="0" err="1" smtClean="0"/>
+              <a:rPr lang="pt-BR" sz="1200" i="1" dirty="0" err="1"/>
               <a:t>setter</a:t>
             </a:r>
             <a:r>
-              <a:rPr lang="pt-BR" sz="1200" dirty="0" smtClean="0"/>
+              <a:rPr lang="pt-BR" sz="1200" dirty="0"/>
               <a:t>, e deixa que outra classe ou o</a:t>
             </a:r>
             <a:r>
-              <a:rPr lang="pt-BR" sz="1200" baseline="0" dirty="0" smtClean="0"/>
+              <a:rPr lang="pt-BR" sz="1200" baseline="0" dirty="0"/>
               <a:t> </a:t>
             </a:r>
             <a:r>
-              <a:rPr lang="pt-BR" sz="1200" dirty="0" smtClean="0"/>
+              <a:rPr lang="pt-BR" sz="1200" dirty="0"/>
               <a:t>container forneça um.</a:t>
             </a:r>
           </a:p>
@@ -2064,7 +3157,7 @@
               <a:defRPr lang="pt-BR"/>
             </a:pPr>
             <a:r>
-              <a:rPr lang="pt-BR" sz="1200" b="0" i="0" u="none" strike="noStrike" kern="1200" baseline="0" dirty="0" smtClean="0">
+              <a:rPr lang="pt-BR" sz="1200" b="0" i="0" u="none" strike="noStrike" kern="1200" baseline="0" dirty="0">
                 <a:solidFill>
                   <a:schemeClr val="tx1"/>
                 </a:solidFill>
@@ -2075,7 +3168,7 @@
               <a:t>É um padrão de design clássico para aplicações orientadas a objeto (também chamado de inversão de controle, e </a:t>
             </a:r>
             <a:r>
-              <a:rPr lang="pt-BR" sz="1200" b="0" i="0" u="none" strike="noStrike" kern="1200" baseline="0" dirty="0" err="1" smtClean="0">
+              <a:rPr lang="pt-BR" sz="1200" b="0" i="0" u="none" strike="noStrike" kern="1200" baseline="0" dirty="0" err="1">
                 <a:solidFill>
                   <a:schemeClr val="tx1"/>
                 </a:solidFill>
@@ -2086,7 +3179,7 @@
               <a:t>indireção</a:t>
             </a:r>
             <a:r>
-              <a:rPr lang="pt-BR" sz="1200" b="0" i="0" u="none" strike="noStrike" kern="1200" baseline="0" dirty="0" smtClean="0">
+              <a:rPr lang="pt-BR" sz="1200" b="0" i="0" u="none" strike="noStrike" kern="1200" baseline="0" dirty="0">
                 <a:solidFill>
                   <a:schemeClr val="tx1"/>
                 </a:solidFill>
@@ -2096,7 +3189,7 @@
               </a:rPr>
               <a:t>)</a:t>
             </a:r>
-            <a:endParaRPr lang="pt-BR" sz="1200" kern="0" dirty="0" smtClean="0"/>
+            <a:endParaRPr lang="pt-BR" sz="1200" kern="0" dirty="0"/>
           </a:p>
         </p:txBody>
       </p:sp>
@@ -2185,22 +3278,22 @@
               <a:defRPr lang="pt-BR"/>
             </a:pPr>
             <a:r>
-              <a:rPr lang="pt-BR" sz="1200" kern="0" dirty="0" smtClean="0"/>
+              <a:rPr lang="pt-BR" sz="1200" kern="0" dirty="0"/>
               <a:t>Em nossa aula</a:t>
             </a:r>
             <a:r>
-              <a:rPr lang="pt-BR" sz="1200" kern="0" baseline="0" dirty="0" smtClean="0"/>
+              <a:rPr lang="pt-BR" sz="1200" kern="0" baseline="0" dirty="0"/>
               <a:t> será utilizado em um servidor de aplicação, porém será passado um pequeno tutorial para implementar como </a:t>
             </a:r>
             <a:r>
-              <a:rPr lang="pt-BR" sz="1200" kern="0" baseline="0" dirty="0" err="1" smtClean="0"/>
+              <a:rPr lang="pt-BR" sz="1200" kern="0" baseline="0" dirty="0" err="1"/>
               <a:t>standalone</a:t>
             </a:r>
             <a:r>
-              <a:rPr lang="pt-BR" sz="1200" kern="0" baseline="0" dirty="0" smtClean="0"/>
+              <a:rPr lang="pt-BR" sz="1200" kern="0" baseline="0" dirty="0"/>
               <a:t>.</a:t>
             </a:r>
-            <a:endParaRPr lang="pt-BR" sz="1200" kern="0" dirty="0" smtClean="0"/>
+            <a:endParaRPr lang="pt-BR" sz="1200" kern="0" dirty="0"/>
           </a:p>
         </p:txBody>
       </p:sp>
@@ -2289,7 +3382,7 @@
               <a:defRPr lang="pt-BR"/>
             </a:pPr>
             <a:r>
-              <a:rPr kumimoji="0" lang="pt-BR" sz="1200" b="0" i="0" u="none" strike="noStrike" kern="0" cap="none" spc="0" normalizeH="0" baseline="0" dirty="0" smtClean="0">
+              <a:rPr kumimoji="0" lang="pt-BR" sz="1200" b="0" i="0" u="none" strike="noStrike" kern="0" cap="none" spc="0" normalizeH="0" baseline="0" dirty="0">
                 <a:ln>
                   <a:noFill/>
                 </a:ln>
@@ -2313,7 +3406,7 @@
               <a:defRPr lang="pt-BR"/>
             </a:pPr>
             <a:r>
-              <a:rPr kumimoji="0" lang="pt-BR" sz="1200" b="0" i="0" u="none" strike="noStrike" kern="0" cap="none" spc="0" normalizeH="0" baseline="0" dirty="0" smtClean="0">
+              <a:rPr kumimoji="0" lang="pt-BR" sz="1200" b="0" i="0" u="none" strike="noStrike" kern="0" cap="none" spc="0" normalizeH="0" baseline="0" dirty="0">
                 <a:ln>
                   <a:noFill/>
                 </a:ln>
@@ -2337,7 +3430,7 @@
               <a:defRPr lang="pt-BR"/>
             </a:pPr>
             <a:r>
-              <a:rPr kumimoji="0" lang="pt-BR" sz="1200" b="0" i="0" u="none" strike="noStrike" kern="0" cap="none" spc="0" normalizeH="0" baseline="0" dirty="0" smtClean="0">
+              <a:rPr kumimoji="0" lang="pt-BR" sz="1200" b="0" i="0" u="none" strike="noStrike" kern="0" cap="none" spc="0" normalizeH="0" baseline="0" dirty="0">
                 <a:ln>
                   <a:noFill/>
                 </a:ln>
@@ -2351,7 +3444,7 @@
               <a:t>dentro do </a:t>
             </a:r>
             <a:r>
-              <a:rPr kumimoji="0" lang="pt-BR" sz="1200" b="0" i="0" u="none" strike="noStrike" kern="0" cap="none" spc="0" normalizeH="0" baseline="0" dirty="0" err="1" smtClean="0">
+              <a:rPr kumimoji="0" lang="pt-BR" sz="1200" b="0" i="0" u="none" strike="noStrike" kern="0" cap="none" spc="0" normalizeH="0" baseline="0" dirty="0" err="1">
                 <a:ln>
                   <a:noFill/>
                 </a:ln>
@@ -2365,7 +3458,7 @@
               <a:t>classpath</a:t>
             </a:r>
             <a:r>
-              <a:rPr kumimoji="0" lang="pt-BR" sz="1200" b="0" i="0" u="none" strike="noStrike" kern="0" cap="none" spc="0" normalizeH="0" baseline="0" dirty="0" smtClean="0">
+              <a:rPr kumimoji="0" lang="pt-BR" sz="1200" b="0" i="0" u="none" strike="noStrike" kern="0" cap="none" spc="0" normalizeH="0" baseline="0" dirty="0">
                 <a:ln>
                   <a:noFill/>
                 </a:ln>
@@ -2389,7 +3482,7 @@
               <a:defRPr lang="pt-BR"/>
             </a:pPr>
             <a:r>
-              <a:rPr kumimoji="0" lang="pt-BR" sz="1200" b="0" i="0" u="none" strike="noStrike" kern="0" cap="none" spc="0" normalizeH="0" baseline="0" dirty="0" smtClean="0">
+              <a:rPr kumimoji="0" lang="pt-BR" sz="1200" b="0" i="0" u="none" strike="noStrike" kern="0" cap="none" spc="0" normalizeH="0" baseline="0" dirty="0">
                 <a:ln>
                   <a:noFill/>
                 </a:ln>
@@ -2412,7 +3505,7 @@
               <a:buNone/>
               <a:defRPr lang="pt-BR"/>
             </a:pPr>
-            <a:endParaRPr kumimoji="0" lang="pt-BR" sz="1200" b="0" i="0" u="none" strike="noStrike" kern="0" cap="none" spc="0" normalizeH="0" baseline="0" dirty="0" smtClean="0">
+            <a:endParaRPr kumimoji="0" lang="pt-BR" sz="1200" b="0" i="0" u="none" strike="noStrike" kern="0" cap="none" spc="0" normalizeH="0" baseline="0" dirty="0">
               <a:ln>
                 <a:noFill/>
               </a:ln>
@@ -2434,7 +3527,7 @@
               <a:defRPr lang="pt-BR"/>
             </a:pPr>
             <a:r>
-              <a:rPr kumimoji="0" lang="pt-BR" sz="1200" b="0" i="0" u="none" strike="noStrike" kern="0" cap="none" spc="0" normalizeH="0" baseline="0" dirty="0" smtClean="0">
+              <a:rPr kumimoji="0" lang="pt-BR" sz="1200" b="0" i="0" u="none" strike="noStrike" kern="0" cap="none" spc="0" normalizeH="0" baseline="0" dirty="0">
                 <a:ln>
                   <a:noFill/>
                 </a:ln>
@@ -2448,7 +3541,7 @@
               <a:t>&lt;</a:t>
             </a:r>
             <a:r>
-              <a:rPr kumimoji="0" lang="pt-BR" sz="1200" b="0" i="0" u="none" strike="noStrike" kern="0" cap="none" spc="0" normalizeH="0" baseline="0" dirty="0" err="1" smtClean="0">
+              <a:rPr kumimoji="0" lang="pt-BR" sz="1200" b="0" i="0" u="none" strike="noStrike" kern="0" cap="none" spc="0" normalizeH="0" baseline="0" dirty="0" err="1">
                 <a:ln>
                   <a:noFill/>
                 </a:ln>
@@ -2462,7 +3555,7 @@
               <a:t>beans</a:t>
             </a:r>
             <a:r>
-              <a:rPr kumimoji="0" lang="pt-BR" sz="1200" b="0" i="0" u="none" strike="noStrike" kern="0" cap="none" spc="0" normalizeH="0" baseline="0" dirty="0" smtClean="0">
+              <a:rPr kumimoji="0" lang="pt-BR" sz="1200" b="0" i="0" u="none" strike="noStrike" kern="0" cap="none" spc="0" normalizeH="0" baseline="0" dirty="0">
                 <a:ln>
                   <a:noFill/>
                 </a:ln>
@@ -2476,7 +3569,7 @@
               <a:t> </a:t>
             </a:r>
             <a:r>
-              <a:rPr kumimoji="0" lang="pt-BR" sz="1200" b="0" i="0" u="none" strike="noStrike" kern="0" cap="none" spc="0" normalizeH="0" baseline="0" dirty="0" err="1" smtClean="0">
+              <a:rPr kumimoji="0" lang="pt-BR" sz="1200" b="0" i="0" u="none" strike="noStrike" kern="0" cap="none" spc="0" normalizeH="0" baseline="0" dirty="0" err="1">
                 <a:ln>
                   <a:noFill/>
                 </a:ln>
@@ -2490,7 +3583,7 @@
               <a:t>xmlns</a:t>
             </a:r>
             <a:r>
-              <a:rPr kumimoji="0" lang="pt-BR" sz="1200" b="0" i="0" u="none" strike="noStrike" kern="0" cap="none" spc="0" normalizeH="0" baseline="0" dirty="0" smtClean="0">
+              <a:rPr kumimoji="0" lang="pt-BR" sz="1200" b="0" i="0" u="none" strike="noStrike" kern="0" cap="none" spc="0" normalizeH="0" baseline="0" dirty="0">
                 <a:ln>
                   <a:noFill/>
                 </a:ln>
@@ -2514,7 +3607,7 @@
               <a:defRPr lang="pt-BR"/>
             </a:pPr>
             <a:r>
-              <a:rPr kumimoji="0" lang="pt-BR" sz="1200" b="0" i="0" u="none" strike="noStrike" kern="0" cap="none" spc="0" normalizeH="0" baseline="0" dirty="0" smtClean="0">
+              <a:rPr kumimoji="0" lang="pt-BR" sz="1200" b="0" i="0" u="none" strike="noStrike" kern="0" cap="none" spc="0" normalizeH="0" baseline="0" dirty="0">
                 <a:ln>
                   <a:noFill/>
                 </a:ln>
@@ -2528,7 +3621,7 @@
               <a:t>	</a:t>
             </a:r>
             <a:r>
-              <a:rPr kumimoji="0" lang="pt-BR" sz="1200" b="0" i="0" u="none" strike="noStrike" kern="0" cap="none" spc="0" normalizeH="0" baseline="0" dirty="0" err="1" smtClean="0">
+              <a:rPr kumimoji="0" lang="pt-BR" sz="1200" b="0" i="0" u="none" strike="noStrike" kern="0" cap="none" spc="0" normalizeH="0" baseline="0" dirty="0" err="1">
                 <a:ln>
                   <a:noFill/>
                 </a:ln>
@@ -2542,7 +3635,7 @@
               <a:t>xmlns:xsi</a:t>
             </a:r>
             <a:r>
-              <a:rPr kumimoji="0" lang="pt-BR" sz="1200" b="0" i="0" u="none" strike="noStrike" kern="0" cap="none" spc="0" normalizeH="0" baseline="0" dirty="0" smtClean="0">
+              <a:rPr kumimoji="0" lang="pt-BR" sz="1200" b="0" i="0" u="none" strike="noStrike" kern="0" cap="none" spc="0" normalizeH="0" baseline="0" dirty="0">
                 <a:ln>
                   <a:noFill/>
                 </a:ln>
@@ -2566,7 +3659,7 @@
               <a:defRPr lang="pt-BR"/>
             </a:pPr>
             <a:r>
-              <a:rPr kumimoji="0" lang="pt-BR" sz="1200" b="0" i="0" u="none" strike="noStrike" kern="0" cap="none" spc="0" normalizeH="0" baseline="0" dirty="0" smtClean="0">
+              <a:rPr kumimoji="0" lang="pt-BR" sz="1200" b="0" i="0" u="none" strike="noStrike" kern="0" cap="none" spc="0" normalizeH="0" baseline="0" dirty="0">
                 <a:ln>
                   <a:noFill/>
                 </a:ln>
@@ -2580,7 +3673,7 @@
               <a:t>	</a:t>
             </a:r>
             <a:r>
-              <a:rPr kumimoji="0" lang="pt-BR" sz="1200" b="0" i="0" u="none" strike="noStrike" kern="0" cap="none" spc="0" normalizeH="0" baseline="0" dirty="0" err="1" smtClean="0">
+              <a:rPr kumimoji="0" lang="pt-BR" sz="1200" b="0" i="0" u="none" strike="noStrike" kern="0" cap="none" spc="0" normalizeH="0" baseline="0" dirty="0" err="1">
                 <a:ln>
                   <a:noFill/>
                 </a:ln>
@@ -2594,7 +3687,7 @@
               <a:t>xsi:schemaLocation</a:t>
             </a:r>
             <a:r>
-              <a:rPr kumimoji="0" lang="pt-BR" sz="1200" b="0" i="0" u="none" strike="noStrike" kern="0" cap="none" spc="0" normalizeH="0" baseline="0" dirty="0" smtClean="0">
+              <a:rPr kumimoji="0" lang="pt-BR" sz="1200" b="0" i="0" u="none" strike="noStrike" kern="0" cap="none" spc="0" normalizeH="0" baseline="0" dirty="0">
                 <a:ln>
                   <a:noFill/>
                 </a:ln>
@@ -2618,7 +3711,7 @@
               <a:defRPr lang="pt-BR"/>
             </a:pPr>
             <a:r>
-              <a:rPr kumimoji="0" lang="pt-BR" sz="1200" b="0" i="0" u="none" strike="noStrike" kern="0" cap="none" spc="0" normalizeH="0" baseline="0" dirty="0" smtClean="0">
+              <a:rPr kumimoji="0" lang="pt-BR" sz="1200" b="0" i="0" u="none" strike="noStrike" kern="0" cap="none" spc="0" normalizeH="0" baseline="0" dirty="0">
                 <a:ln>
                   <a:noFill/>
                 </a:ln>
@@ -2642,7 +3735,7 @@
               <a:defRPr lang="pt-BR"/>
             </a:pPr>
             <a:r>
-              <a:rPr kumimoji="0" lang="pt-BR" sz="1200" b="0" i="0" u="none" strike="noStrike" kern="0" cap="none" spc="0" normalizeH="0" baseline="0" dirty="0" smtClean="0">
+              <a:rPr kumimoji="0" lang="pt-BR" sz="1200" b="0" i="0" u="none" strike="noStrike" kern="0" cap="none" spc="0" normalizeH="0" baseline="0" dirty="0">
                 <a:ln>
                   <a:noFill/>
                 </a:ln>
@@ -2656,7 +3749,7 @@
               <a:t>	</a:t>
             </a:r>
             <a:r>
-              <a:rPr kumimoji="0" lang="pt-BR" sz="1200" b="0" i="0" u="none" strike="noStrike" kern="0" cap="none" spc="0" normalizeH="0" baseline="0" dirty="0" err="1" smtClean="0">
+              <a:rPr kumimoji="0" lang="pt-BR" sz="1200" b="0" i="0" u="none" strike="noStrike" kern="0" cap="none" spc="0" normalizeH="0" baseline="0" dirty="0" err="1">
                 <a:ln>
                   <a:noFill/>
                 </a:ln>
@@ -2670,7 +3763,7 @@
               <a:t>bean-discovery-mode</a:t>
             </a:r>
             <a:r>
-              <a:rPr kumimoji="0" lang="pt-BR" sz="1200" b="0" i="0" u="none" strike="noStrike" kern="0" cap="none" spc="0" normalizeH="0" baseline="0" dirty="0" smtClean="0">
+              <a:rPr kumimoji="0" lang="pt-BR" sz="1200" b="0" i="0" u="none" strike="noStrike" kern="0" cap="none" spc="0" normalizeH="0" baseline="0" dirty="0">
                 <a:ln>
                   <a:noFill/>
                 </a:ln>
@@ -2684,7 +3777,7 @@
               <a:t>="</a:t>
             </a:r>
             <a:r>
-              <a:rPr kumimoji="0" lang="pt-BR" sz="1200" b="0" i="0" u="none" strike="noStrike" kern="0" cap="none" spc="0" normalizeH="0" baseline="0" dirty="0" err="1" smtClean="0">
+              <a:rPr kumimoji="0" lang="pt-BR" sz="1200" b="0" i="0" u="none" strike="noStrike" kern="0" cap="none" spc="0" normalizeH="0" baseline="0" dirty="0" err="1">
                 <a:ln>
                   <a:noFill/>
                 </a:ln>
@@ -2698,7 +3791,7 @@
               <a:t>annotated</a:t>
             </a:r>
             <a:r>
-              <a:rPr kumimoji="0" lang="pt-BR" sz="1200" b="0" i="0" u="none" strike="noStrike" kern="0" cap="none" spc="0" normalizeH="0" baseline="0" dirty="0" smtClean="0">
+              <a:rPr kumimoji="0" lang="pt-BR" sz="1200" b="0" i="0" u="none" strike="noStrike" kern="0" cap="none" spc="0" normalizeH="0" baseline="0" dirty="0">
                 <a:ln>
                   <a:noFill/>
                 </a:ln>
@@ -2722,7 +3815,7 @@
               <a:defRPr lang="pt-BR"/>
             </a:pPr>
             <a:r>
-              <a:rPr kumimoji="0" lang="pt-BR" sz="1200" b="0" i="0" u="none" strike="noStrike" kern="0" cap="none" spc="0" normalizeH="0" baseline="0" dirty="0" smtClean="0">
+              <a:rPr kumimoji="0" lang="pt-BR" sz="1200" b="0" i="0" u="none" strike="noStrike" kern="0" cap="none" spc="0" normalizeH="0" baseline="0" dirty="0">
                 <a:ln>
                   <a:noFill/>
                 </a:ln>
@@ -2736,7 +3829,7 @@
               <a:t>&lt;/</a:t>
             </a:r>
             <a:r>
-              <a:rPr kumimoji="0" lang="pt-BR" sz="1200" b="0" i="0" u="none" strike="noStrike" kern="0" cap="none" spc="0" normalizeH="0" baseline="0" dirty="0" err="1" smtClean="0">
+              <a:rPr kumimoji="0" lang="pt-BR" sz="1200" b="0" i="0" u="none" strike="noStrike" kern="0" cap="none" spc="0" normalizeH="0" baseline="0" dirty="0" err="1">
                 <a:ln>
                   <a:noFill/>
                 </a:ln>
@@ -2749,7 +3842,7 @@
               </a:rPr>
               <a:t>beans</a:t>
             </a:r>
-            <a:endParaRPr kumimoji="0" lang="pt-BR" sz="1200" b="0" i="0" u="none" strike="noStrike" kern="0" cap="none" spc="0" normalizeH="0" baseline="0" dirty="0" smtClean="0">
+            <a:endParaRPr kumimoji="0" lang="pt-BR" sz="1200" b="0" i="0" u="none" strike="noStrike" kern="0" cap="none" spc="0" normalizeH="0" baseline="0" dirty="0">
               <a:ln>
                 <a:noFill/>
               </a:ln>
@@ -2840,84 +3933,20 @@
           <a:lstStyle/>
           <a:p>
             <a:r>
-              <a:rPr lang="en-US" sz="1200" b="0" i="0" kern="1200" dirty="0" smtClean="0">
-                <a:solidFill>
-                  <a:schemeClr val="tx1"/>
-                </a:solidFill>
-                <a:effectLst/>
-                <a:latin typeface="+mn-lt"/>
-                <a:ea typeface="+mn-ea"/>
-                <a:cs typeface="+mn-cs"/>
-              </a:rPr>
-              <a:t>@Any: Think of it as an omnipresent qualifier. It’s there even if its not.</a:t>
-            </a:r>
-          </a:p>
-          <a:p>
-            <a:r>
-              <a:rPr lang="en-US" sz="1200" b="0" i="0" kern="1200" dirty="0" smtClean="0">
-                <a:solidFill>
-                  <a:schemeClr val="tx1"/>
-                </a:solidFill>
-                <a:effectLst/>
-                <a:latin typeface="+mn-lt"/>
-                <a:ea typeface="+mn-ea"/>
-                <a:cs typeface="+mn-cs"/>
-              </a:rPr>
-              <a:t>@Default: As the name suggests, this qualifier treated as a default when none other qualifiers have been specific. </a:t>
-            </a:r>
-          </a:p>
-          <a:p>
-            <a:r>
-              <a:rPr lang="en-US" sz="1200" b="0" i="0" kern="1200" dirty="0" smtClean="0">
-                <a:solidFill>
-                  <a:schemeClr val="tx1"/>
-                </a:solidFill>
-                <a:effectLst/>
-                <a:latin typeface="+mn-lt"/>
-                <a:ea typeface="+mn-ea"/>
-                <a:cs typeface="+mn-cs"/>
-              </a:rPr>
-              <a:t>The only exception to this rule is when the @Named (</a:t>
-            </a:r>
-            <a:r>
-              <a:rPr lang="en-US" sz="1200" b="0" i="0" kern="1200" dirty="0" err="1" smtClean="0">
-                <a:solidFill>
-                  <a:schemeClr val="tx1"/>
-                </a:solidFill>
-                <a:effectLst/>
-                <a:latin typeface="+mn-lt"/>
-                <a:ea typeface="+mn-ea"/>
-                <a:cs typeface="+mn-cs"/>
-              </a:rPr>
-              <a:t>javax.inject</a:t>
-            </a:r>
-            <a:r>
-              <a:rPr lang="en-US" sz="1200" b="0" i="0" kern="1200" dirty="0" smtClean="0">
-                <a:solidFill>
-                  <a:schemeClr val="tx1"/>
-                </a:solidFill>
-                <a:effectLst/>
-                <a:latin typeface="+mn-lt"/>
-                <a:ea typeface="+mn-ea"/>
-                <a:cs typeface="+mn-cs"/>
-              </a:rPr>
-              <a:t>) qualifier is used as well</a:t>
-            </a:r>
-          </a:p>
-          <a:p>
-            <a:r>
-              <a:rPr lang="en-US" sz="1200" b="0" i="0" kern="1200" dirty="0" smtClean="0">
-                <a:solidFill>
-                  <a:schemeClr val="tx1"/>
-                </a:solidFill>
-                <a:effectLst/>
-                <a:latin typeface="+mn-lt"/>
-                <a:ea typeface="+mn-ea"/>
-                <a:cs typeface="+mn-cs"/>
-              </a:rPr>
-              <a:t>@New: Used to obtain a new instance of a bean on-demand. The new instance is scope independent. This has been deprecated since CDI 1.1</a:t>
-            </a:r>
-            <a:endParaRPr lang="pt-BR" sz="1200" b="0" i="0" kern="1200" dirty="0" smtClean="0">
+              <a:rPr lang="pt-BR" sz="1200" b="0" i="0" kern="1200" dirty="0">
+                <a:solidFill>
+                  <a:schemeClr val="tx1"/>
+                </a:solidFill>
+                <a:effectLst/>
+                <a:latin typeface="+mn-lt"/>
+                <a:ea typeface="+mn-ea"/>
+                <a:cs typeface="+mn-cs"/>
+              </a:rPr>
+              <a:t>A tendência é o CDI se tornar a principal tecnologia para gerenciar objetos na plataforma Java EE, onde praticamente TUDO será gerenciado por seu container e com o tempo substituirá outras especificações que também possuem um container, como EJB e JSF.</a:t>
+            </a:r>
+          </a:p>
+          <a:p>
+            <a:endParaRPr lang="pt-BR" sz="1200" b="0" i="0" kern="1200" dirty="0">
               <a:solidFill>
                 <a:schemeClr val="tx1"/>
               </a:solidFill>
@@ -2928,7 +3957,94 @@
             </a:endParaRPr>
           </a:p>
           <a:p>
-            <a:endParaRPr lang="pt-BR" sz="1200" b="0" i="0" kern="1200" dirty="0" smtClean="0">
+            <a:r>
+              <a:rPr lang="pt-BR" sz="1200" b="0" i="0" u="none" strike="noStrike" kern="1200" baseline="0" dirty="0">
+                <a:solidFill>
+                  <a:schemeClr val="tx1"/>
+                </a:solidFill>
+                <a:latin typeface="+mn-lt"/>
+                <a:ea typeface="+mn-ea"/>
+                <a:cs typeface="+mn-cs"/>
+              </a:rPr>
+              <a:t>Se um </a:t>
+            </a:r>
+            <a:r>
+              <a:rPr lang="pt-BR" sz="1200" b="0" i="0" u="none" strike="noStrike" kern="1200" baseline="0" dirty="0" err="1">
+                <a:solidFill>
+                  <a:schemeClr val="tx1"/>
+                </a:solidFill>
+                <a:latin typeface="+mn-lt"/>
+                <a:ea typeface="+mn-ea"/>
+                <a:cs typeface="+mn-cs"/>
+              </a:rPr>
+              <a:t>bean</a:t>
+            </a:r>
+            <a:r>
+              <a:rPr lang="pt-BR" sz="1200" b="0" i="0" u="none" strike="noStrike" kern="1200" baseline="0" dirty="0">
+                <a:solidFill>
+                  <a:schemeClr val="tx1"/>
+                </a:solidFill>
+                <a:latin typeface="+mn-lt"/>
+                <a:ea typeface="+mn-ea"/>
+                <a:cs typeface="+mn-cs"/>
+              </a:rPr>
+              <a:t> não declara nenhum escopo, ele pertence ao escopo do objeto onde foi injetado. Isto corresponde ao </a:t>
+            </a:r>
+            <a:r>
+              <a:rPr lang="pt-BR" sz="1200" b="0" i="0" u="none" strike="noStrike" kern="1200" baseline="0" dirty="0" err="1">
+                <a:solidFill>
+                  <a:schemeClr val="tx1"/>
+                </a:solidFill>
+                <a:latin typeface="+mn-lt"/>
+                <a:ea typeface="+mn-ea"/>
+                <a:cs typeface="+mn-cs"/>
+              </a:rPr>
+              <a:t>pseudo-escopo</a:t>
+            </a:r>
+            <a:r>
+              <a:rPr lang="pt-BR" sz="1200" b="0" i="0" u="none" strike="noStrike" kern="1200" baseline="0" dirty="0">
+                <a:solidFill>
+                  <a:schemeClr val="tx1"/>
+                </a:solidFill>
+                <a:latin typeface="+mn-lt"/>
+                <a:ea typeface="+mn-ea"/>
+                <a:cs typeface="+mn-cs"/>
+              </a:rPr>
+              <a:t> </a:t>
+            </a:r>
+            <a:r>
+              <a:rPr lang="pt-BR" sz="1200" b="1" i="0" u="none" strike="noStrike" kern="1200" baseline="0" dirty="0">
+                <a:solidFill>
+                  <a:schemeClr val="tx1"/>
+                </a:solidFill>
+                <a:latin typeface="+mn-lt"/>
+                <a:ea typeface="+mn-ea"/>
+                <a:cs typeface="+mn-cs"/>
+              </a:rPr>
+              <a:t>@</a:t>
+            </a:r>
+            <a:r>
+              <a:rPr lang="pt-BR" sz="1200" b="1" i="0" u="none" strike="noStrike" kern="1200" baseline="0" dirty="0" err="1">
+                <a:solidFill>
+                  <a:schemeClr val="tx1"/>
+                </a:solidFill>
+                <a:latin typeface="+mn-lt"/>
+                <a:ea typeface="+mn-ea"/>
+                <a:cs typeface="+mn-cs"/>
+              </a:rPr>
+              <a:t>Dependent</a:t>
+            </a:r>
+            <a:endParaRPr lang="pt-BR" sz="1200" b="1" i="0" u="none" strike="noStrike" kern="1200" baseline="0" dirty="0">
+              <a:solidFill>
+                <a:schemeClr val="tx1"/>
+              </a:solidFill>
+              <a:latin typeface="+mn-lt"/>
+              <a:ea typeface="+mn-ea"/>
+              <a:cs typeface="+mn-cs"/>
+            </a:endParaRPr>
+          </a:p>
+          <a:p>
+            <a:endParaRPr lang="pt-BR" sz="1200" b="1" i="0" u="none" strike="noStrike" kern="1200" baseline="0" dirty="0">
               <a:solidFill>
                 <a:schemeClr val="tx1"/>
               </a:solidFill>
@@ -2940,55 +4056,43 @@
           </a:p>
           <a:p>
             <a:r>
-              <a:rPr lang="pt-BR" sz="1200" b="0" i="0" kern="1200" dirty="0" smtClean="0">
-                <a:solidFill>
-                  <a:schemeClr val="tx1"/>
-                </a:solidFill>
-                <a:effectLst/>
-                <a:latin typeface="+mn-lt"/>
-                <a:ea typeface="+mn-ea"/>
-                <a:cs typeface="+mn-cs"/>
-              </a:rPr>
-              <a:t>  Todos tem </a:t>
-            </a:r>
-            <a:r>
-              <a:rPr lang="pt-BR" sz="1200" b="0" i="0" kern="1200" dirty="0" err="1" smtClean="0">
-                <a:solidFill>
-                  <a:schemeClr val="tx1"/>
-                </a:solidFill>
-                <a:effectLst/>
-                <a:latin typeface="+mn-lt"/>
-                <a:ea typeface="+mn-ea"/>
-                <a:cs typeface="+mn-cs"/>
-              </a:rPr>
-              <a:t>Any</a:t>
-            </a:r>
-            <a:r>
-              <a:rPr lang="pt-BR" sz="1200" b="0" i="0" kern="1200" dirty="0" smtClean="0">
-                <a:solidFill>
-                  <a:schemeClr val="tx1"/>
-                </a:solidFill>
-                <a:effectLst/>
-                <a:latin typeface="+mn-lt"/>
-                <a:ea typeface="+mn-ea"/>
-                <a:cs typeface="+mn-cs"/>
-              </a:rPr>
-              <a:t> e Default de forma implícita, porém quando cria um Qualificador,</a:t>
-            </a:r>
-            <a:r>
-              <a:rPr lang="pt-BR" sz="1200" b="0" i="0" kern="1200" baseline="0" dirty="0" smtClean="0">
-                <a:solidFill>
-                  <a:schemeClr val="tx1"/>
-                </a:solidFill>
-                <a:effectLst/>
-                <a:latin typeface="+mn-lt"/>
-                <a:ea typeface="+mn-ea"/>
-                <a:cs typeface="+mn-cs"/>
-              </a:rPr>
-              <a:t> ele substitui o default por esse motivo a exigência de inserir a anotação ao injetar o </a:t>
-            </a:r>
-            <a:r>
-              <a:rPr lang="pt-BR" sz="1200" b="0" i="0" kern="1200" baseline="0" dirty="0" err="1" smtClean="0">
+              <a:rPr lang="pt-BR" sz="1200" b="0" i="0" kern="1200" dirty="0">
+                <a:solidFill>
+                  <a:schemeClr val="tx1"/>
+                </a:solidFill>
+                <a:effectLst/>
+                <a:latin typeface="+mn-lt"/>
+                <a:ea typeface="+mn-ea"/>
+                <a:cs typeface="+mn-cs"/>
+              </a:rPr>
+              <a:t>Percebemos aqui que temos um problema, pois o escopo de </a:t>
+            </a:r>
+            <a:r>
+              <a:rPr lang="pt-BR" sz="1200" b="0" i="0" kern="1200" dirty="0" err="1">
+                <a:solidFill>
+                  <a:schemeClr val="tx1"/>
+                </a:solidFill>
+                <a:effectLst/>
+                <a:latin typeface="+mn-lt"/>
+                <a:ea typeface="+mn-ea"/>
+                <a:cs typeface="+mn-cs"/>
+              </a:rPr>
+              <a:t>Request</a:t>
+            </a:r>
+            <a:r>
+              <a:rPr lang="pt-BR" sz="1200" b="0" i="0" kern="1200" dirty="0">
+                <a:solidFill>
+                  <a:schemeClr val="tx1"/>
+                </a:solidFill>
+                <a:effectLst/>
+                <a:latin typeface="+mn-lt"/>
+                <a:ea typeface="+mn-ea"/>
+                <a:cs typeface="+mn-cs"/>
+              </a:rPr>
+              <a:t> é curto demais para manter o </a:t>
+            </a:r>
+            <a:r>
+              <a:rPr lang="pt-BR" sz="1200" b="0" i="0" kern="1200" dirty="0" err="1">
                 <a:solidFill>
                   <a:schemeClr val="tx1"/>
                 </a:solidFill>
@@ -3000,7 +4104,151 @@
               <a:t>bean</a:t>
             </a:r>
             <a:r>
-              <a:rPr lang="pt-BR" sz="1200" b="0" i="0" kern="1200" baseline="0" dirty="0" smtClean="0">
+              <a:rPr lang="pt-BR" sz="1200" b="0" i="0" kern="1200" dirty="0">
+                <a:solidFill>
+                  <a:schemeClr val="tx1"/>
+                </a:solidFill>
+                <a:effectLst/>
+                <a:latin typeface="+mn-lt"/>
+                <a:ea typeface="+mn-ea"/>
+                <a:cs typeface="+mn-cs"/>
+              </a:rPr>
+              <a:t> na quantidade de tempo que desejamos e o escopo </a:t>
+            </a:r>
+            <a:r>
+              <a:rPr lang="pt-BR" sz="1200" b="0" i="0" kern="1200" dirty="0" err="1">
+                <a:solidFill>
+                  <a:schemeClr val="tx1"/>
+                </a:solidFill>
+                <a:effectLst/>
+                <a:latin typeface="+mn-lt"/>
+                <a:ea typeface="+mn-ea"/>
+                <a:cs typeface="+mn-cs"/>
+              </a:rPr>
+              <a:t>Session</a:t>
+            </a:r>
+            <a:r>
+              <a:rPr lang="pt-BR" sz="1200" b="0" i="0" kern="1200" dirty="0">
+                <a:solidFill>
+                  <a:schemeClr val="tx1"/>
+                </a:solidFill>
+                <a:effectLst/>
+                <a:latin typeface="+mn-lt"/>
+                <a:ea typeface="+mn-ea"/>
+                <a:cs typeface="+mn-cs"/>
+              </a:rPr>
+              <a:t> é longo demais e acaba mantendo o </a:t>
+            </a:r>
+            <a:r>
+              <a:rPr lang="pt-BR" sz="1200" b="0" i="0" kern="1200" dirty="0" err="1">
+                <a:solidFill>
+                  <a:schemeClr val="tx1"/>
+                </a:solidFill>
+                <a:effectLst/>
+                <a:latin typeface="+mn-lt"/>
+                <a:ea typeface="+mn-ea"/>
+                <a:cs typeface="+mn-cs"/>
+              </a:rPr>
+              <a:t>bean</a:t>
+            </a:r>
+            <a:r>
+              <a:rPr lang="pt-BR" sz="1200" b="0" i="0" kern="1200" dirty="0">
+                <a:solidFill>
+                  <a:schemeClr val="tx1"/>
+                </a:solidFill>
+                <a:effectLst/>
+                <a:latin typeface="+mn-lt"/>
+                <a:ea typeface="+mn-ea"/>
+                <a:cs typeface="+mn-cs"/>
+              </a:rPr>
+              <a:t> além do que desejamos. O </a:t>
+            </a:r>
+            <a:r>
+              <a:rPr lang="pt-BR" sz="1200" b="0" i="0" kern="1200" dirty="0" err="1">
+                <a:solidFill>
+                  <a:schemeClr val="tx1"/>
+                </a:solidFill>
+                <a:effectLst/>
+                <a:latin typeface="+mn-lt"/>
+                <a:ea typeface="+mn-ea"/>
+                <a:cs typeface="+mn-cs"/>
+              </a:rPr>
+              <a:t>ViewScoped</a:t>
+            </a:r>
+            <a:r>
+              <a:rPr lang="pt-BR" sz="1200" b="0" i="0" kern="1200" dirty="0">
+                <a:solidFill>
+                  <a:schemeClr val="tx1"/>
+                </a:solidFill>
+                <a:effectLst/>
+                <a:latin typeface="+mn-lt"/>
+                <a:ea typeface="+mn-ea"/>
+                <a:cs typeface="+mn-cs"/>
+              </a:rPr>
+              <a:t> veio para tentar resolver esse problema, criando um </a:t>
+            </a:r>
+            <a:r>
+              <a:rPr lang="pt-BR" sz="1200" b="1" i="0" kern="1200" dirty="0">
+                <a:solidFill>
+                  <a:schemeClr val="tx1"/>
+                </a:solidFill>
+                <a:effectLst/>
+                <a:latin typeface="+mn-lt"/>
+                <a:ea typeface="+mn-ea"/>
+                <a:cs typeface="+mn-cs"/>
+              </a:rPr>
+              <a:t>meio-termo</a:t>
+            </a:r>
+            <a:r>
+              <a:rPr lang="pt-BR" sz="1200" b="0" i="0" kern="1200" dirty="0">
+                <a:solidFill>
+                  <a:schemeClr val="tx1"/>
+                </a:solidFill>
+                <a:effectLst/>
+                <a:latin typeface="+mn-lt"/>
+                <a:ea typeface="+mn-ea"/>
+                <a:cs typeface="+mn-cs"/>
+              </a:rPr>
+              <a:t> entre o </a:t>
+            </a:r>
+            <a:r>
+              <a:rPr lang="pt-BR" sz="1200" b="1" i="0" kern="1200" dirty="0" err="1">
+                <a:solidFill>
+                  <a:schemeClr val="tx1"/>
+                </a:solidFill>
+                <a:effectLst/>
+                <a:latin typeface="+mn-lt"/>
+                <a:ea typeface="+mn-ea"/>
+                <a:cs typeface="+mn-cs"/>
+              </a:rPr>
+              <a:t>Request</a:t>
+            </a:r>
+            <a:r>
+              <a:rPr lang="pt-BR" sz="1200" b="0" i="0" kern="1200" dirty="0">
+                <a:solidFill>
+                  <a:schemeClr val="tx1"/>
+                </a:solidFill>
+                <a:effectLst/>
+                <a:latin typeface="+mn-lt"/>
+                <a:ea typeface="+mn-ea"/>
+                <a:cs typeface="+mn-cs"/>
+              </a:rPr>
+              <a:t> e o </a:t>
+            </a:r>
+            <a:r>
+              <a:rPr lang="pt-BR" sz="1200" b="1" i="0" kern="1200" dirty="0" err="1">
+                <a:solidFill>
+                  <a:schemeClr val="tx1"/>
+                </a:solidFill>
+                <a:effectLst/>
+                <a:latin typeface="+mn-lt"/>
+                <a:ea typeface="+mn-ea"/>
+                <a:cs typeface="+mn-cs"/>
+              </a:rPr>
+              <a:t>Session</a:t>
+            </a:r>
+            <a:r>
+              <a:rPr lang="pt-BR" sz="1200" b="0" i="0" kern="1200" dirty="0">
                 <a:solidFill>
                   <a:schemeClr val="tx1"/>
                 </a:solidFill>
@@ -3011,7 +4259,7 @@
               </a:rPr>
               <a:t>.</a:t>
             </a:r>
-            <a:endParaRPr lang="pt-BR" sz="1200" b="0" i="0" kern="1200" dirty="0" smtClean="0">
+            <a:endParaRPr lang="pt-BR" sz="1200" b="1" i="0" u="none" strike="noStrike" kern="1200" baseline="0" dirty="0">
               <a:solidFill>
                 <a:schemeClr val="tx1"/>
               </a:solidFill>
@@ -3023,236 +4271,116 @@
           </a:p>
           <a:p>
             <a:r>
-              <a:rPr lang="en-US" sz="1200" kern="1200" dirty="0" smtClean="0">
-                <a:solidFill>
-                  <a:schemeClr val="tx1"/>
-                </a:solidFill>
-                <a:latin typeface="+mn-lt"/>
-                <a:ea typeface="+mn-ea"/>
-                <a:cs typeface="+mn-cs"/>
-              </a:rPr>
-              <a:t>- Managed Bean [class </a:t>
-            </a:r>
-            <a:r>
-              <a:rPr lang="en-US" sz="1200" kern="1200" dirty="0" err="1" smtClean="0">
-                <a:solidFill>
-                  <a:schemeClr val="tx1"/>
-                </a:solidFill>
-                <a:latin typeface="+mn-lt"/>
-                <a:ea typeface="+mn-ea"/>
-                <a:cs typeface="+mn-cs"/>
-              </a:rPr>
-              <a:t>br.com.java.advanced.qualifier.ServicoLoginWs</a:t>
-            </a:r>
-            <a:r>
-              <a:rPr lang="en-US" sz="1200" kern="1200" dirty="0" smtClean="0">
-                <a:solidFill>
-                  <a:schemeClr val="tx1"/>
-                </a:solidFill>
-                <a:latin typeface="+mn-lt"/>
-                <a:ea typeface="+mn-ea"/>
-                <a:cs typeface="+mn-cs"/>
-              </a:rPr>
-              <a:t>] with qualifiers [@Any @Default]</a:t>
-            </a:r>
-            <a:endParaRPr lang="pt-BR" sz="1200" kern="1200" dirty="0" smtClean="0">
-              <a:solidFill>
-                <a:schemeClr val="tx1"/>
-              </a:solidFill>
-              <a:latin typeface="+mn-lt"/>
-              <a:ea typeface="+mn-ea"/>
-              <a:cs typeface="+mn-cs"/>
-            </a:endParaRPr>
-          </a:p>
-          <a:p>
-            <a:r>
-              <a:rPr lang="pt-BR" sz="1200" kern="1200" dirty="0" smtClean="0">
-                <a:solidFill>
-                  <a:schemeClr val="tx1"/>
-                </a:solidFill>
-                <a:latin typeface="+mn-lt"/>
-                <a:ea typeface="+mn-ea"/>
-                <a:cs typeface="+mn-cs"/>
-              </a:rPr>
-              <a:t>- </a:t>
-            </a:r>
-            <a:r>
-              <a:rPr lang="pt-BR" sz="1200" kern="1200" dirty="0" err="1" smtClean="0">
-                <a:solidFill>
-                  <a:schemeClr val="tx1"/>
-                </a:solidFill>
-                <a:latin typeface="+mn-lt"/>
-                <a:ea typeface="+mn-ea"/>
-                <a:cs typeface="+mn-cs"/>
-              </a:rPr>
-              <a:t>Managed</a:t>
-            </a:r>
-            <a:r>
-              <a:rPr lang="pt-BR" sz="1200" kern="1200" dirty="0" smtClean="0">
-                <a:solidFill>
-                  <a:schemeClr val="tx1"/>
-                </a:solidFill>
-                <a:latin typeface="+mn-lt"/>
-                <a:ea typeface="+mn-ea"/>
-                <a:cs typeface="+mn-cs"/>
-              </a:rPr>
-              <a:t> </a:t>
-            </a:r>
-            <a:r>
-              <a:rPr lang="pt-BR" sz="1200" kern="1200" dirty="0" err="1" smtClean="0">
-                <a:solidFill>
-                  <a:schemeClr val="tx1"/>
-                </a:solidFill>
-                <a:latin typeface="+mn-lt"/>
-                <a:ea typeface="+mn-ea"/>
-                <a:cs typeface="+mn-cs"/>
-              </a:rPr>
-              <a:t>Bean</a:t>
-            </a:r>
-            <a:r>
-              <a:rPr lang="pt-BR" sz="1200" kern="1200" dirty="0" smtClean="0">
-                <a:solidFill>
-                  <a:schemeClr val="tx1"/>
-                </a:solidFill>
-                <a:latin typeface="+mn-lt"/>
-                <a:ea typeface="+mn-ea"/>
-                <a:cs typeface="+mn-cs"/>
-              </a:rPr>
-              <a:t> [</a:t>
-            </a:r>
-            <a:r>
-              <a:rPr lang="pt-BR" sz="1200" kern="1200" dirty="0" err="1" smtClean="0">
-                <a:solidFill>
-                  <a:schemeClr val="tx1"/>
-                </a:solidFill>
-                <a:latin typeface="+mn-lt"/>
-                <a:ea typeface="+mn-ea"/>
-                <a:cs typeface="+mn-cs"/>
-              </a:rPr>
-              <a:t>class</a:t>
-            </a:r>
-            <a:r>
-              <a:rPr lang="pt-BR" sz="1200" kern="1200" dirty="0" smtClean="0">
-                <a:solidFill>
-                  <a:schemeClr val="tx1"/>
-                </a:solidFill>
-                <a:latin typeface="+mn-lt"/>
-                <a:ea typeface="+mn-ea"/>
-                <a:cs typeface="+mn-cs"/>
-              </a:rPr>
-              <a:t> </a:t>
-            </a:r>
-            <a:r>
-              <a:rPr lang="pt-BR" sz="1200" kern="1200" dirty="0" err="1" smtClean="0">
-                <a:solidFill>
-                  <a:schemeClr val="tx1"/>
-                </a:solidFill>
-                <a:latin typeface="+mn-lt"/>
-                <a:ea typeface="+mn-ea"/>
-                <a:cs typeface="+mn-cs"/>
-              </a:rPr>
-              <a:t>br.com.java.advanced.qualifier.ServicoLoginDb</a:t>
-            </a:r>
-            <a:r>
-              <a:rPr lang="pt-BR" sz="1200" kern="1200" dirty="0" smtClean="0">
-                <a:solidFill>
-                  <a:schemeClr val="tx1"/>
-                </a:solidFill>
-                <a:latin typeface="+mn-lt"/>
-                <a:ea typeface="+mn-ea"/>
-                <a:cs typeface="+mn-cs"/>
-              </a:rPr>
-              <a:t>] </a:t>
-            </a:r>
-            <a:r>
-              <a:rPr lang="pt-BR" sz="1200" kern="1200" dirty="0" err="1" smtClean="0">
-                <a:solidFill>
-                  <a:schemeClr val="tx1"/>
-                </a:solidFill>
-                <a:latin typeface="+mn-lt"/>
-                <a:ea typeface="+mn-ea"/>
-                <a:cs typeface="+mn-cs"/>
-              </a:rPr>
-              <a:t>with</a:t>
-            </a:r>
-            <a:r>
-              <a:rPr lang="pt-BR" sz="1200" kern="1200" dirty="0" smtClean="0">
-                <a:solidFill>
-                  <a:schemeClr val="tx1"/>
-                </a:solidFill>
-                <a:latin typeface="+mn-lt"/>
-                <a:ea typeface="+mn-ea"/>
-                <a:cs typeface="+mn-cs"/>
-              </a:rPr>
-              <a:t> </a:t>
-            </a:r>
-            <a:r>
-              <a:rPr lang="pt-BR" sz="1200" kern="1200" dirty="0" err="1" smtClean="0">
-                <a:solidFill>
-                  <a:schemeClr val="tx1"/>
-                </a:solidFill>
-                <a:latin typeface="+mn-lt"/>
-                <a:ea typeface="+mn-ea"/>
-                <a:cs typeface="+mn-cs"/>
-              </a:rPr>
-              <a:t>qualifiers</a:t>
-            </a:r>
-            <a:r>
-              <a:rPr lang="pt-BR" sz="1200" kern="1200" dirty="0" smtClean="0">
-                <a:solidFill>
-                  <a:schemeClr val="tx1"/>
-                </a:solidFill>
-                <a:latin typeface="+mn-lt"/>
-                <a:ea typeface="+mn-ea"/>
-                <a:cs typeface="+mn-cs"/>
-              </a:rPr>
-              <a:t> [@</a:t>
-            </a:r>
-            <a:r>
-              <a:rPr lang="pt-BR" sz="1200" kern="1200" dirty="0" err="1" smtClean="0">
-                <a:solidFill>
-                  <a:schemeClr val="tx1"/>
-                </a:solidFill>
-                <a:latin typeface="+mn-lt"/>
-                <a:ea typeface="+mn-ea"/>
-                <a:cs typeface="+mn-cs"/>
-              </a:rPr>
-              <a:t>QualificadorLogin</a:t>
-            </a:r>
-            <a:r>
-              <a:rPr lang="pt-BR" sz="1200" kern="1200" dirty="0" smtClean="0">
-                <a:solidFill>
-                  <a:schemeClr val="tx1"/>
-                </a:solidFill>
-                <a:latin typeface="+mn-lt"/>
-                <a:ea typeface="+mn-ea"/>
-                <a:cs typeface="+mn-cs"/>
-              </a:rPr>
-              <a:t> @</a:t>
-            </a:r>
-            <a:r>
-              <a:rPr lang="pt-BR" sz="1200" kern="1200" dirty="0" err="1" smtClean="0">
-                <a:solidFill>
-                  <a:schemeClr val="tx1"/>
-                </a:solidFill>
-                <a:latin typeface="+mn-lt"/>
-                <a:ea typeface="+mn-ea"/>
-                <a:cs typeface="+mn-cs"/>
-              </a:rPr>
-              <a:t>Any</a:t>
-            </a:r>
-            <a:r>
-              <a:rPr lang="pt-BR" sz="1200" kern="1200" dirty="0" smtClean="0">
-                <a:solidFill>
-                  <a:schemeClr val="tx1"/>
-                </a:solidFill>
-                <a:latin typeface="+mn-lt"/>
-                <a:ea typeface="+mn-ea"/>
-                <a:cs typeface="+mn-cs"/>
-              </a:rPr>
-              <a:t>]</a:t>
-            </a:r>
-            <a:endParaRPr lang="pt-BR" sz="1200" b="0" i="0" kern="1200" dirty="0" smtClean="0">
+              <a:rPr lang="pt-BR" sz="1200" b="0" i="0" kern="1200" dirty="0">
+                <a:solidFill>
+                  <a:schemeClr val="tx1"/>
+                </a:solidFill>
+                <a:effectLst/>
+                <a:latin typeface="+mn-lt"/>
+                <a:ea typeface="+mn-ea"/>
+                <a:cs typeface="+mn-cs"/>
+              </a:rPr>
+              <a:t>O </a:t>
+            </a:r>
+            <a:r>
+              <a:rPr lang="pt-BR" sz="1200" b="0" i="0" kern="1200" dirty="0" err="1">
+                <a:solidFill>
+                  <a:schemeClr val="tx1"/>
+                </a:solidFill>
+                <a:effectLst/>
+                <a:latin typeface="+mn-lt"/>
+                <a:ea typeface="+mn-ea"/>
+                <a:cs typeface="+mn-cs"/>
+              </a:rPr>
+              <a:t>ViewScoped</a:t>
+            </a:r>
+            <a:r>
+              <a:rPr lang="pt-BR" sz="1200" b="0" i="0" kern="1200" dirty="0">
+                <a:solidFill>
+                  <a:schemeClr val="tx1"/>
+                </a:solidFill>
+                <a:effectLst/>
+                <a:latin typeface="+mn-lt"/>
+                <a:ea typeface="+mn-ea"/>
+                <a:cs typeface="+mn-cs"/>
+              </a:rPr>
+              <a:t> mantém o estado do </a:t>
+            </a:r>
+            <a:r>
+              <a:rPr lang="pt-BR" sz="1200" b="0" i="0" kern="1200" dirty="0" err="1">
+                <a:solidFill>
+                  <a:schemeClr val="tx1"/>
+                </a:solidFill>
+                <a:effectLst/>
+                <a:latin typeface="+mn-lt"/>
+                <a:ea typeface="+mn-ea"/>
+                <a:cs typeface="+mn-cs"/>
+              </a:rPr>
+              <a:t>bean</a:t>
+            </a:r>
+            <a:r>
+              <a:rPr lang="pt-BR" sz="1200" b="0" i="0" kern="1200" dirty="0">
+                <a:solidFill>
+                  <a:schemeClr val="tx1"/>
+                </a:solidFill>
+                <a:effectLst/>
+                <a:latin typeface="+mn-lt"/>
+                <a:ea typeface="+mn-ea"/>
+                <a:cs typeface="+mn-cs"/>
+              </a:rPr>
+              <a:t> enquanto houver requisições da mesma </a:t>
+            </a:r>
+            <a:r>
+              <a:rPr lang="pt-BR" sz="1200" b="0" i="0" kern="1200" dirty="0" err="1">
+                <a:solidFill>
+                  <a:schemeClr val="tx1"/>
+                </a:solidFill>
+                <a:effectLst/>
+                <a:latin typeface="+mn-lt"/>
+                <a:ea typeface="+mn-ea"/>
+                <a:cs typeface="+mn-cs"/>
+              </a:rPr>
+              <a:t>view</a:t>
+            </a:r>
+            <a:r>
+              <a:rPr lang="pt-BR" sz="1200" b="0" i="0" kern="1200" dirty="0">
+                <a:solidFill>
+                  <a:schemeClr val="tx1"/>
+                </a:solidFill>
+                <a:effectLst/>
+                <a:latin typeface="+mn-lt"/>
+                <a:ea typeface="+mn-ea"/>
+                <a:cs typeface="+mn-cs"/>
+              </a:rPr>
+              <a:t>/página, e quando ele muda de página o estado do </a:t>
+            </a:r>
+            <a:r>
+              <a:rPr lang="pt-BR" sz="1200" b="0" i="0" kern="1200" dirty="0" err="1">
+                <a:solidFill>
+                  <a:schemeClr val="tx1"/>
+                </a:solidFill>
+                <a:effectLst/>
+                <a:latin typeface="+mn-lt"/>
+                <a:ea typeface="+mn-ea"/>
+                <a:cs typeface="+mn-cs"/>
+              </a:rPr>
+              <a:t>bean</a:t>
+            </a:r>
+            <a:r>
+              <a:rPr lang="pt-BR" sz="1200" b="0" i="0" kern="1200" dirty="0">
+                <a:solidFill>
+                  <a:schemeClr val="tx1"/>
+                </a:solidFill>
+                <a:effectLst/>
+                <a:latin typeface="+mn-lt"/>
+                <a:ea typeface="+mn-ea"/>
+                <a:cs typeface="+mn-cs"/>
+              </a:rPr>
+              <a:t> é descartado.</a:t>
+            </a:r>
+          </a:p>
+          <a:p>
+            <a:endParaRPr lang="pt-BR" sz="1200" b="0" i="0" kern="1200" dirty="0">
               <a:solidFill>
                 <a:schemeClr val="tx1"/>
               </a:solidFill>
@@ -3263,7 +4391,46 @@
             </a:endParaRPr>
           </a:p>
           <a:p>
-            <a:endParaRPr lang="pt-BR" sz="1200" b="0" i="0" kern="1200" dirty="0" smtClean="0">
+            <a:pPr marL="0" marR="0" indent="0" algn="l" defTabSz="914400" rtl="0" eaLnBrk="1" fontAlgn="auto" latinLnBrk="0" hangingPunct="1">
+              <a:lnSpc>
+                <a:spcPct val="100000"/>
+              </a:lnSpc>
+              <a:spcBef>
+                <a:spcPts val="0"/>
+              </a:spcBef>
+              <a:spcAft>
+                <a:spcPts val="0"/>
+              </a:spcAft>
+              <a:buClrTx/>
+              <a:buSzTx/>
+              <a:buFontTx/>
+              <a:buNone/>
+              <a:tabLst/>
+              <a:defRPr/>
+            </a:pPr>
+            <a:r>
+              <a:rPr lang="pt-BR" sz="1200" dirty="0"/>
+              <a:t>• @</a:t>
+            </a:r>
+            <a:r>
+              <a:rPr lang="pt-BR" sz="1200" dirty="0" err="1"/>
+              <a:t>ConversationScoped</a:t>
+            </a:r>
+            <a:r>
+              <a:rPr lang="pt-BR" sz="1200" dirty="0"/>
+              <a:t>	(</a:t>
+            </a:r>
+            <a:r>
+              <a:rPr lang="pt-BR" sz="1200" dirty="0" err="1"/>
+              <a:t>Dev</a:t>
+            </a:r>
+            <a:r>
+              <a:rPr lang="pt-BR" sz="1200" dirty="0"/>
+              <a:t> delimita fronteiras)</a:t>
+            </a:r>
+          </a:p>
+          <a:p>
+            <a:endParaRPr lang="pt-BR" sz="1200" b="0" i="0" kern="1200" dirty="0">
               <a:solidFill>
                 <a:schemeClr val="tx1"/>
               </a:solidFill>
@@ -3272,289 +4439,6 @@
               <a:ea typeface="+mn-ea"/>
               <a:cs typeface="+mn-cs"/>
             </a:endParaRPr>
-          </a:p>
-          <a:p>
-            <a:r>
-              <a:rPr lang="pt-BR" sz="1200" b="0" i="0" kern="1200" dirty="0" smtClean="0">
-                <a:solidFill>
-                  <a:schemeClr val="tx1"/>
-                </a:solidFill>
-                <a:effectLst/>
-                <a:latin typeface="+mn-lt"/>
-                <a:ea typeface="+mn-ea"/>
-                <a:cs typeface="+mn-cs"/>
-              </a:rPr>
-              <a:t>@</a:t>
-            </a:r>
-            <a:r>
-              <a:rPr lang="pt-BR" sz="1200" b="0" i="0" kern="1200" dirty="0" err="1" smtClean="0">
-                <a:solidFill>
-                  <a:schemeClr val="tx1"/>
-                </a:solidFill>
-                <a:effectLst/>
-                <a:latin typeface="+mn-lt"/>
-                <a:ea typeface="+mn-ea"/>
-                <a:cs typeface="+mn-cs"/>
-              </a:rPr>
-              <a:t>Qualifier</a:t>
-            </a:r>
-            <a:endParaRPr lang="pt-BR" sz="1200" b="0" i="0" kern="1200" dirty="0" smtClean="0">
-              <a:solidFill>
-                <a:schemeClr val="tx1"/>
-              </a:solidFill>
-              <a:effectLst/>
-              <a:latin typeface="+mn-lt"/>
-              <a:ea typeface="+mn-ea"/>
-              <a:cs typeface="+mn-cs"/>
-            </a:endParaRPr>
-          </a:p>
-          <a:p>
-            <a:r>
-              <a:rPr lang="pt-BR" sz="1200" b="0" i="0" kern="1200" dirty="0" smtClean="0">
-                <a:solidFill>
-                  <a:schemeClr val="tx1"/>
-                </a:solidFill>
-                <a:effectLst/>
-                <a:latin typeface="+mn-lt"/>
-                <a:ea typeface="+mn-ea"/>
-                <a:cs typeface="+mn-cs"/>
-              </a:rPr>
-              <a:t>@</a:t>
-            </a:r>
-            <a:r>
-              <a:rPr lang="pt-BR" sz="1200" b="0" i="0" kern="1200" dirty="0" err="1" smtClean="0">
-                <a:solidFill>
-                  <a:schemeClr val="tx1"/>
-                </a:solidFill>
-                <a:effectLst/>
-                <a:latin typeface="+mn-lt"/>
-                <a:ea typeface="+mn-ea"/>
-                <a:cs typeface="+mn-cs"/>
-              </a:rPr>
-              <a:t>Retention</a:t>
-            </a:r>
-            <a:r>
-              <a:rPr lang="pt-BR" sz="1200" b="0" i="0" kern="1200" dirty="0" smtClean="0">
-                <a:solidFill>
-                  <a:schemeClr val="tx1"/>
-                </a:solidFill>
-                <a:effectLst/>
-                <a:latin typeface="+mn-lt"/>
-                <a:ea typeface="+mn-ea"/>
-                <a:cs typeface="+mn-cs"/>
-              </a:rPr>
-              <a:t>(RUNTIME)</a:t>
-            </a:r>
-          </a:p>
-          <a:p>
-            <a:r>
-              <a:rPr lang="pt-BR" sz="1200" b="0" i="0" kern="1200" dirty="0" smtClean="0">
-                <a:solidFill>
-                  <a:schemeClr val="tx1"/>
-                </a:solidFill>
-                <a:effectLst/>
-                <a:latin typeface="+mn-lt"/>
-                <a:ea typeface="+mn-ea"/>
-                <a:cs typeface="+mn-cs"/>
-              </a:rPr>
-              <a:t>@Target({METHOD, FIELD, PARAMETER, TYPE})</a:t>
-            </a:r>
-          </a:p>
-          <a:p>
-            <a:r>
-              <a:rPr lang="pt-BR" sz="1200" b="0" i="0" kern="1200" dirty="0" err="1" smtClean="0">
-                <a:solidFill>
-                  <a:schemeClr val="tx1"/>
-                </a:solidFill>
-                <a:effectLst/>
-                <a:latin typeface="+mn-lt"/>
-                <a:ea typeface="+mn-ea"/>
-                <a:cs typeface="+mn-cs"/>
-              </a:rPr>
-              <a:t>public</a:t>
-            </a:r>
-            <a:r>
-              <a:rPr lang="pt-BR" sz="1200" b="0" i="0" kern="1200" dirty="0" smtClean="0">
-                <a:solidFill>
-                  <a:schemeClr val="tx1"/>
-                </a:solidFill>
-                <a:effectLst/>
-                <a:latin typeface="+mn-lt"/>
-                <a:ea typeface="+mn-ea"/>
-                <a:cs typeface="+mn-cs"/>
-              </a:rPr>
-              <a:t> @interface </a:t>
-            </a:r>
-            <a:r>
-              <a:rPr lang="pt-BR" sz="1200" b="0" i="0" kern="1200" dirty="0" err="1" smtClean="0">
-                <a:solidFill>
-                  <a:schemeClr val="tx1"/>
-                </a:solidFill>
-                <a:effectLst/>
-                <a:latin typeface="+mn-lt"/>
-                <a:ea typeface="+mn-ea"/>
-                <a:cs typeface="+mn-cs"/>
-              </a:rPr>
-              <a:t>QualificadorLoginDb</a:t>
-            </a:r>
-            <a:r>
-              <a:rPr lang="pt-BR" sz="1200" b="0" i="0" kern="1200" dirty="0" smtClean="0">
-                <a:solidFill>
-                  <a:schemeClr val="tx1"/>
-                </a:solidFill>
-                <a:effectLst/>
-                <a:latin typeface="+mn-lt"/>
-                <a:ea typeface="+mn-ea"/>
-                <a:cs typeface="+mn-cs"/>
-              </a:rPr>
-              <a:t> {</a:t>
-            </a:r>
-          </a:p>
-          <a:p>
-            <a:r>
-              <a:rPr lang="pt-BR" sz="1200" b="0" i="0" kern="1200" dirty="0" smtClean="0">
-                <a:solidFill>
-                  <a:schemeClr val="tx1"/>
-                </a:solidFill>
-                <a:effectLst/>
-                <a:latin typeface="+mn-lt"/>
-                <a:ea typeface="+mn-ea"/>
-                <a:cs typeface="+mn-cs"/>
-              </a:rPr>
-              <a:t>}</a:t>
-            </a:r>
-            <a:endParaRPr kumimoji="0" lang="pt-BR" sz="1200" b="0" i="0" u="none" strike="noStrike" kern="0" cap="none" spc="0" normalizeH="0" baseline="0" dirty="0" smtClean="0">
-              <a:ln>
-                <a:noFill/>
-              </a:ln>
-              <a:solidFill>
-                <a:schemeClr val="tx1"/>
-              </a:solidFill>
-              <a:effectLst/>
-              <a:uLnTx/>
-              <a:uFillTx/>
-              <a:latin typeface="+mn-lt"/>
-              <a:ea typeface="+mn-ea"/>
-              <a:cs typeface="+mn-cs"/>
-            </a:endParaRPr>
-          </a:p>
-          <a:p>
-            <a:endParaRPr kumimoji="0" lang="pt-BR" sz="1200" b="0" i="0" u="none" strike="noStrike" kern="0" cap="none" spc="0" normalizeH="0" baseline="0" dirty="0" smtClean="0">
-              <a:ln>
-                <a:noFill/>
-              </a:ln>
-              <a:solidFill>
-                <a:schemeClr val="tx1"/>
-              </a:solidFill>
-              <a:effectLst/>
-              <a:uLnTx/>
-              <a:uFillTx/>
-              <a:latin typeface="+mn-lt"/>
-              <a:ea typeface="+mn-ea"/>
-              <a:cs typeface="+mn-cs"/>
-            </a:endParaRPr>
-          </a:p>
-          <a:p>
-            <a:r>
-              <a:rPr lang="pt-BR" sz="1200" b="1" i="0" kern="1200" dirty="0" smtClean="0">
-                <a:solidFill>
-                  <a:schemeClr val="tx1"/>
-                </a:solidFill>
-                <a:effectLst/>
-                <a:latin typeface="+mn-lt"/>
-                <a:ea typeface="+mn-ea"/>
-                <a:cs typeface="+mn-cs"/>
-              </a:rPr>
-              <a:t>@</a:t>
-            </a:r>
-            <a:r>
-              <a:rPr lang="pt-BR" sz="1200" b="1" i="0" kern="1200" dirty="0" err="1" smtClean="0">
-                <a:solidFill>
-                  <a:schemeClr val="tx1"/>
-                </a:solidFill>
-                <a:effectLst/>
-                <a:latin typeface="+mn-lt"/>
-                <a:ea typeface="+mn-ea"/>
-                <a:cs typeface="+mn-cs"/>
-              </a:rPr>
-              <a:t>Qualifier</a:t>
-            </a:r>
-            <a:r>
-              <a:rPr lang="pt-BR" sz="1200" b="0" i="0" kern="1200" dirty="0" smtClean="0">
-                <a:solidFill>
-                  <a:schemeClr val="tx1"/>
-                </a:solidFill>
-                <a:effectLst/>
-                <a:latin typeface="+mn-lt"/>
-                <a:ea typeface="+mn-ea"/>
-                <a:cs typeface="+mn-cs"/>
-              </a:rPr>
-              <a:t>: quando aplicada, caracteriza a estrutura em questão como um qualificador.</a:t>
-            </a:r>
-          </a:p>
-          <a:p>
-            <a:r>
-              <a:rPr lang="pt-BR" sz="1200" b="1" i="0" kern="1200" dirty="0" smtClean="0">
-                <a:solidFill>
-                  <a:schemeClr val="tx1"/>
-                </a:solidFill>
-                <a:effectLst/>
-                <a:latin typeface="+mn-lt"/>
-                <a:ea typeface="+mn-ea"/>
-                <a:cs typeface="+mn-cs"/>
-              </a:rPr>
-              <a:t>@</a:t>
-            </a:r>
-            <a:r>
-              <a:rPr lang="pt-BR" sz="1200" b="1" i="0" kern="1200" dirty="0" err="1" smtClean="0">
-                <a:solidFill>
-                  <a:schemeClr val="tx1"/>
-                </a:solidFill>
-                <a:effectLst/>
-                <a:latin typeface="+mn-lt"/>
-                <a:ea typeface="+mn-ea"/>
-                <a:cs typeface="+mn-cs"/>
-              </a:rPr>
-              <a:t>Retention</a:t>
-            </a:r>
-            <a:r>
-              <a:rPr lang="pt-BR" sz="1200" b="0" i="0" kern="1200" dirty="0" smtClean="0">
-                <a:solidFill>
-                  <a:schemeClr val="tx1"/>
-                </a:solidFill>
-                <a:effectLst/>
-                <a:latin typeface="+mn-lt"/>
-                <a:ea typeface="+mn-ea"/>
-                <a:cs typeface="+mn-cs"/>
-              </a:rPr>
-              <a:t>: indica em que fases do código a anotação deve ser mantida.</a:t>
-            </a:r>
-          </a:p>
-          <a:p>
-            <a:r>
-              <a:rPr lang="pt-BR" sz="1200" b="1" i="0" kern="1200" dirty="0" smtClean="0">
-                <a:solidFill>
-                  <a:schemeClr val="tx1"/>
-                </a:solidFill>
-                <a:effectLst/>
-                <a:latin typeface="+mn-lt"/>
-                <a:ea typeface="+mn-ea"/>
-                <a:cs typeface="+mn-cs"/>
-              </a:rPr>
-              <a:t>@Target</a:t>
-            </a:r>
-            <a:r>
-              <a:rPr lang="pt-BR" sz="1200" b="0" i="0" kern="1200" dirty="0" smtClean="0">
-                <a:solidFill>
-                  <a:schemeClr val="tx1"/>
-                </a:solidFill>
-                <a:effectLst/>
-                <a:latin typeface="+mn-lt"/>
-                <a:ea typeface="+mn-ea"/>
-                <a:cs typeface="+mn-cs"/>
-              </a:rPr>
-              <a:t>: indica a que tipo de recurso a anotação em questão (neste caso, novamente um qualificador) poderá se associar.</a:t>
-            </a:r>
           </a:p>
         </p:txBody>
       </p:sp>
@@ -4403,7 +5287,7 @@
             <a:fld id="{8F67D422-08A8-451B-9A67-21962FC4B660}" type="datetimeFigureOut">
               <a:rPr kumimoji="0" lang="pt-BR" sz="1100"/>
               <a:pPr algn="r"/>
-              <a:t>15/10/2018</a:t>
+              <a:t>17/10/2018</a:t>
             </a:fld>
             <a:endParaRPr kumimoji="0" lang="pt-BR"/>
           </a:p>
@@ -4625,7 +5509,7 @@
             <a:fld id="{8F67D422-08A8-451B-9A67-21962FC4B660}" type="datetimeFigureOut">
               <a:rPr kumimoji="0" lang="pt-BR" sz="1100"/>
               <a:pPr algn="r"/>
-              <a:t>15/10/2018</a:t>
+              <a:t>17/10/2018</a:t>
             </a:fld>
             <a:endParaRPr kumimoji="0" lang="pt-BR"/>
           </a:p>
@@ -4742,7 +5626,7 @@
             <a:fld id="{8F67D422-08A8-451B-9A67-21962FC4B660}" type="datetimeFigureOut">
               <a:rPr kumimoji="0" lang="pt-BR" sz="1100"/>
               <a:pPr algn="r"/>
-              <a:t>15/10/2018</a:t>
+              <a:t>17/10/2018</a:t>
             </a:fld>
             <a:endParaRPr kumimoji="0" lang="pt-BR"/>
           </a:p>
@@ -4907,7 +5791,7 @@
           <a:p>
             <a:fld id="{1BEBB2CB-903D-46EF-8227-E770ED8FF514}" type="datetimeFigureOut">
               <a:pPr/>
-              <a:t>15/10/2018</a:t>
+              <a:t>17/10/2018</a:t>
             </a:fld>
             <a:endParaRPr kumimoji="0" lang="pt-BR"/>
           </a:p>
@@ -5385,7 +6269,7 @@
           <a:p>
             <a:fld id="{1BEBB2CB-903D-46EF-8227-E770ED8FF514}" type="datetimeFigureOut">
               <a:pPr/>
-              <a:t>15/10/2018</a:t>
+              <a:t>17/10/2018</a:t>
             </a:fld>
             <a:endParaRPr kumimoji="0" lang="pt-BR"/>
           </a:p>
@@ -5993,7 +6877,7 @@
           <a:p>
             <a:fld id="{1BEBB2CB-903D-46EF-8227-E770ED8FF514}" type="datetimeFigureOut">
               <a:pPr/>
-              <a:t>15/10/2018</a:t>
+              <a:t>17/10/2018</a:t>
             </a:fld>
             <a:endParaRPr kumimoji="0" lang="pt-BR"/>
           </a:p>
@@ -6388,7 +7272,7 @@
           <a:p>
             <a:fld id="{1BEBB2CB-903D-46EF-8227-E770ED8FF514}" type="datetimeFigureOut">
               <a:pPr/>
-              <a:t>15/10/2018</a:t>
+              <a:t>17/10/2018</a:t>
             </a:fld>
             <a:endParaRPr kumimoji="0" lang="pt-BR"/>
           </a:p>
@@ -7179,7 +8063,7 @@
           <a:p>
             <a:fld id="{1BEBB2CB-903D-46EF-8227-E770ED8FF514}" type="datetimeFigureOut">
               <a:pPr/>
-              <a:t>15/10/2018</a:t>
+              <a:t>17/10/2018</a:t>
             </a:fld>
             <a:endParaRPr kumimoji="0" lang="pt-BR"/>
           </a:p>
@@ -8273,7 +9157,7 @@
             <a:fld id="{8F67D422-08A8-451B-9A67-21962FC4B660}" type="datetimeFigureOut">
               <a:rPr kumimoji="0" lang="pt-BR" sz="1100"/>
               <a:pPr algn="r"/>
-              <a:t>15/10/2018</a:t>
+              <a:t>17/10/2018</a:t>
             </a:fld>
             <a:endParaRPr kumimoji="0" lang="pt-BR" sz="1050"/>
           </a:p>
@@ -9447,18 +10331,13 @@
           <a:lstStyle/>
           <a:p>
             <a:r>
-              <a:rPr lang="pt-BR" dirty="0" smtClean="0">
+              <a:rPr lang="pt-BR" dirty="0">
                 <a:solidFill>
                   <a:schemeClr val="tx1"/>
                 </a:solidFill>
               </a:rPr>
               <a:t>CDI</a:t>
             </a:r>
-            <a:endParaRPr lang="pt-BR" dirty="0">
-              <a:solidFill>
-                <a:schemeClr val="tx1"/>
-              </a:solidFill>
-            </a:endParaRPr>
           </a:p>
         </p:txBody>
       </p:sp>
@@ -9508,7 +10387,7 @@
           <p:cNvPr id="11" name="Rectangle 8">
             <a:extLst>
               <a:ext uri="{FF2B5EF4-FFF2-40B4-BE49-F238E27FC236}">
-                <a16:creationId xmlns:a16="http://schemas.microsoft.com/office/drawing/2014/main" xmlns="" id="{E1F0AA30-9C1D-4249-8068-4A45331D9230}"/>
+                <a16:creationId xmlns:a16="http://schemas.microsoft.com/office/drawing/2014/main" id="{E1F0AA30-9C1D-4249-8068-4A45331D9230}"/>
               </a:ext>
             </a:extLst>
           </p:cNvPr>
@@ -9726,8 +10605,243 @@
           <a:lstStyle/>
           <a:p>
             <a:r>
-              <a:rPr lang="pt-BR" sz="4200" dirty="0" smtClean="0"/>
-              <a:t>Escopos de CDI</a:t>
+              <a:rPr lang="pt-BR" sz="4200" dirty="0"/>
+              <a:t>Qualificadores (@</a:t>
+            </a:r>
+            <a:r>
+              <a:rPr lang="pt-BR" sz="4200" dirty="0" err="1"/>
+              <a:t>Qualifier</a:t>
+            </a:r>
+            <a:r>
+              <a:rPr lang="pt-BR" sz="4200" dirty="0"/>
+              <a:t>)</a:t>
+            </a:r>
+          </a:p>
+        </p:txBody>
+      </p:sp>
+      <p:sp>
+        <p:nvSpPr>
+          <p:cNvPr id="4" name="Rectangle 25"/>
+          <p:cNvSpPr txBox="1">
+            <a:spLocks/>
+          </p:cNvSpPr>
+          <p:nvPr/>
+        </p:nvSpPr>
+        <p:spPr>
+          <a:xfrm>
+            <a:off x="762000" y="2971800"/>
+            <a:ext cx="7086600" cy="2977480"/>
+          </a:xfrm>
+          <a:prstGeom prst="rect">
+            <a:avLst/>
+          </a:prstGeom>
+        </p:spPr>
+        <p:txBody>
+          <a:bodyPr vert="horz">
+            <a:noAutofit/>
+          </a:bodyPr>
+          <a:lstStyle/>
+          <a:p>
+            <a:pPr marL="342900" lvl="0" indent="-342900">
+              <a:spcBef>
+                <a:spcPct val="20000"/>
+              </a:spcBef>
+              <a:buFont typeface="Arial"/>
+              <a:buChar char="•"/>
+              <a:defRPr lang="pt-BR"/>
+            </a:pPr>
+            <a:r>
+              <a:rPr kumimoji="0" lang="pt-BR" sz="2400" b="0" i="0" u="none" strike="noStrike" kern="0" cap="none" spc="0" normalizeH="0" baseline="0" dirty="0">
+                <a:ln>
+                  <a:noFill/>
+                </a:ln>
+                <a:solidFill>
+                  <a:schemeClr val="tx1"/>
+                </a:solidFill>
+                <a:effectLst/>
+                <a:uLnTx/>
+                <a:uFillTx/>
+              </a:rPr>
+              <a:t>Conceito fundamental de CDI,</a:t>
+            </a:r>
+            <a:r>
+              <a:rPr kumimoji="0" lang="pt-BR" sz="2400" b="0" i="0" u="none" strike="noStrike" kern="0" cap="none" spc="0" normalizeH="0" dirty="0">
+                <a:ln>
+                  <a:noFill/>
+                </a:ln>
+                <a:solidFill>
+                  <a:schemeClr val="tx1"/>
+                </a:solidFill>
+                <a:effectLst/>
+                <a:uLnTx/>
+                <a:uFillTx/>
+              </a:rPr>
+              <a:t> qualificador é uma anotação que podemos aplicar a um tipo de </a:t>
+            </a:r>
+            <a:r>
+              <a:rPr kumimoji="0" lang="pt-BR" sz="2400" b="0" i="0" u="none" strike="noStrike" kern="0" cap="none" spc="0" normalizeH="0" dirty="0" err="1">
+                <a:ln>
+                  <a:noFill/>
+                </a:ln>
+                <a:solidFill>
+                  <a:schemeClr val="tx1"/>
+                </a:solidFill>
+                <a:effectLst/>
+                <a:uLnTx/>
+                <a:uFillTx/>
+              </a:rPr>
+              <a:t>bean</a:t>
+            </a:r>
+            <a:r>
+              <a:rPr kumimoji="0" lang="pt-BR" sz="2400" b="0" i="0" u="none" strike="noStrike" kern="0" cap="none" spc="0" normalizeH="0" dirty="0">
+                <a:ln>
+                  <a:noFill/>
+                </a:ln>
+                <a:solidFill>
+                  <a:schemeClr val="tx1"/>
+                </a:solidFill>
+                <a:effectLst/>
+                <a:uLnTx/>
+                <a:uFillTx/>
+              </a:rPr>
+              <a:t> para associá-lo, assim, a uma regra particular dentro de uma aplicação. Por padrão o qualificador atribuído a todo </a:t>
+            </a:r>
+            <a:r>
+              <a:rPr kumimoji="0" lang="pt-BR" sz="2400" b="0" i="0" u="none" strike="noStrike" kern="0" cap="none" spc="0" normalizeH="0" dirty="0" err="1">
+                <a:ln>
+                  <a:noFill/>
+                </a:ln>
+                <a:solidFill>
+                  <a:schemeClr val="tx1"/>
+                </a:solidFill>
+                <a:effectLst/>
+                <a:uLnTx/>
+                <a:uFillTx/>
+              </a:rPr>
+              <a:t>bean</a:t>
+            </a:r>
+            <a:r>
+              <a:rPr kumimoji="0" lang="pt-BR" sz="2400" b="0" i="0" u="none" strike="noStrike" kern="0" cap="none" spc="0" normalizeH="0" dirty="0">
+                <a:ln>
+                  <a:noFill/>
+                </a:ln>
+                <a:solidFill>
+                  <a:schemeClr val="tx1"/>
+                </a:solidFill>
+                <a:effectLst/>
+                <a:uLnTx/>
+                <a:uFillTx/>
+              </a:rPr>
+              <a:t> será @</a:t>
+            </a:r>
+            <a:r>
+              <a:rPr kumimoji="0" lang="pt-BR" sz="2400" b="0" i="0" u="none" strike="noStrike" kern="0" cap="none" spc="0" normalizeH="0" dirty="0" err="1">
+                <a:ln>
+                  <a:noFill/>
+                </a:ln>
+                <a:solidFill>
+                  <a:schemeClr val="tx1"/>
+                </a:solidFill>
+                <a:effectLst/>
+                <a:uLnTx/>
+                <a:uFillTx/>
+              </a:rPr>
+              <a:t>Defalt</a:t>
+            </a:r>
+            <a:r>
+              <a:rPr kumimoji="0" lang="pt-BR" sz="2400" b="0" i="0" u="none" strike="noStrike" kern="0" cap="none" spc="0" normalizeH="0" dirty="0">
+                <a:ln>
+                  <a:noFill/>
+                </a:ln>
+                <a:solidFill>
+                  <a:schemeClr val="tx1"/>
+                </a:solidFill>
+                <a:effectLst/>
+                <a:uLnTx/>
+                <a:uFillTx/>
+              </a:rPr>
+              <a:t>, podemos também criar qualificadores de acordo com a necessidade da aplicação.</a:t>
+            </a:r>
+            <a:endParaRPr kumimoji="0" lang="pt-BR" sz="2400" b="0" i="0" u="none" strike="noStrike" kern="0" cap="none" spc="0" normalizeH="0" baseline="0" dirty="0">
+              <a:ln>
+                <a:noFill/>
+              </a:ln>
+              <a:solidFill>
+                <a:schemeClr val="tx1"/>
+              </a:solidFill>
+              <a:effectLst/>
+              <a:uLnTx/>
+              <a:uFillTx/>
+            </a:endParaRPr>
+          </a:p>
+        </p:txBody>
+      </p:sp>
+    </p:spTree>
+    <p:extLst>
+      <p:ext uri="{BB962C8B-B14F-4D97-AF65-F5344CB8AC3E}">
+        <p14:creationId xmlns:p14="http://schemas.microsoft.com/office/powerpoint/2010/main" val="3581676278"/>
+      </p:ext>
+    </p:extLst>
+  </p:cSld>
+  <p:clrMapOvr>
+    <a:masterClrMapping/>
+  </p:clrMapOvr>
+  <p:transition>
+    <p:fade/>
+  </p:transition>
+</p:sld>
+</file>
+
+<file path=ppt/slides/slide11.xml><?xml version="1.0" encoding="utf-8"?>
+<p:sld xmlns:a="http://schemas.openxmlformats.org/drawingml/2006/main" xmlns:r="http://schemas.openxmlformats.org/officeDocument/2006/relationships" xmlns:p="http://schemas.openxmlformats.org/presentationml/2006/main">
+  <p:cSld>
+    <p:spTree>
+      <p:nvGrpSpPr>
+        <p:cNvPr id="1" name=""/>
+        <p:cNvGrpSpPr/>
+        <p:nvPr/>
+      </p:nvGrpSpPr>
+      <p:grpSpPr>
+        <a:xfrm>
+          <a:off x="0" y="0"/>
+          <a:ext cx="0" cy="0"/>
+          <a:chOff x="0" y="0"/>
+          <a:chExt cx="0" cy="0"/>
+        </a:xfrm>
+      </p:grpSpPr>
+      <p:sp>
+        <p:nvSpPr>
+          <p:cNvPr id="3" name="Rectangle 8"/>
+          <p:cNvSpPr>
+            <a:spLocks noGrp="1"/>
+          </p:cNvSpPr>
+          <p:nvPr>
+            <p:ph type="title"/>
+          </p:nvPr>
+        </p:nvSpPr>
+        <p:spPr>
+          <a:xfrm>
+            <a:off x="228600" y="1676400"/>
+            <a:ext cx="8375848" cy="1143000"/>
+          </a:xfrm>
+        </p:spPr>
+        <p:txBody>
+          <a:bodyPr>
+            <a:noAutofit/>
+          </a:bodyPr>
+          <a:lstStyle/>
+          <a:p>
+            <a:r>
+              <a:rPr lang="pt-BR" sz="4200" dirty="0" err="1"/>
+              <a:t>Bean</a:t>
+            </a:r>
+            <a:r>
+              <a:rPr lang="pt-BR" sz="4200" dirty="0"/>
+              <a:t> </a:t>
+            </a:r>
+            <a:r>
+              <a:rPr lang="pt-BR" sz="4200" dirty="0" err="1"/>
+              <a:t>Validation</a:t>
             </a:r>
             <a:endParaRPr lang="pt-BR" sz="4200" dirty="0"/>
           </a:p>
@@ -9765,147 +10879,44 @@
               <a:defRPr lang="pt-BR"/>
             </a:pPr>
             <a:r>
-              <a:rPr kumimoji="0" lang="pt-BR" sz="2400" b="0" i="0" u="none" strike="noStrike" kern="0" cap="none" spc="0" normalizeH="0" baseline="0" dirty="0" smtClean="0">
-                <a:ln>
-                  <a:noFill/>
-                </a:ln>
-                <a:solidFill>
-                  <a:schemeClr val="tx1"/>
-                </a:solidFill>
-                <a:effectLst/>
-                <a:uLnTx/>
-                <a:uFillTx/>
-              </a:rPr>
-              <a:t>Todo </a:t>
-            </a:r>
-            <a:r>
-              <a:rPr kumimoji="0" lang="pt-BR" sz="2400" b="0" i="0" u="none" strike="noStrike" kern="0" cap="none" spc="0" normalizeH="0" baseline="0" dirty="0" err="1" smtClean="0">
-                <a:ln>
-                  <a:noFill/>
-                </a:ln>
-                <a:solidFill>
-                  <a:schemeClr val="tx1"/>
-                </a:solidFill>
-                <a:effectLst/>
-                <a:uLnTx/>
-                <a:uFillTx/>
-              </a:rPr>
-              <a:t>bean</a:t>
-            </a:r>
-            <a:r>
-              <a:rPr kumimoji="0" lang="pt-BR" sz="2400" b="0" i="0" u="none" strike="noStrike" kern="0" cap="none" spc="0" normalizeH="0" baseline="0" dirty="0" smtClean="0">
-                <a:ln>
-                  <a:noFill/>
-                </a:ln>
-                <a:solidFill>
-                  <a:schemeClr val="tx1"/>
-                </a:solidFill>
-                <a:effectLst/>
-                <a:uLnTx/>
-                <a:uFillTx/>
-              </a:rPr>
-              <a:t> em CDI existe em um escopo. Podemos</a:t>
-            </a:r>
-            <a:r>
-              <a:rPr kumimoji="0" lang="pt-BR" sz="2400" b="0" i="0" u="none" strike="noStrike" kern="0" cap="none" spc="0" normalizeH="0" dirty="0" smtClean="0">
-                <a:ln>
-                  <a:noFill/>
-                </a:ln>
-                <a:solidFill>
-                  <a:schemeClr val="tx1"/>
-                </a:solidFill>
-                <a:effectLst/>
-                <a:uLnTx/>
-                <a:uFillTx/>
-              </a:rPr>
-              <a:t> perceber que tem o mesmo nome dos escopos do JSF, porém não podemos fazer confusão nem com os nomes e nem com a utilização !</a:t>
-            </a:r>
-          </a:p>
-          <a:p>
-            <a:pPr marL="342900" lvl="0" indent="-342900">
-              <a:spcBef>
-                <a:spcPct val="20000"/>
-              </a:spcBef>
-              <a:buFont typeface="Arial"/>
-              <a:buChar char="•"/>
-              <a:defRPr lang="pt-BR"/>
-            </a:pPr>
-            <a:endParaRPr kumimoji="0" lang="pt-BR" sz="2400" b="0" i="0" u="none" strike="noStrike" kern="0" cap="none" spc="0" normalizeH="0" dirty="0" smtClean="0">
-              <a:ln>
-                <a:noFill/>
-              </a:ln>
-              <a:solidFill>
-                <a:schemeClr val="tx1"/>
-              </a:solidFill>
-              <a:effectLst/>
-              <a:uLnTx/>
-              <a:uFillTx/>
-            </a:endParaRPr>
-          </a:p>
-          <a:p>
-            <a:r>
-              <a:rPr lang="pt-BR" sz="2400" dirty="0"/>
-              <a:t>• @</a:t>
-            </a:r>
-            <a:r>
-              <a:rPr lang="pt-BR" sz="2400" dirty="0" err="1" smtClean="0"/>
-              <a:t>ApplicationScoped</a:t>
-            </a:r>
-            <a:r>
-              <a:rPr lang="pt-BR" sz="2400" dirty="0" smtClean="0"/>
-              <a:t> 	(Aplicação)</a:t>
-            </a:r>
-            <a:endParaRPr lang="pt-BR" sz="2400" dirty="0"/>
-          </a:p>
-          <a:p>
-            <a:r>
-              <a:rPr lang="pt-BR" sz="2400" dirty="0"/>
-              <a:t>• @</a:t>
-            </a:r>
-            <a:r>
-              <a:rPr lang="pt-BR" sz="2400" dirty="0" err="1" smtClean="0"/>
-              <a:t>SessionScoped</a:t>
-            </a:r>
-            <a:r>
-              <a:rPr lang="pt-BR" sz="2400" dirty="0" smtClean="0"/>
-              <a:t> 		(Sessão)</a:t>
-            </a:r>
-            <a:endParaRPr lang="pt-BR" sz="2400" dirty="0"/>
-          </a:p>
-          <a:p>
-            <a:r>
-              <a:rPr lang="pt-BR" sz="2400" dirty="0" smtClean="0"/>
-              <a:t>• </a:t>
-            </a:r>
-            <a:r>
-              <a:rPr lang="pt-BR" sz="2400" dirty="0"/>
-              <a:t>@</a:t>
-            </a:r>
-            <a:r>
-              <a:rPr lang="pt-BR" sz="2400" dirty="0" err="1" smtClean="0"/>
-              <a:t>RequestScoped</a:t>
-            </a:r>
-            <a:r>
-              <a:rPr lang="pt-BR" sz="2400" dirty="0" smtClean="0"/>
-              <a:t>		(Requisição)</a:t>
-            </a:r>
-          </a:p>
-          <a:p>
-            <a:r>
-              <a:rPr lang="pt-BR" sz="2400" dirty="0"/>
-              <a:t>• </a:t>
-            </a:r>
-            <a:r>
-              <a:rPr lang="pt-BR" sz="2400" dirty="0" smtClean="0"/>
-              <a:t>@</a:t>
-            </a:r>
-            <a:r>
-              <a:rPr lang="pt-BR" sz="2400" dirty="0" err="1" smtClean="0"/>
-              <a:t>ViewScoped</a:t>
-            </a:r>
-            <a:r>
-              <a:rPr lang="pt-BR" sz="2400" dirty="0" smtClean="0"/>
-              <a:t>		(Por página)</a:t>
+              <a:rPr lang="pt-BR" sz="2400" kern="0" dirty="0" err="1"/>
+              <a:t>Bean</a:t>
+            </a:r>
+            <a:r>
+              <a:rPr lang="pt-BR" sz="2400" kern="0" dirty="0"/>
+              <a:t> </a:t>
+            </a:r>
+            <a:r>
+              <a:rPr lang="pt-BR" sz="2400" kern="0" dirty="0" err="1"/>
+              <a:t>Validation</a:t>
+            </a:r>
+            <a:r>
+              <a:rPr lang="pt-BR" sz="2400" kern="0" dirty="0"/>
+              <a:t> é uma coleção de anotações para validação em </a:t>
+            </a:r>
+            <a:r>
+              <a:rPr lang="pt-BR" sz="2400" kern="0" dirty="0" err="1"/>
+              <a:t>beans</a:t>
+            </a:r>
+            <a:r>
+              <a:rPr lang="pt-BR" sz="2400" kern="0" dirty="0"/>
+              <a:t>. As anotações fazem parte do pacote </a:t>
+            </a:r>
+            <a:r>
+              <a:rPr lang="pt-BR" sz="2400" kern="0" dirty="0" err="1"/>
+              <a:t>javax.validation.constraints</a:t>
+            </a:r>
+            <a:r>
+              <a:rPr lang="pt-BR" sz="2400" kern="0" dirty="0"/>
+              <a:t> e representam restrições (</a:t>
+            </a:r>
+            <a:r>
+              <a:rPr lang="pt-BR" sz="2400" kern="0" dirty="0" err="1"/>
+              <a:t>constraints</a:t>
+            </a:r>
+            <a:r>
+              <a:rPr lang="pt-BR" sz="2400" kern="0" dirty="0"/>
+              <a:t>) que são aplicadas em classe, atributos, métodos, parâmetros e que provocam exceções se violadas. </a:t>
             </a:r>
             <a:endParaRPr kumimoji="0" lang="pt-BR" sz="2400" b="0" i="0" u="none" strike="noStrike" kern="0" cap="none" spc="0" normalizeH="0" baseline="0" dirty="0">
               <a:ln>
@@ -9924,7 +10935,174 @@
     </p:spTree>
     <p:extLst>
       <p:ext uri="{BB962C8B-B14F-4D97-AF65-F5344CB8AC3E}">
-        <p14:creationId xmlns:p14="http://schemas.microsoft.com/office/powerpoint/2010/main" val="1205031003"/>
+        <p14:creationId xmlns:p14="http://schemas.microsoft.com/office/powerpoint/2010/main" val="294213297"/>
+      </p:ext>
+    </p:extLst>
+  </p:cSld>
+  <p:clrMapOvr>
+    <a:masterClrMapping/>
+  </p:clrMapOvr>
+  <p:transition>
+    <p:fade/>
+  </p:transition>
+</p:sld>
+</file>
+
+<file path=ppt/slides/slide12.xml><?xml version="1.0" encoding="utf-8"?>
+<p:sld xmlns:a="http://schemas.openxmlformats.org/drawingml/2006/main" xmlns:r="http://schemas.openxmlformats.org/officeDocument/2006/relationships" xmlns:p="http://schemas.openxmlformats.org/presentationml/2006/main">
+  <p:cSld>
+    <p:spTree>
+      <p:nvGrpSpPr>
+        <p:cNvPr id="1" name=""/>
+        <p:cNvGrpSpPr/>
+        <p:nvPr/>
+      </p:nvGrpSpPr>
+      <p:grpSpPr>
+        <a:xfrm>
+          <a:off x="0" y="0"/>
+          <a:ext cx="0" cy="0"/>
+          <a:chOff x="0" y="0"/>
+          <a:chExt cx="0" cy="0"/>
+        </a:xfrm>
+      </p:grpSpPr>
+      <p:sp>
+        <p:nvSpPr>
+          <p:cNvPr id="3" name="Rectangle 8"/>
+          <p:cNvSpPr>
+            <a:spLocks noGrp="1"/>
+          </p:cNvSpPr>
+          <p:nvPr>
+            <p:ph type="title"/>
+          </p:nvPr>
+        </p:nvSpPr>
+        <p:spPr>
+          <a:xfrm>
+            <a:off x="0" y="-16718"/>
+            <a:ext cx="8375848" cy="1143000"/>
+          </a:xfrm>
+        </p:spPr>
+        <p:txBody>
+          <a:bodyPr>
+            <a:noAutofit/>
+          </a:bodyPr>
+          <a:lstStyle/>
+          <a:p>
+            <a:r>
+              <a:rPr lang="pt-BR" sz="4200" dirty="0"/>
+              <a:t>Anotações </a:t>
+            </a:r>
+            <a:r>
+              <a:rPr lang="pt-BR" sz="4200" dirty="0" err="1"/>
+              <a:t>Bean</a:t>
+            </a:r>
+            <a:r>
+              <a:rPr lang="pt-BR" sz="4200" dirty="0"/>
+              <a:t> </a:t>
+            </a:r>
+            <a:r>
+              <a:rPr lang="pt-BR" sz="4200" dirty="0" err="1"/>
+              <a:t>Validation</a:t>
+            </a:r>
+            <a:endParaRPr lang="pt-BR" sz="4200" dirty="0"/>
+          </a:p>
+        </p:txBody>
+      </p:sp>
+      <p:pic>
+        <p:nvPicPr>
+          <p:cNvPr id="2" name="Imagem 1">
+            <a:extLst>
+              <a:ext uri="{FF2B5EF4-FFF2-40B4-BE49-F238E27FC236}">
+                <a16:creationId xmlns:a16="http://schemas.microsoft.com/office/drawing/2014/main" id="{35CF5079-605B-432C-A1E3-69A72F7D418C}"/>
+              </a:ext>
+            </a:extLst>
+          </p:cNvPr>
+          <p:cNvPicPr>
+            <a:picLocks noChangeAspect="1"/>
+          </p:cNvPicPr>
+          <p:nvPr/>
+        </p:nvPicPr>
+        <p:blipFill>
+          <a:blip r:embed="rId3"/>
+          <a:stretch>
+            <a:fillRect/>
+          </a:stretch>
+        </p:blipFill>
+        <p:spPr>
+          <a:xfrm>
+            <a:off x="0" y="980729"/>
+            <a:ext cx="9180512" cy="5904656"/>
+          </a:xfrm>
+          <a:prstGeom prst="rect">
+            <a:avLst/>
+          </a:prstGeom>
+        </p:spPr>
+      </p:pic>
+    </p:spTree>
+    <p:extLst>
+      <p:ext uri="{BB962C8B-B14F-4D97-AF65-F5344CB8AC3E}">
+        <p14:creationId xmlns:p14="http://schemas.microsoft.com/office/powerpoint/2010/main" val="22562221"/>
+      </p:ext>
+    </p:extLst>
+  </p:cSld>
+  <p:clrMapOvr>
+    <a:masterClrMapping/>
+  </p:clrMapOvr>
+  <p:transition>
+    <p:fade/>
+  </p:transition>
+</p:sld>
+</file>
+
+<file path=ppt/slides/slide13.xml><?xml version="1.0" encoding="utf-8"?>
+<p:sld xmlns:a="http://schemas.openxmlformats.org/drawingml/2006/main" xmlns:r="http://schemas.openxmlformats.org/officeDocument/2006/relationships" xmlns:p="http://schemas.openxmlformats.org/presentationml/2006/main">
+  <p:cSld>
+    <p:spTree>
+      <p:nvGrpSpPr>
+        <p:cNvPr id="1" name=""/>
+        <p:cNvGrpSpPr/>
+        <p:nvPr/>
+      </p:nvGrpSpPr>
+      <p:grpSpPr>
+        <a:xfrm>
+          <a:off x="0" y="0"/>
+          <a:ext cx="0" cy="0"/>
+          <a:chOff x="0" y="0"/>
+          <a:chExt cx="0" cy="0"/>
+        </a:xfrm>
+      </p:grpSpPr>
+      <p:sp>
+        <p:nvSpPr>
+          <p:cNvPr id="3" name="Rectangle 8"/>
+          <p:cNvSpPr>
+            <a:spLocks noGrp="1"/>
+          </p:cNvSpPr>
+          <p:nvPr>
+            <p:ph type="title"/>
+          </p:nvPr>
+        </p:nvSpPr>
+        <p:spPr>
+          <a:xfrm>
+            <a:off x="228600" y="1676400"/>
+            <a:ext cx="8375848" cy="1143000"/>
+          </a:xfrm>
+        </p:spPr>
+        <p:txBody>
+          <a:bodyPr>
+            <a:noAutofit/>
+          </a:bodyPr>
+          <a:lstStyle/>
+          <a:p>
+            <a:r>
+              <a:rPr lang="pt-BR" sz="4200" dirty="0"/>
+              <a:t>Fim da aula.</a:t>
+            </a:r>
+          </a:p>
+        </p:txBody>
+      </p:sp>
+    </p:spTree>
+    <p:extLst>
+      <p:ext uri="{BB962C8B-B14F-4D97-AF65-F5344CB8AC3E}">
+        <p14:creationId xmlns:p14="http://schemas.microsoft.com/office/powerpoint/2010/main" val="2791084176"/>
       </p:ext>
     </p:extLst>
   </p:cSld>
@@ -10025,7 +11203,7 @@
         </p:spPr>
         <p:txBody>
           <a:bodyPr>
-            <a:normAutofit fontScale="92500" lnSpcReduction="10000"/>
+            <a:normAutofit lnSpcReduction="10000"/>
           </a:bodyPr>
           <a:lstStyle/>
           <a:p>
@@ -10043,32 +11221,19 @@
           <a:p>
             <a:r>
               <a:rPr lang="pt-BR" sz="2400" dirty="0"/>
-              <a:t>O que é </a:t>
-            </a:r>
-            <a:r>
-              <a:rPr lang="pt-BR" sz="2400" dirty="0" smtClean="0"/>
-              <a:t>?</a:t>
-            </a:r>
-            <a:endParaRPr lang="pt-BR" sz="2400" dirty="0"/>
+              <a:t>O que é ?</a:t>
+            </a:r>
           </a:p>
           <a:p>
             <a:r>
               <a:rPr lang="pt-BR" sz="2400" dirty="0"/>
-              <a:t>Características do </a:t>
-            </a:r>
-            <a:r>
-              <a:rPr lang="pt-BR" sz="2400" dirty="0" smtClean="0"/>
-              <a:t>CDI</a:t>
+              <a:t>Características do CDI</a:t>
             </a:r>
           </a:p>
           <a:p>
             <a:r>
               <a:rPr lang="pt-BR" sz="2400" dirty="0"/>
-              <a:t>Design para injeção de </a:t>
-            </a:r>
-            <a:r>
-              <a:rPr lang="pt-BR" sz="2400" dirty="0" smtClean="0"/>
-              <a:t>dependências</a:t>
+              <a:t>Design para injeção de dependências</a:t>
             </a:r>
           </a:p>
           <a:p>
@@ -10076,91 +11241,45 @@
               <a:rPr lang="pt-BR" sz="2400" dirty="0"/>
               <a:t>Injeção de dependências com CDI</a:t>
             </a:r>
-            <a:endParaRPr lang="pt-BR" sz="2400" dirty="0"/>
           </a:p>
           <a:p>
             <a:r>
               <a:rPr lang="pt-BR" sz="2400" dirty="0"/>
-              <a:t>Como usar </a:t>
-            </a:r>
-            <a:r>
-              <a:rPr lang="pt-BR" sz="2400" dirty="0" smtClean="0"/>
-              <a:t>CDI</a:t>
+              <a:t>Como usar CDI</a:t>
+            </a:r>
+          </a:p>
+          <a:p>
+            <a:r>
+              <a:rPr lang="pt-BR" sz="2400" dirty="0"/>
+              <a:t>Escopos do CDI</a:t>
+            </a:r>
+          </a:p>
+          <a:p>
+            <a:r>
+              <a:rPr lang="pt-BR" sz="2400" dirty="0"/>
+              <a:t>Qualificadores</a:t>
+            </a:r>
+          </a:p>
+          <a:p>
+            <a:r>
+              <a:rPr lang="pt-BR" sz="2400" dirty="0"/>
+              <a:t>Métodos Produtores</a:t>
             </a:r>
           </a:p>
           <a:p>
             <a:r>
               <a:rPr lang="pt-BR" sz="2400" dirty="0" err="1"/>
-              <a:t>JavaBeans</a:t>
-            </a:r>
-            <a:r>
-              <a:rPr lang="pt-BR" sz="2400" dirty="0"/>
-              <a:t>, Enterprise </a:t>
-            </a:r>
-            <a:r>
-              <a:rPr lang="pt-BR" sz="2400" dirty="0" err="1"/>
-              <a:t>JavaBeans</a:t>
-            </a:r>
-            <a:r>
-              <a:rPr lang="pt-BR" sz="2400" dirty="0"/>
-              <a:t> e </a:t>
-            </a:r>
-            <a:r>
-              <a:rPr lang="pt-BR" sz="2400" dirty="0" err="1"/>
-              <a:t>Managed</a:t>
+              <a:t>Beans</a:t>
             </a:r>
             <a:r>
               <a:rPr lang="pt-BR" sz="2400" dirty="0"/>
               <a:t> </a:t>
             </a:r>
             <a:r>
-              <a:rPr lang="pt-BR" sz="2400" dirty="0" err="1" smtClean="0"/>
-              <a:t>Beans</a:t>
-            </a:r>
-            <a:endParaRPr lang="pt-BR" sz="2400" dirty="0" smtClean="0"/>
-          </a:p>
-          <a:p>
-            <a:r>
-              <a:rPr lang="pt-BR" sz="2400" dirty="0"/>
-              <a:t>Escopos do </a:t>
-            </a:r>
-            <a:r>
-              <a:rPr lang="pt-BR" sz="2400" dirty="0" smtClean="0"/>
-              <a:t>CDI</a:t>
-            </a:r>
-          </a:p>
-          <a:p>
-            <a:r>
-              <a:rPr lang="pt-BR" sz="2400" dirty="0" smtClean="0"/>
-              <a:t>Qualificadores</a:t>
-            </a:r>
-          </a:p>
-          <a:p>
-            <a:r>
-              <a:rPr lang="pt-BR" sz="2400" dirty="0" smtClean="0"/>
-              <a:t>Métodos Produtores</a:t>
-            </a:r>
-          </a:p>
-          <a:p>
-            <a:r>
-              <a:rPr lang="pt-BR" sz="2400" dirty="0" smtClean="0"/>
-              <a:t>Interceptadores</a:t>
-            </a:r>
-          </a:p>
-          <a:p>
-            <a:r>
-              <a:rPr lang="pt-BR" sz="2400" dirty="0" err="1" smtClean="0"/>
-              <a:t>Beans</a:t>
-            </a:r>
-            <a:r>
-              <a:rPr lang="pt-BR" sz="2400" dirty="0" smtClean="0"/>
-              <a:t> </a:t>
-            </a:r>
-            <a:r>
-              <a:rPr lang="pt-BR" sz="2400" dirty="0" err="1" smtClean="0"/>
+              <a:rPr lang="pt-BR" sz="2400" dirty="0" err="1"/>
               <a:t>validation</a:t>
             </a:r>
-            <a:endParaRPr lang="pt-BR" dirty="0" smtClean="0"/>
+            <a:endParaRPr lang="pt-BR" dirty="0"/>
           </a:p>
           <a:p>
             <a:endParaRPr lang="pt-BR" dirty="0"/>
@@ -10297,13 +11416,8 @@
             </a:pPr>
             <a:r>
               <a:rPr lang="pt-BR" sz="2400" kern="0" dirty="0"/>
-              <a:t>Entender os conceitos </a:t>
-            </a:r>
-            <a:r>
-              <a:rPr lang="pt-BR" sz="2400" kern="0" dirty="0" smtClean="0"/>
-              <a:t>Injeção de dependência</a:t>
-            </a:r>
-            <a:endParaRPr lang="pt-BR" sz="2400" kern="0" dirty="0"/>
+              <a:t>Entender os conceitos Injeção de dependência</a:t>
+            </a:r>
           </a:p>
           <a:p>
             <a:pPr marL="342900" lvl="0" indent="-342900">
@@ -10315,7 +11429,7 @@
               <a:defRPr lang="pt-BR"/>
             </a:pPr>
             <a:r>
-              <a:rPr lang="pt-BR" sz="2400" kern="0" dirty="0" smtClean="0"/>
+              <a:rPr lang="pt-BR" sz="2400" kern="0" dirty="0"/>
               <a:t>Ativar CDI em um projeto</a:t>
             </a:r>
           </a:p>
@@ -10329,10 +11443,9 @@
               <a:defRPr lang="pt-BR"/>
             </a:pPr>
             <a:r>
-              <a:rPr lang="pt-BR" sz="2400" kern="0" dirty="0" smtClean="0"/>
+              <a:rPr lang="pt-BR" sz="2400" kern="0" dirty="0"/>
               <a:t>Entender os escopos de CDI</a:t>
             </a:r>
-            <a:endParaRPr lang="pt-BR" sz="2400" kern="0" dirty="0"/>
           </a:p>
           <a:p>
             <a:pPr marL="342900" lvl="0" indent="-342900">
@@ -10383,18 +11496,17 @@
               <a:defRPr lang="pt-BR"/>
             </a:pPr>
             <a:r>
-              <a:rPr lang="pt-BR" sz="2400" kern="0" dirty="0" smtClean="0"/>
+              <a:rPr lang="pt-BR" sz="2400" kern="0" dirty="0"/>
               <a:t>Conclusão: Entender a real necessidade de usar </a:t>
             </a:r>
             <a:r>
-              <a:rPr lang="pt-BR" sz="2400" kern="0" dirty="0" err="1" smtClean="0"/>
+              <a:rPr lang="pt-BR" sz="2400" kern="0" dirty="0" err="1"/>
               <a:t>cdi</a:t>
             </a:r>
             <a:r>
-              <a:rPr lang="pt-BR" sz="2400" kern="0" dirty="0" smtClean="0"/>
+              <a:rPr lang="pt-BR" sz="2400" kern="0" dirty="0"/>
               <a:t> e onde se encaixa dentro do nosso “ecossistema”.</a:t>
             </a:r>
-            <a:endParaRPr lang="pt-BR" sz="2400" kern="0" dirty="0"/>
           </a:p>
           <a:p>
             <a:pPr marL="342900" lvl="0" indent="-342900">
@@ -10471,38 +11583,37 @@
           <a:lstStyle/>
           <a:p>
             <a:r>
-              <a:rPr lang="pt-BR" sz="4000" dirty="0" smtClean="0"/>
+              <a:rPr lang="pt-BR" sz="4000" dirty="0"/>
               <a:t>CDI </a:t>
             </a:r>
             <a:r>
-              <a:rPr lang="pt-BR" sz="3600" dirty="0" smtClean="0"/>
+              <a:rPr lang="pt-BR" sz="3600" dirty="0"/>
               <a:t>(</a:t>
             </a:r>
             <a:r>
-              <a:rPr lang="pt-BR" sz="3600" dirty="0" err="1" smtClean="0"/>
+              <a:rPr lang="pt-BR" sz="3600" dirty="0" err="1"/>
               <a:t>Context</a:t>
             </a:r>
             <a:r>
-              <a:rPr lang="pt-BR" sz="3600" dirty="0" smtClean="0"/>
+              <a:rPr lang="pt-BR" sz="3600" dirty="0"/>
               <a:t> </a:t>
             </a:r>
             <a:r>
-              <a:rPr lang="pt-BR" sz="3600" dirty="0" err="1" smtClean="0"/>
+              <a:rPr lang="pt-BR" sz="3600" dirty="0" err="1"/>
               <a:t>dependency</a:t>
             </a:r>
             <a:r>
-              <a:rPr lang="pt-BR" sz="3600" dirty="0" smtClean="0"/>
+              <a:rPr lang="pt-BR" sz="3600" dirty="0"/>
               <a:t> </a:t>
             </a:r>
             <a:r>
-              <a:rPr lang="pt-BR" sz="3600" dirty="0" err="1" smtClean="0"/>
+              <a:rPr lang="pt-BR" sz="3600" dirty="0" err="1"/>
               <a:t>injection</a:t>
             </a:r>
             <a:r>
-              <a:rPr lang="pt-BR" sz="3600" dirty="0" smtClean="0"/>
+              <a:rPr lang="pt-BR" sz="3600" dirty="0"/>
               <a:t>)</a:t>
             </a:r>
-            <a:endParaRPr lang="pt-BR" sz="3600" dirty="0"/>
           </a:p>
         </p:txBody>
       </p:sp>
@@ -10536,26 +11647,25 @@
               <a:defRPr lang="pt-BR"/>
             </a:pPr>
             <a:r>
-              <a:rPr lang="pt-BR" sz="2400" kern="0" dirty="0" smtClean="0"/>
+              <a:rPr lang="pt-BR" sz="2400" kern="0" dirty="0"/>
               <a:t>É uma </a:t>
             </a:r>
             <a:r>
-              <a:rPr lang="pt-BR" sz="2400" kern="0" dirty="0" err="1" smtClean="0"/>
+              <a:rPr lang="pt-BR" sz="2400" kern="0" dirty="0" err="1"/>
               <a:t>api</a:t>
             </a:r>
             <a:r>
-              <a:rPr lang="pt-BR" sz="2400" kern="0" dirty="0" smtClean="0"/>
+              <a:rPr lang="pt-BR" sz="2400" kern="0" dirty="0"/>
               <a:t> nativa do Java EE que cuida da parte de injeção de </a:t>
             </a:r>
             <a:r>
-              <a:rPr lang="pt-BR" sz="2400" kern="0" dirty="0" err="1" smtClean="0"/>
+              <a:rPr lang="pt-BR" sz="2400" kern="0" dirty="0" err="1"/>
               <a:t>depenência</a:t>
             </a:r>
             <a:r>
-              <a:rPr lang="pt-BR" sz="2400" kern="0" dirty="0" smtClean="0"/>
+              <a:rPr lang="pt-BR" sz="2400" kern="0" dirty="0"/>
               <a:t>, ela está incluída em todos servidores de aplicação. Com CDI é possível injetar recursos diminuindo o acoplamento do seu código.</a:t>
             </a:r>
-            <a:endParaRPr lang="pt-BR" sz="2400" kern="0" dirty="0"/>
           </a:p>
         </p:txBody>
       </p:sp>
@@ -10615,10 +11725,9 @@
           <a:lstStyle/>
           <a:p>
             <a:r>
-              <a:rPr lang="pt-BR" sz="4200" dirty="0" smtClean="0"/>
+              <a:rPr lang="pt-BR" sz="4200" dirty="0"/>
               <a:t>Injeção de dependência (DI)</a:t>
             </a:r>
-            <a:endParaRPr lang="pt-BR" sz="4200" dirty="0"/>
           </a:p>
         </p:txBody>
       </p:sp>
@@ -10653,53 +11762,8 @@
             </a:pPr>
             <a:r>
               <a:rPr lang="pt-BR" sz="2400" kern="0" dirty="0"/>
-              <a:t>Injeção de Dependências (DI) é um padrão </a:t>
-            </a:r>
-            <a:r>
-              <a:rPr lang="pt-BR" sz="2400" kern="0" dirty="0" smtClean="0"/>
-              <a:t>de desenvolvimento de </a:t>
-            </a:r>
-            <a:r>
-              <a:rPr lang="pt-BR" sz="2400" kern="0" dirty="0"/>
-              <a:t>aplicações orientadas a objeto </a:t>
-            </a:r>
-            <a:r>
-              <a:rPr lang="pt-BR" sz="2400" kern="0" dirty="0" smtClean="0"/>
-              <a:t>que consiste </a:t>
-            </a:r>
-            <a:r>
-              <a:rPr lang="pt-BR" sz="2400" kern="0" dirty="0"/>
-              <a:t>em inverter o controle usual que é do próprio objeto localizar ou construir </a:t>
-            </a:r>
-            <a:r>
-              <a:rPr lang="pt-BR" sz="2400" kern="0" dirty="0" smtClean="0"/>
-              <a:t>suas dependências </a:t>
-            </a:r>
-            <a:r>
-              <a:rPr lang="pt-BR" sz="2400" kern="0" dirty="0"/>
-              <a:t>para tê-las inseridas no contexto por um agente externo. DI remove </a:t>
-            </a:r>
-            <a:r>
-              <a:rPr lang="pt-BR" sz="2400" kern="0" dirty="0" smtClean="0"/>
-              <a:t>do componente </a:t>
-            </a:r>
-            <a:r>
-              <a:rPr lang="pt-BR" sz="2400" kern="0" dirty="0"/>
-              <a:t>a responsabilidade de localizar e configurar suas </a:t>
-            </a:r>
-            <a:r>
-              <a:rPr lang="pt-BR" sz="2400" kern="0" dirty="0" smtClean="0"/>
-              <a:t>dependências</a:t>
-            </a:r>
-            <a:r>
-              <a:rPr lang="pt-BR" sz="2400" kern="0" dirty="0"/>
-              <a:t> </a:t>
-            </a:r>
-            <a:r>
-              <a:rPr lang="pt-BR" sz="2400" kern="0" dirty="0" smtClean="0"/>
-              <a:t>trazendo assim um baixo acoplamento da aplicação.</a:t>
-            </a:r>
-            <a:endParaRPr lang="pt-BR" sz="2400" kern="0" dirty="0"/>
+              <a:t>Injeção de Dependências (DI) é um padrão de desenvolvimento de aplicações orientadas a objeto que consiste em inverter o controle usual que é do próprio objeto localizar ou construir suas dependências para tê-las inseridas no contexto por um agente externo. DI remove do componente a responsabilidade de localizar e configurar suas dependências trazendo assim um baixo acoplamento da aplicação.</a:t>
+            </a:r>
           </a:p>
           <a:p>
             <a:pPr marL="342900" lvl="0" indent="-342900">
@@ -10803,37 +11867,37 @@
               <a:buChar char="•"/>
             </a:pPr>
             <a:r>
-              <a:rPr lang="pt-BR" sz="2300" dirty="0" smtClean="0"/>
+              <a:rPr lang="pt-BR" sz="2300" dirty="0"/>
               <a:t>DI é um padrão de design que contribui para diminuir o acoplamento, transferindo a responsabilidade.</a:t>
             </a:r>
           </a:p>
           <a:p>
             <a:r>
-              <a:rPr lang="pt-BR" sz="2300" kern="0" dirty="0" smtClean="0"/>
+              <a:rPr lang="pt-BR" sz="2300" kern="0" dirty="0"/>
               <a:t>Ex.: Para persistência, em JPA é necessário instanciar uma </a:t>
             </a:r>
             <a:r>
-              <a:rPr lang="pt-BR" sz="2300" kern="0" dirty="0" err="1" smtClean="0"/>
+              <a:rPr lang="pt-BR" sz="2300" kern="0" dirty="0" err="1"/>
               <a:t>EntityManagerFactory</a:t>
             </a:r>
             <a:r>
-              <a:rPr lang="pt-BR" sz="2300" kern="0" dirty="0" smtClean="0"/>
+              <a:rPr lang="pt-BR" sz="2300" kern="0" dirty="0"/>
               <a:t> ao menos 1 vez, pois o contexto é por aplicação, e depois instanciar o </a:t>
             </a:r>
             <a:r>
-              <a:rPr lang="pt-BR" sz="2300" kern="0" dirty="0" err="1" smtClean="0"/>
+              <a:rPr lang="pt-BR" sz="2300" kern="0" dirty="0" err="1"/>
               <a:t>EntityManager</a:t>
             </a:r>
             <a:r>
-              <a:rPr lang="pt-BR" sz="2300" kern="0" dirty="0" smtClean="0"/>
+              <a:rPr lang="pt-BR" sz="2300" kern="0" dirty="0"/>
               <a:t> que seria 1 por transação, após o uso teria que fechar a conexão, isso é conhecido como acoplamento. Utilizando CDI o desenvolvedor delega essa responsabilidade para a </a:t>
             </a:r>
             <a:r>
-              <a:rPr lang="pt-BR" sz="2300" kern="0" dirty="0" err="1" smtClean="0"/>
+              <a:rPr lang="pt-BR" sz="2300" kern="0" dirty="0" err="1"/>
               <a:t>api</a:t>
             </a:r>
             <a:r>
-              <a:rPr lang="pt-BR" sz="2300" kern="0" dirty="0" smtClean="0"/>
+              <a:rPr lang="pt-BR" sz="2300" kern="0" dirty="0"/>
               <a:t>, diminuindo o acoplamento.</a:t>
             </a:r>
           </a:p>
@@ -10895,7 +11959,7 @@
           <a:lstStyle/>
           <a:p>
             <a:r>
-              <a:rPr lang="pt-BR" sz="3600" b="0" dirty="0" smtClean="0"/>
+              <a:rPr lang="pt-BR" sz="3600" b="0" dirty="0"/>
               <a:t>Como usar CDI</a:t>
             </a:r>
             <a:endParaRPr lang="pt-BR" sz="3600" dirty="0"/>
@@ -10928,36 +11992,36 @@
               <a:buChar char="•"/>
             </a:pPr>
             <a:r>
-              <a:rPr lang="pt-BR" sz="2300" kern="0" dirty="0" smtClean="0"/>
+              <a:rPr lang="pt-BR" sz="2300" kern="0" dirty="0"/>
               <a:t>CDI é nativo em qualquer servidor de aplicação a partir de Java EE 7, caso seja utilizado de forma </a:t>
             </a:r>
             <a:r>
-              <a:rPr lang="pt-BR" sz="2300" kern="0" dirty="0" err="1" smtClean="0"/>
+              <a:rPr lang="pt-BR" sz="2300" kern="0" dirty="0" err="1"/>
               <a:t>standalone</a:t>
             </a:r>
             <a:r>
-              <a:rPr lang="pt-BR" sz="2300" kern="0" dirty="0" smtClean="0"/>
+              <a:rPr lang="pt-BR" sz="2300" kern="0" dirty="0"/>
               <a:t>, fora de um servidor, é necessário utilizar uma implementação, geralmente o </a:t>
             </a:r>
             <a:r>
-              <a:rPr lang="pt-BR" sz="2300" kern="0" dirty="0" err="1" smtClean="0"/>
+              <a:rPr lang="pt-BR" sz="2300" kern="0" dirty="0" err="1"/>
               <a:t>jboss</a:t>
             </a:r>
             <a:r>
-              <a:rPr lang="pt-BR" sz="2300" kern="0" dirty="0" smtClean="0"/>
+              <a:rPr lang="pt-BR" sz="2300" kern="0" dirty="0"/>
               <a:t> </a:t>
             </a:r>
             <a:r>
-              <a:rPr lang="pt-BR" sz="2300" kern="0" dirty="0" err="1" smtClean="0"/>
+              <a:rPr lang="pt-BR" sz="2300" kern="0" dirty="0" err="1"/>
               <a:t>weld</a:t>
             </a:r>
             <a:r>
-              <a:rPr lang="pt-BR" sz="2300" kern="0" dirty="0" smtClean="0"/>
+              <a:rPr lang="pt-BR" sz="2300" kern="0" dirty="0"/>
               <a:t>.</a:t>
             </a:r>
           </a:p>
           <a:p>
-            <a:endParaRPr lang="pt-BR" sz="2300" kern="0" dirty="0" smtClean="0"/>
+            <a:endParaRPr lang="pt-BR" sz="2300" kern="0" dirty="0"/>
           </a:p>
         </p:txBody>
       </p:sp>
@@ -11017,10 +12081,9 @@
           <a:lstStyle/>
           <a:p>
             <a:r>
-              <a:rPr lang="pt-BR" sz="4200" dirty="0" smtClean="0"/>
+              <a:rPr lang="pt-BR" sz="4200" dirty="0"/>
               <a:t>Vamos ao código !</a:t>
             </a:r>
-            <a:endParaRPr lang="pt-BR" sz="4200" dirty="0"/>
           </a:p>
         </p:txBody>
       </p:sp>
@@ -11052,7 +12115,7 @@
               <a:defRPr lang="pt-BR"/>
             </a:pPr>
             <a:r>
-              <a:rPr lang="pt-BR" sz="2400" kern="0" dirty="0" smtClean="0"/>
+              <a:rPr lang="pt-BR" sz="2400" kern="0" dirty="0"/>
               <a:t>Iremos utilizar:</a:t>
             </a:r>
           </a:p>
@@ -11066,11 +12129,11 @@
               <a:defRPr lang="pt-BR"/>
             </a:pPr>
             <a:r>
-              <a:rPr lang="pt-BR" sz="2400" kern="0" dirty="0" smtClean="0"/>
+              <a:rPr lang="pt-BR" sz="2400" kern="0" dirty="0"/>
               <a:t>IDE </a:t>
             </a:r>
             <a:r>
-              <a:rPr lang="pt-BR" sz="2400" kern="0" dirty="0" smtClean="0">
+              <a:rPr lang="pt-BR" sz="2400" kern="0" dirty="0">
                 <a:sym typeface="Wingdings" panose="05000000000000000000" pitchFamily="2" charset="2"/>
               </a:rPr>
               <a:t> ECLIPSE</a:t>
@@ -11085,13 +12148,9 @@
             </a:r>
             <a:r>
               <a:rPr lang="pt-BR" sz="2400" dirty="0"/>
-              <a:t> </a:t>
-            </a:r>
-            <a:r>
-              <a:rPr lang="pt-BR" sz="2400" dirty="0" smtClean="0"/>
-              <a:t>2018‑09</a:t>
-            </a:r>
-            <a:endParaRPr lang="pt-BR" sz="2400" kern="0" dirty="0" smtClean="0">
+              <a:t> 2018‑09</a:t>
+            </a:r>
+            <a:endParaRPr lang="pt-BR" sz="2400" kern="0" dirty="0">
               <a:sym typeface="Wingdings" panose="05000000000000000000" pitchFamily="2" charset="2"/>
             </a:endParaRPr>
           </a:p>
@@ -11105,19 +12164,19 @@
               <a:defRPr lang="pt-BR"/>
             </a:pPr>
             <a:r>
-              <a:rPr lang="pt-BR" sz="2400" kern="0" dirty="0" smtClean="0">
+              <a:rPr lang="pt-BR" sz="2400" kern="0" dirty="0">
                 <a:sym typeface="Wingdings" panose="05000000000000000000" pitchFamily="2" charset="2"/>
               </a:rPr>
               <a:t>Servidor de aplicação  </a:t>
             </a:r>
             <a:r>
-              <a:rPr lang="pt-BR" sz="2400" kern="0" dirty="0" err="1" smtClean="0">
+              <a:rPr lang="pt-BR" sz="2400" kern="0" dirty="0" err="1">
                 <a:sym typeface="Wingdings" panose="05000000000000000000" pitchFamily="2" charset="2"/>
               </a:rPr>
               <a:t>Wildfly</a:t>
             </a:r>
             <a:r>
-              <a:rPr lang="pt-BR" sz="2400" kern="0" dirty="0" smtClean="0">
+              <a:rPr lang="pt-BR" sz="2400" kern="0" dirty="0">
                 <a:sym typeface="Wingdings" panose="05000000000000000000" pitchFamily="2" charset="2"/>
               </a:rPr>
               <a:t> 12</a:t>
@@ -11133,7 +12192,7 @@
               <a:defRPr lang="pt-BR"/>
             </a:pPr>
             <a:r>
-              <a:rPr lang="pt-BR" sz="2400" kern="0" dirty="0" smtClean="0"/>
+              <a:rPr lang="pt-BR" sz="2400" kern="0" dirty="0"/>
               <a:t>Java 1.8</a:t>
             </a:r>
           </a:p>
@@ -11144,7 +12203,7 @@
               </a:spcBef>
               <a:defRPr lang="pt-BR"/>
             </a:pPr>
-            <a:endParaRPr lang="pt-BR" sz="2400" kern="0" dirty="0" smtClean="0"/>
+            <a:endParaRPr lang="pt-BR" sz="2400" kern="0" dirty="0"/>
           </a:p>
           <a:p>
             <a:pPr marL="457200" lvl="0" indent="-457200">
@@ -11156,7 +12215,7 @@
               <a:defRPr lang="pt-BR"/>
             </a:pPr>
             <a:r>
-              <a:rPr lang="pt-BR" sz="2400" kern="0" dirty="0" smtClean="0"/>
+              <a:rPr lang="pt-BR" sz="2400" kern="0" dirty="0"/>
               <a:t>Ativar CDI.</a:t>
             </a:r>
           </a:p>
@@ -11170,14 +12229,14 @@
               <a:defRPr lang="pt-BR"/>
             </a:pPr>
             <a:r>
-              <a:rPr lang="pt-BR" sz="2400" kern="0" dirty="0" smtClean="0"/>
+              <a:rPr lang="pt-BR" sz="2400" kern="0" dirty="0"/>
               <a:t>Usar anotação @</a:t>
             </a:r>
             <a:r>
-              <a:rPr lang="pt-BR" sz="2400" kern="0" dirty="0" err="1" smtClean="0"/>
+              <a:rPr lang="pt-BR" sz="2400" kern="0" dirty="0" err="1"/>
               <a:t>Inject</a:t>
             </a:r>
-            <a:endParaRPr lang="pt-BR" sz="2400" kern="0" dirty="0" smtClean="0"/>
+            <a:endParaRPr lang="pt-BR" sz="2400" kern="0" dirty="0"/>
           </a:p>
           <a:p>
             <a:pPr marL="457200" lvl="0" indent="-457200">
@@ -11189,18 +12248,14 @@
               <a:defRPr lang="pt-BR"/>
             </a:pPr>
             <a:r>
-              <a:rPr lang="pt-BR" sz="2400" kern="0" dirty="0" smtClean="0"/>
-              <a:t>Entender a injeção </a:t>
-            </a:r>
-            <a:r>
               <a:rPr lang="pt-BR" sz="2400" kern="0" dirty="0"/>
-              <a:t>do </a:t>
-            </a:r>
-            <a:r>
-              <a:rPr lang="pt-BR" sz="2400" kern="0" dirty="0" err="1" smtClean="0"/>
+              <a:t>Entender a injeção do </a:t>
+            </a:r>
+            <a:r>
+              <a:rPr lang="pt-BR" sz="2400" kern="0" dirty="0" err="1"/>
               <a:t>EntityManager</a:t>
             </a:r>
-            <a:endParaRPr lang="pt-BR" sz="2400" kern="0" dirty="0" smtClean="0"/>
+            <a:endParaRPr lang="pt-BR" sz="2400" kern="0" dirty="0"/>
           </a:p>
           <a:p>
             <a:pPr marL="457200" lvl="0" indent="-457200">
@@ -11212,14 +12267,14 @@
               <a:defRPr lang="pt-BR"/>
             </a:pPr>
             <a:r>
-              <a:rPr lang="pt-BR" sz="2400" kern="0" dirty="0" smtClean="0"/>
+              <a:rPr lang="pt-BR" sz="2400" kern="0" dirty="0"/>
               <a:t>Criar um @</a:t>
             </a:r>
             <a:r>
-              <a:rPr lang="pt-BR" sz="2400" kern="0" dirty="0" err="1" smtClean="0"/>
+              <a:rPr lang="pt-BR" sz="2400" kern="0" dirty="0" err="1"/>
               <a:t>Qualifier</a:t>
             </a:r>
-            <a:endParaRPr lang="pt-BR" sz="2400" kern="0" dirty="0" smtClean="0"/>
+            <a:endParaRPr lang="pt-BR" sz="2400" kern="0" dirty="0"/>
           </a:p>
           <a:p>
             <a:pPr marL="457200" lvl="0" indent="-457200">
@@ -11230,7 +12285,7 @@
               <a:buAutoNum type="arabicPeriod"/>
               <a:defRPr lang="pt-BR"/>
             </a:pPr>
-            <a:endParaRPr lang="pt-BR" sz="2400" kern="0" dirty="0" smtClean="0"/>
+            <a:endParaRPr lang="pt-BR" sz="2400" kern="0" dirty="0"/>
           </a:p>
           <a:p>
             <a:pPr marL="342900" lvl="0" indent="-342900">
@@ -11302,17 +12357,8 @@
           <a:p>
             <a:r>
               <a:rPr lang="pt-BR" sz="4200" dirty="0"/>
-              <a:t>Qualificadores (@</a:t>
-            </a:r>
-            <a:r>
-              <a:rPr lang="pt-BR" sz="4200" dirty="0" err="1"/>
-              <a:t>Qualifier</a:t>
-            </a:r>
-            <a:r>
-              <a:rPr lang="pt-BR" sz="4200" dirty="0"/>
-              <a:t>)</a:t>
-            </a:r>
-            <a:endParaRPr lang="pt-BR" sz="4200" dirty="0"/>
+              <a:t>Escopos de CDI</a:t>
+            </a:r>
           </a:p>
         </p:txBody>
       </p:sp>
@@ -11326,8 +12372,8 @@
         </p:nvSpPr>
         <p:spPr>
           <a:xfrm>
-            <a:off x="762000" y="2971800"/>
-            <a:ext cx="7086600" cy="2977480"/>
+            <a:off x="467544" y="2971800"/>
+            <a:ext cx="7776864" cy="3886200"/>
           </a:xfrm>
           <a:prstGeom prst="rect">
             <a:avLst/>
@@ -11348,7 +12394,7 @@
               <a:defRPr lang="pt-BR"/>
             </a:pPr>
             <a:r>
-              <a:rPr kumimoji="0" lang="pt-BR" sz="2400" b="0" i="0" u="none" strike="noStrike" kern="0" cap="none" spc="0" normalizeH="0" baseline="0" dirty="0" smtClean="0">
+              <a:rPr kumimoji="0" lang="pt-BR" sz="2400" b="0" i="0" u="none" strike="noStrike" kern="0" cap="none" spc="0" normalizeH="0" baseline="0" dirty="0">
                 <a:ln>
                   <a:noFill/>
                 </a:ln>
@@ -11359,10 +12405,10 @@
                 <a:uLnTx/>
                 <a:uFillTx/>
               </a:rPr>
-              <a:t>Conceito fundamental de CDI,</a:t>
-            </a:r>
-            <a:r>
-              <a:rPr kumimoji="0" lang="pt-BR" sz="2400" b="0" i="0" u="none" strike="noStrike" kern="0" cap="none" spc="0" normalizeH="0" dirty="0" smtClean="0">
+              <a:t>Todo </a:t>
+            </a:r>
+            <a:r>
+              <a:rPr kumimoji="0" lang="pt-BR" sz="2400" b="0" i="0" u="none" strike="noStrike" kern="0" cap="none" spc="0" normalizeH="0" baseline="0" dirty="0" err="1">
                 <a:ln>
                   <a:noFill/>
                 </a:ln>
@@ -11373,10 +12419,10 @@
                 <a:uLnTx/>
                 <a:uFillTx/>
               </a:rPr>
-              <a:t> qualificador é uma anotação que podemos aplicar a um tipo de </a:t>
-            </a:r>
-            <a:r>
-              <a:rPr kumimoji="0" lang="pt-BR" sz="2400" b="0" i="0" u="none" strike="noStrike" kern="0" cap="none" spc="0" normalizeH="0" dirty="0" err="1" smtClean="0">
+              <a:t>bean</a:t>
+            </a:r>
+            <a:r>
+              <a:rPr kumimoji="0" lang="pt-BR" sz="2400" b="0" i="0" u="none" strike="noStrike" kern="0" cap="none" spc="0" normalizeH="0" baseline="0" dirty="0">
                 <a:ln>
                   <a:noFill/>
                 </a:ln>
@@ -11387,10 +12433,10 @@
                 <a:uLnTx/>
                 <a:uFillTx/>
               </a:rPr>
-              <a:t>bean</a:t>
-            </a:r>
-            <a:r>
-              <a:rPr kumimoji="0" lang="pt-BR" sz="2400" b="0" i="0" u="none" strike="noStrike" kern="0" cap="none" spc="0" normalizeH="0" dirty="0" smtClean="0">
+              <a:t> em CDI existe em um escopo. Podemos</a:t>
+            </a:r>
+            <a:r>
+              <a:rPr kumimoji="0" lang="pt-BR" sz="2400" b="0" i="0" u="none" strike="noStrike" kern="0" cap="none" spc="0" normalizeH="0" dirty="0">
                 <a:ln>
                   <a:noFill/>
                 </a:ln>
@@ -11401,63 +12447,84 @@
                 <a:uLnTx/>
                 <a:uFillTx/>
               </a:rPr>
-              <a:t> para associá-lo, assim, a uma regra particular dentro de uma aplicação. Por padrão o qualificador atribuído a todo </a:t>
-            </a:r>
-            <a:r>
-              <a:rPr kumimoji="0" lang="pt-BR" sz="2400" b="0" i="0" u="none" strike="noStrike" kern="0" cap="none" spc="0" normalizeH="0" dirty="0" err="1" smtClean="0">
-                <a:ln>
-                  <a:noFill/>
-                </a:ln>
-                <a:solidFill>
-                  <a:schemeClr val="tx1"/>
-                </a:solidFill>
-                <a:effectLst/>
-                <a:uLnTx/>
-                <a:uFillTx/>
-              </a:rPr>
-              <a:t>bean</a:t>
-            </a:r>
-            <a:r>
-              <a:rPr kumimoji="0" lang="pt-BR" sz="2400" b="0" i="0" u="none" strike="noStrike" kern="0" cap="none" spc="0" normalizeH="0" dirty="0" smtClean="0">
-                <a:ln>
-                  <a:noFill/>
-                </a:ln>
-                <a:solidFill>
-                  <a:schemeClr val="tx1"/>
-                </a:solidFill>
-                <a:effectLst/>
-                <a:uLnTx/>
-                <a:uFillTx/>
-              </a:rPr>
-              <a:t> será @</a:t>
-            </a:r>
-            <a:r>
-              <a:rPr kumimoji="0" lang="pt-BR" sz="2400" b="0" i="0" u="none" strike="noStrike" kern="0" cap="none" spc="0" normalizeH="0" dirty="0" err="1" smtClean="0">
-                <a:ln>
-                  <a:noFill/>
-                </a:ln>
-                <a:solidFill>
-                  <a:schemeClr val="tx1"/>
-                </a:solidFill>
-                <a:effectLst/>
-                <a:uLnTx/>
-                <a:uFillTx/>
-              </a:rPr>
-              <a:t>Defalt</a:t>
-            </a:r>
-            <a:r>
-              <a:rPr kumimoji="0" lang="pt-BR" sz="2400" b="0" i="0" u="none" strike="noStrike" kern="0" cap="none" spc="0" normalizeH="0" dirty="0" smtClean="0">
-                <a:ln>
-                  <a:noFill/>
-                </a:ln>
-                <a:solidFill>
-                  <a:schemeClr val="tx1"/>
-                </a:solidFill>
-                <a:effectLst/>
-                <a:uLnTx/>
-                <a:uFillTx/>
-              </a:rPr>
-              <a:t>, podemos também criar qualificadores de acordo com a necessidade da aplicação.</a:t>
+              <a:t> perceber que tem o mesmo nome dos escopos do JSF, porém não podemos fazer confusão nem com os nomes e nem com a utilização !</a:t>
+            </a:r>
+          </a:p>
+          <a:p>
+            <a:pPr marL="342900" lvl="0" indent="-342900">
+              <a:spcBef>
+                <a:spcPct val="20000"/>
+              </a:spcBef>
+              <a:buFont typeface="Arial"/>
+              <a:buChar char="•"/>
+              <a:defRPr lang="pt-BR"/>
+            </a:pPr>
+            <a:endParaRPr kumimoji="0" lang="pt-BR" sz="2400" b="0" i="0" u="none" strike="noStrike" kern="0" cap="none" spc="0" normalizeH="0" dirty="0">
+              <a:ln>
+                <a:noFill/>
+              </a:ln>
+              <a:solidFill>
+                <a:schemeClr val="tx1"/>
+              </a:solidFill>
+              <a:effectLst/>
+              <a:uLnTx/>
+              <a:uFillTx/>
+            </a:endParaRPr>
+          </a:p>
+          <a:p>
+            <a:r>
+              <a:rPr lang="pt-BR" sz="2400" dirty="0"/>
+              <a:t>• @</a:t>
+            </a:r>
+            <a:r>
+              <a:rPr lang="pt-BR" sz="2400" dirty="0" err="1"/>
+              <a:t>ApplicationScoped</a:t>
+            </a:r>
+            <a:r>
+              <a:rPr lang="pt-BR" sz="2400" dirty="0"/>
+              <a:t> 	(Aplicação)</a:t>
+            </a:r>
+          </a:p>
+          <a:p>
+            <a:r>
+              <a:rPr lang="pt-BR" sz="2400" dirty="0"/>
+              <a:t>• @</a:t>
+            </a:r>
+            <a:r>
+              <a:rPr lang="pt-BR" sz="2400" dirty="0" err="1"/>
+              <a:t>SessionScoped</a:t>
+            </a:r>
+            <a:r>
+              <a:rPr lang="pt-BR" sz="2400" dirty="0"/>
+              <a:t> 		(Sessão)</a:t>
+            </a:r>
+          </a:p>
+          <a:p>
+            <a:r>
+              <a:rPr lang="pt-BR" sz="2400" dirty="0"/>
+              <a:t>• @</a:t>
+            </a:r>
+            <a:r>
+              <a:rPr lang="pt-BR" sz="2400" dirty="0" err="1"/>
+              <a:t>RequestScoped</a:t>
+            </a:r>
+            <a:r>
+              <a:rPr lang="pt-BR" sz="2400" dirty="0"/>
+              <a:t>		(Requisição)</a:t>
+            </a:r>
+          </a:p>
+          <a:p>
+            <a:r>
+              <a:rPr lang="pt-BR" sz="2400" dirty="0"/>
+              <a:t>• @</a:t>
+            </a:r>
+            <a:r>
+              <a:rPr lang="pt-BR" sz="2400" dirty="0" err="1"/>
+              <a:t>ViewScoped</a:t>
+            </a:r>
+            <a:r>
+              <a:rPr lang="pt-BR" sz="2400" dirty="0"/>
+              <a:t>		(Por página)</a:t>
             </a:r>
             <a:endParaRPr kumimoji="0" lang="pt-BR" sz="2400" b="0" i="0" u="none" strike="noStrike" kern="0" cap="none" spc="0" normalizeH="0" baseline="0" dirty="0">
               <a:ln>
@@ -11476,7 +12543,7 @@
     </p:spTree>
     <p:extLst>
       <p:ext uri="{BB962C8B-B14F-4D97-AF65-F5344CB8AC3E}">
-        <p14:creationId xmlns:p14="http://schemas.microsoft.com/office/powerpoint/2010/main" val="3581676278"/>
+        <p14:creationId xmlns:p14="http://schemas.microsoft.com/office/powerpoint/2010/main" val="1205031003"/>
       </p:ext>
     </p:extLst>
   </p:cSld>
